--- a/IISA_2025_Lochana_Palayangoda_GOF_v2.pptx
+++ b/IISA_2025_Lochana_Palayangoda_GOF_v2.pptx
@@ -149,7 +149,7 @@
 <file path=ppt/revisionInfo.xml><?xml version="1.0" encoding="utf-8"?>
 <p1510:revInfo xmlns:a="http://schemas.openxmlformats.org/drawingml/2006/main" xmlns:r="http://schemas.openxmlformats.org/officeDocument/2006/relationships" xmlns:p1510="http://schemas.microsoft.com/office/powerpoint/2015/10/main">
   <p1510:revLst>
-    <p1510:client id="{2645D154-5CC0-0044-A7CF-1BA14869C968}" v="36" dt="2025-06-07T15:33:37.571"/>
+    <p1510:client id="{2645D154-5CC0-0044-A7CF-1BA14869C968}" v="129" dt="2025-06-11T15:00:56.736"/>
   </p1510:revLst>
 </p1510:revInfo>
 </file>
@@ -343,7 +343,7 @@
   <pc:docChgLst>
     <pc:chgData name="Lochana Palayangoda" userId="8aa9bd25-0168-4c24-8f93-e835fae91f43" providerId="ADAL" clId="{2645D154-5CC0-0044-A7CF-1BA14869C968}"/>
     <pc:docChg chg="undo custSel addSld modSld">
-      <pc:chgData name="Lochana Palayangoda" userId="8aa9bd25-0168-4c24-8f93-e835fae91f43" providerId="ADAL" clId="{2645D154-5CC0-0044-A7CF-1BA14869C968}" dt="2025-06-07T15:33:37.571" v="301" actId="20577"/>
+      <pc:chgData name="Lochana Palayangoda" userId="8aa9bd25-0168-4c24-8f93-e835fae91f43" providerId="ADAL" clId="{2645D154-5CC0-0044-A7CF-1BA14869C968}" dt="2025-06-11T15:00:56.736" v="558"/>
       <pc:docMkLst>
         <pc:docMk/>
       </pc:docMkLst>
@@ -433,6 +433,21 @@
           </ac:grpSpMkLst>
         </pc:grpChg>
       </pc:sldChg>
+      <pc:sldChg chg="modSp">
+        <pc:chgData name="Lochana Palayangoda" userId="8aa9bd25-0168-4c24-8f93-e835fae91f43" providerId="ADAL" clId="{2645D154-5CC0-0044-A7CF-1BA14869C968}" dt="2025-06-11T14:39:33.199" v="341"/>
+        <pc:sldMkLst>
+          <pc:docMk/>
+          <pc:sldMk cId="192405478" sldId="1036"/>
+        </pc:sldMkLst>
+        <pc:graphicFrameChg chg="mod">
+          <ac:chgData name="Lochana Palayangoda" userId="8aa9bd25-0168-4c24-8f93-e835fae91f43" providerId="ADAL" clId="{2645D154-5CC0-0044-A7CF-1BA14869C968}" dt="2025-06-11T14:39:33.199" v="341"/>
+          <ac:graphicFrameMkLst>
+            <pc:docMk/>
+            <pc:sldMk cId="192405478" sldId="1036"/>
+            <ac:graphicFrameMk id="7" creationId="{454B09B6-D230-6E98-FBD4-E28BF7DA4B3B}"/>
+          </ac:graphicFrameMkLst>
+        </pc:graphicFrameChg>
+      </pc:sldChg>
       <pc:sldChg chg="modSp add mod">
         <pc:chgData name="Lochana Palayangoda" userId="8aa9bd25-0168-4c24-8f93-e835fae91f43" providerId="ADAL" clId="{2645D154-5CC0-0044-A7CF-1BA14869C968}" dt="2025-06-07T15:31:12.802" v="291" actId="20577"/>
         <pc:sldMkLst>
@@ -454,14 +469,6 @@
           <pc:docMk/>
           <pc:sldMk cId="320355027" sldId="1156"/>
         </pc:sldMkLst>
-        <pc:spChg chg="del mod">
-          <ac:chgData name="Lochana Palayangoda" userId="8aa9bd25-0168-4c24-8f93-e835fae91f43" providerId="ADAL" clId="{2645D154-5CC0-0044-A7CF-1BA14869C968}" dt="2025-06-07T15:30:39.359" v="215" actId="478"/>
-          <ac:spMkLst>
-            <pc:docMk/>
-            <pc:sldMk cId="320355027" sldId="1156"/>
-            <ac:spMk id="4" creationId="{66E2B02E-A3A6-A41A-A3FD-2C9FEA27DD08}"/>
-          </ac:spMkLst>
-        </pc:spChg>
         <pc:spChg chg="add del mod">
           <ac:chgData name="Lochana Palayangoda" userId="8aa9bd25-0168-4c24-8f93-e835fae91f43" providerId="ADAL" clId="{2645D154-5CC0-0044-A7CF-1BA14869C968}" dt="2025-06-07T15:31:25.638" v="297" actId="20577"/>
           <ac:spMkLst>
@@ -471,8 +478,8 @@
           </ac:spMkLst>
         </pc:spChg>
       </pc:sldChg>
-      <pc:sldChg chg="modSp">
-        <pc:chgData name="Lochana Palayangoda" userId="8aa9bd25-0168-4c24-8f93-e835fae91f43" providerId="ADAL" clId="{2645D154-5CC0-0044-A7CF-1BA14869C968}" dt="2025-06-07T15:29:10.378" v="198" actId="20577"/>
+      <pc:sldChg chg="modSp modAnim">
+        <pc:chgData name="Lochana Palayangoda" userId="8aa9bd25-0168-4c24-8f93-e835fae91f43" providerId="ADAL" clId="{2645D154-5CC0-0044-A7CF-1BA14869C968}" dt="2025-06-11T14:40:57.458" v="342"/>
         <pc:sldMkLst>
           <pc:docMk/>
           <pc:sldMk cId="2516719997" sldId="1162"/>
@@ -486,8 +493,8 @@
           </ac:spMkLst>
         </pc:spChg>
       </pc:sldChg>
-      <pc:sldChg chg="modSp">
-        <pc:chgData name="Lochana Palayangoda" userId="8aa9bd25-0168-4c24-8f93-e835fae91f43" providerId="ADAL" clId="{2645D154-5CC0-0044-A7CF-1BA14869C968}" dt="2025-06-07T15:28:23.169" v="180" actId="20577"/>
+      <pc:sldChg chg="addSp modSp mod modAnim">
+        <pc:chgData name="Lochana Palayangoda" userId="8aa9bd25-0168-4c24-8f93-e835fae91f43" providerId="ADAL" clId="{2645D154-5CC0-0044-A7CF-1BA14869C968}" dt="2025-06-11T14:38:38.975" v="324"/>
         <pc:sldMkLst>
           <pc:docMk/>
           <pc:sldMk cId="2004350494" sldId="1163"/>
@@ -500,13 +507,59 @@
             <ac:spMk id="5" creationId="{2191F676-A110-E7CF-93AA-612531CF6FBE}"/>
           </ac:spMkLst>
         </pc:spChg>
+        <pc:spChg chg="add mod">
+          <ac:chgData name="Lochana Palayangoda" userId="8aa9bd25-0168-4c24-8f93-e835fae91f43" providerId="ADAL" clId="{2645D154-5CC0-0044-A7CF-1BA14869C968}" dt="2025-06-11T14:38:27.630" v="323" actId="1076"/>
+          <ac:spMkLst>
+            <pc:docMk/>
+            <pc:sldMk cId="2004350494" sldId="1163"/>
+            <ac:spMk id="8" creationId="{1A4B6F61-2E16-6574-463A-98726BAC16D3}"/>
+          </ac:spMkLst>
+        </pc:spChg>
       </pc:sldChg>
-      <pc:sldChg chg="modSp mod">
-        <pc:chgData name="Lochana Palayangoda" userId="8aa9bd25-0168-4c24-8f93-e835fae91f43" providerId="ADAL" clId="{2645D154-5CC0-0044-A7CF-1BA14869C968}" dt="2025-06-07T15:32:36.529" v="300" actId="404"/>
+      <pc:sldChg chg="modAnim">
+        <pc:chgData name="Lochana Palayangoda" userId="8aa9bd25-0168-4c24-8f93-e835fae91f43" providerId="ADAL" clId="{2645D154-5CC0-0044-A7CF-1BA14869C968}" dt="2025-06-11T14:41:34.617" v="344"/>
+        <pc:sldMkLst>
+          <pc:docMk/>
+          <pc:sldMk cId="2151700491" sldId="1165"/>
+        </pc:sldMkLst>
+      </pc:sldChg>
+      <pc:sldChg chg="addSp delSp modSp mod">
+        <pc:chgData name="Lochana Palayangoda" userId="8aa9bd25-0168-4c24-8f93-e835fae91f43" providerId="ADAL" clId="{2645D154-5CC0-0044-A7CF-1BA14869C968}" dt="2025-06-11T15:00:56.736" v="558"/>
+        <pc:sldMkLst>
+          <pc:docMk/>
+          <pc:sldMk cId="4246125195" sldId="1169"/>
+        </pc:sldMkLst>
+        <pc:spChg chg="add del mod">
+          <ac:chgData name="Lochana Palayangoda" userId="8aa9bd25-0168-4c24-8f93-e835fae91f43" providerId="ADAL" clId="{2645D154-5CC0-0044-A7CF-1BA14869C968}" dt="2025-06-11T15:00:56.382" v="557" actId="478"/>
+          <ac:spMkLst>
+            <pc:docMk/>
+            <pc:sldMk cId="4246125195" sldId="1169"/>
+            <ac:spMk id="3" creationId="{87929A14-83CD-6362-6EF7-889350A00C3A}"/>
+          </ac:spMkLst>
+        </pc:spChg>
+        <pc:spChg chg="add mod">
+          <ac:chgData name="Lochana Palayangoda" userId="8aa9bd25-0168-4c24-8f93-e835fae91f43" providerId="ADAL" clId="{2645D154-5CC0-0044-A7CF-1BA14869C968}" dt="2025-06-11T15:00:56.736" v="558"/>
+          <ac:spMkLst>
+            <pc:docMk/>
+            <pc:sldMk cId="4246125195" sldId="1169"/>
+            <ac:spMk id="5" creationId="{2107C96D-A5E7-8880-D102-1D3E2B5E7DFC}"/>
+          </ac:spMkLst>
+        </pc:spChg>
+      </pc:sldChg>
+      <pc:sldChg chg="addSp delSp modSp mod delAnim modAnim">
+        <pc:chgData name="Lochana Palayangoda" userId="8aa9bd25-0168-4c24-8f93-e835fae91f43" providerId="ADAL" clId="{2645D154-5CC0-0044-A7CF-1BA14869C968}" dt="2025-06-11T15:00:11.019" v="556" actId="20577"/>
         <pc:sldMkLst>
           <pc:docMk/>
           <pc:sldMk cId="304047815" sldId="1170"/>
         </pc:sldMkLst>
+        <pc:spChg chg="del mod">
+          <ac:chgData name="Lochana Palayangoda" userId="8aa9bd25-0168-4c24-8f93-e835fae91f43" providerId="ADAL" clId="{2645D154-5CC0-0044-A7CF-1BA14869C968}" dt="2025-06-11T14:46:25.276" v="464" actId="478"/>
+          <ac:spMkLst>
+            <pc:docMk/>
+            <pc:sldMk cId="304047815" sldId="1170"/>
+            <ac:spMk id="3" creationId="{4A32813B-7360-0BFF-8CCA-AA151D4D601E}"/>
+          </ac:spMkLst>
+        </pc:spChg>
         <pc:spChg chg="mod">
           <ac:chgData name="Lochana Palayangoda" userId="8aa9bd25-0168-4c24-8f93-e835fae91f43" providerId="ADAL" clId="{2645D154-5CC0-0044-A7CF-1BA14869C968}" dt="2025-06-07T15:32:36.529" v="300" actId="404"/>
           <ac:spMkLst>
@@ -515,6 +568,78 @@
             <ac:spMk id="4" creationId="{E06C6879-4D82-394D-984E-FA80948FBFCF}"/>
           </ac:spMkLst>
         </pc:spChg>
+        <pc:spChg chg="mod">
+          <ac:chgData name="Lochana Palayangoda" userId="8aa9bd25-0168-4c24-8f93-e835fae91f43" providerId="ADAL" clId="{2645D154-5CC0-0044-A7CF-1BA14869C968}" dt="2025-06-11T14:42:22.189" v="346" actId="1076"/>
+          <ac:spMkLst>
+            <pc:docMk/>
+            <pc:sldMk cId="304047815" sldId="1170"/>
+            <ac:spMk id="5" creationId="{9ADA8A1D-C9E6-2311-1886-188F0330E28C}"/>
+          </ac:spMkLst>
+        </pc:spChg>
+        <pc:spChg chg="add mod">
+          <ac:chgData name="Lochana Palayangoda" userId="8aa9bd25-0168-4c24-8f93-e835fae91f43" providerId="ADAL" clId="{2645D154-5CC0-0044-A7CF-1BA14869C968}" dt="2025-06-11T14:44:19.014" v="434" actId="1076"/>
+          <ac:spMkLst>
+            <pc:docMk/>
+            <pc:sldMk cId="304047815" sldId="1170"/>
+            <ac:spMk id="6" creationId="{97CB0E0F-2551-A68C-08B7-940EEA48E1AC}"/>
+          </ac:spMkLst>
+        </pc:spChg>
+        <pc:spChg chg="add mod">
+          <ac:chgData name="Lochana Palayangoda" userId="8aa9bd25-0168-4c24-8f93-e835fae91f43" providerId="ADAL" clId="{2645D154-5CC0-0044-A7CF-1BA14869C968}" dt="2025-06-11T14:45:19.793" v="457" actId="207"/>
+          <ac:spMkLst>
+            <pc:docMk/>
+            <pc:sldMk cId="304047815" sldId="1170"/>
+            <ac:spMk id="8" creationId="{12428D54-6836-BBD2-D708-D90991A0278F}"/>
+          </ac:spMkLst>
+        </pc:spChg>
+        <pc:spChg chg="add mod">
+          <ac:chgData name="Lochana Palayangoda" userId="8aa9bd25-0168-4c24-8f93-e835fae91f43" providerId="ADAL" clId="{2645D154-5CC0-0044-A7CF-1BA14869C968}" dt="2025-06-11T14:44:47.926" v="441" actId="207"/>
+          <ac:spMkLst>
+            <pc:docMk/>
+            <pc:sldMk cId="304047815" sldId="1170"/>
+            <ac:spMk id="9" creationId="{36832578-FE9A-0753-9911-8346A8756BDC}"/>
+          </ac:spMkLst>
+        </pc:spChg>
+        <pc:spChg chg="add mod">
+          <ac:chgData name="Lochana Palayangoda" userId="8aa9bd25-0168-4c24-8f93-e835fae91f43" providerId="ADAL" clId="{2645D154-5CC0-0044-A7CF-1BA14869C968}" dt="2025-06-11T14:45:25.609" v="458" actId="207"/>
+          <ac:spMkLst>
+            <pc:docMk/>
+            <pc:sldMk cId="304047815" sldId="1170"/>
+            <ac:spMk id="10" creationId="{6D4E8553-9D9D-FCCF-AFF8-53106F0B058D}"/>
+          </ac:spMkLst>
+        </pc:spChg>
+        <pc:spChg chg="add mod">
+          <ac:chgData name="Lochana Palayangoda" userId="8aa9bd25-0168-4c24-8f93-e835fae91f43" providerId="ADAL" clId="{2645D154-5CC0-0044-A7CF-1BA14869C968}" dt="2025-06-11T14:46:31.818" v="466" actId="1076"/>
+          <ac:spMkLst>
+            <pc:docMk/>
+            <pc:sldMk cId="304047815" sldId="1170"/>
+            <ac:spMk id="11" creationId="{9C2DF9D1-2460-5A6B-7768-FE9482BEDB9D}"/>
+          </ac:spMkLst>
+        </pc:spChg>
+        <pc:spChg chg="add mod">
+          <ac:chgData name="Lochana Palayangoda" userId="8aa9bd25-0168-4c24-8f93-e835fae91f43" providerId="ADAL" clId="{2645D154-5CC0-0044-A7CF-1BA14869C968}" dt="2025-06-11T15:00:11.019" v="556" actId="20577"/>
+          <ac:spMkLst>
+            <pc:docMk/>
+            <pc:sldMk cId="304047815" sldId="1170"/>
+            <ac:spMk id="12" creationId="{C854BA63-6954-6299-D85A-A3DBCD5B235C}"/>
+          </ac:spMkLst>
+        </pc:spChg>
+        <pc:spChg chg="mod">
+          <ac:chgData name="Lochana Palayangoda" userId="8aa9bd25-0168-4c24-8f93-e835fae91f43" providerId="ADAL" clId="{2645D154-5CC0-0044-A7CF-1BA14869C968}" dt="2025-06-11T14:42:31.225" v="348" actId="207"/>
+          <ac:spMkLst>
+            <pc:docMk/>
+            <pc:sldMk cId="304047815" sldId="1170"/>
+            <ac:spMk id="22" creationId="{D9D8AA0C-57B6-0AFF-37A3-A1F113703E65}"/>
+          </ac:spMkLst>
+        </pc:spChg>
+        <pc:picChg chg="mod">
+          <ac:chgData name="Lochana Palayangoda" userId="8aa9bd25-0168-4c24-8f93-e835fae91f43" providerId="ADAL" clId="{2645D154-5CC0-0044-A7CF-1BA14869C968}" dt="2025-06-11T14:42:18.740" v="345" actId="1076"/>
+          <ac:picMkLst>
+            <pc:docMk/>
+            <pc:sldMk cId="304047815" sldId="1170"/>
+            <ac:picMk id="7" creationId="{0387D2DC-C1EA-0877-B0C9-FECD143C48EA}"/>
+          </ac:picMkLst>
+        </pc:picChg>
       </pc:sldChg>
       <pc:sldChg chg="modSp">
         <pc:chgData name="Lochana Palayangoda" userId="8aa9bd25-0168-4c24-8f93-e835fae91f43" providerId="ADAL" clId="{2645D154-5CC0-0044-A7CF-1BA14869C968}" dt="2025-06-07T15:33:37.571" v="301" actId="20577"/>
@@ -672,46 +797,6 @@
           <pc:docMk/>
           <pc:sldMk cId="320558501" sldId="1158"/>
         </pc:sldMkLst>
-        <pc:spChg chg="mod">
-          <ac:chgData name="Lochana Palayangoda" userId="8aa9bd25-0168-4c24-8f93-e835fae91f43" providerId="ADAL" clId="{43A4E775-A02C-6B4F-9E0F-A923590329D4}" dt="2025-03-09T05:17:06.005" v="2001" actId="20577"/>
-          <ac:spMkLst>
-            <pc:docMk/>
-            <pc:sldMk cId="320558501" sldId="1158"/>
-            <ac:spMk id="4" creationId="{34EBEEB3-3D66-9527-E3B7-BD4935C06068}"/>
-          </ac:spMkLst>
-        </pc:spChg>
-        <pc:spChg chg="add mod">
-          <ac:chgData name="Lochana Palayangoda" userId="8aa9bd25-0168-4c24-8f93-e835fae91f43" providerId="ADAL" clId="{43A4E775-A02C-6B4F-9E0F-A923590329D4}" dt="2025-03-09T05:16:35.026" v="1999" actId="1076"/>
-          <ac:spMkLst>
-            <pc:docMk/>
-            <pc:sldMk cId="320558501" sldId="1158"/>
-            <ac:spMk id="6" creationId="{370A7656-20B5-07E2-ADE1-43F93BFA627F}"/>
-          </ac:spMkLst>
-        </pc:spChg>
-        <pc:spChg chg="add mod">
-          <ac:chgData name="Lochana Palayangoda" userId="8aa9bd25-0168-4c24-8f93-e835fae91f43" providerId="ADAL" clId="{43A4E775-A02C-6B4F-9E0F-A923590329D4}" dt="2025-03-09T05:14:31.791" v="1774" actId="1076"/>
-          <ac:spMkLst>
-            <pc:docMk/>
-            <pc:sldMk cId="320558501" sldId="1158"/>
-            <ac:spMk id="7" creationId="{F4575C57-17E7-8896-72EA-8D0B84D25C68}"/>
-          </ac:spMkLst>
-        </pc:spChg>
-        <pc:picChg chg="add mod modCrop">
-          <ac:chgData name="Lochana Palayangoda" userId="8aa9bd25-0168-4c24-8f93-e835fae91f43" providerId="ADAL" clId="{43A4E775-A02C-6B4F-9E0F-A923590329D4}" dt="2025-03-09T05:16:33.508" v="1998" actId="1076"/>
-          <ac:picMkLst>
-            <pc:docMk/>
-            <pc:sldMk cId="320558501" sldId="1158"/>
-            <ac:picMk id="5" creationId="{E9882846-71DE-2FA5-417C-8810192DEF34}"/>
-          </ac:picMkLst>
-        </pc:picChg>
-        <pc:picChg chg="add mod modCrop">
-          <ac:chgData name="Lochana Palayangoda" userId="8aa9bd25-0168-4c24-8f93-e835fae91f43" providerId="ADAL" clId="{43A4E775-A02C-6B4F-9E0F-A923590329D4}" dt="2025-03-09T05:16:31.161" v="1997" actId="1076"/>
-          <ac:picMkLst>
-            <pc:docMk/>
-            <pc:sldMk cId="320558501" sldId="1158"/>
-            <ac:picMk id="11" creationId="{CD4E165A-D941-C730-AA75-2E9C94587493}"/>
-          </ac:picMkLst>
-        </pc:picChg>
       </pc:sldChg>
       <pc:sldChg chg="addSp delSp modSp add del mod">
         <pc:chgData name="Lochana Palayangoda" userId="8aa9bd25-0168-4c24-8f93-e835fae91f43" providerId="ADAL" clId="{43A4E775-A02C-6B4F-9E0F-A923590329D4}" dt="2025-03-09T05:44:48.258" v="3415" actId="2696"/>
@@ -740,22 +825,6 @@
           <pc:docMk/>
           <pc:sldMk cId="2516719997" sldId="1162"/>
         </pc:sldMkLst>
-        <pc:spChg chg="mod">
-          <ac:chgData name="Lochana Palayangoda" userId="8aa9bd25-0168-4c24-8f93-e835fae91f43" providerId="ADAL" clId="{43A4E775-A02C-6B4F-9E0F-A923590329D4}" dt="2025-03-09T05:30:54.193" v="2728" actId="20577"/>
-          <ac:spMkLst>
-            <pc:docMk/>
-            <pc:sldMk cId="2516719997" sldId="1162"/>
-            <ac:spMk id="3" creationId="{4812DA27-4B8C-1ED9-C9BA-1295FDBC08F3}"/>
-          </ac:spMkLst>
-        </pc:spChg>
-        <pc:graphicFrameChg chg="add mod modGraphic">
-          <ac:chgData name="Lochana Palayangoda" userId="8aa9bd25-0168-4c24-8f93-e835fae91f43" providerId="ADAL" clId="{43A4E775-A02C-6B4F-9E0F-A923590329D4}" dt="2025-03-09T05:31:00.733" v="2729" actId="1076"/>
-          <ac:graphicFrameMkLst>
-            <pc:docMk/>
-            <pc:sldMk cId="2516719997" sldId="1162"/>
-            <ac:graphicFrameMk id="9" creationId="{43B21A54-AEAE-1613-EC9F-21ACD6DBA1C1}"/>
-          </ac:graphicFrameMkLst>
-        </pc:graphicFrameChg>
       </pc:sldChg>
       <pc:sldChg chg="modSp add mod modAnim">
         <pc:chgData name="Lochana Palayangoda" userId="8aa9bd25-0168-4c24-8f93-e835fae91f43" providerId="ADAL" clId="{43A4E775-A02C-6B4F-9E0F-A923590329D4}" dt="2025-03-09T05:51:47.922" v="3759"/>
@@ -763,14 +832,6 @@
           <pc:docMk/>
           <pc:sldMk cId="2004350494" sldId="1163"/>
         </pc:sldMkLst>
-        <pc:spChg chg="mod">
-          <ac:chgData name="Lochana Palayangoda" userId="8aa9bd25-0168-4c24-8f93-e835fae91f43" providerId="ADAL" clId="{43A4E775-A02C-6B4F-9E0F-A923590329D4}" dt="2025-03-09T05:03:25.226" v="1746" actId="20577"/>
-          <ac:spMkLst>
-            <pc:docMk/>
-            <pc:sldMk cId="2004350494" sldId="1163"/>
-            <ac:spMk id="3" creationId="{DAF88813-61CD-B6BF-2B99-A2A91A5369AB}"/>
-          </ac:spMkLst>
-        </pc:spChg>
       </pc:sldChg>
       <pc:sldChg chg="addSp delSp modSp add mod modAnim">
         <pc:chgData name="Lochana Palayangoda" userId="8aa9bd25-0168-4c24-8f93-e835fae91f43" providerId="ADAL" clId="{43A4E775-A02C-6B4F-9E0F-A923590329D4}" dt="2025-03-09T05:51:36.498" v="3758"/>
@@ -778,38 +839,6 @@
           <pc:docMk/>
           <pc:sldMk cId="2341673651" sldId="1164"/>
         </pc:sldMkLst>
-        <pc:spChg chg="mod">
-          <ac:chgData name="Lochana Palayangoda" userId="8aa9bd25-0168-4c24-8f93-e835fae91f43" providerId="ADAL" clId="{43A4E775-A02C-6B4F-9E0F-A923590329D4}" dt="2025-03-09T05:02:21.358" v="1716" actId="14"/>
-          <ac:spMkLst>
-            <pc:docMk/>
-            <pc:sldMk cId="2341673651" sldId="1164"/>
-            <ac:spMk id="3" creationId="{E20A96C6-50E6-3460-F3B5-6574C7038901}"/>
-          </ac:spMkLst>
-        </pc:spChg>
-        <pc:spChg chg="mod">
-          <ac:chgData name="Lochana Palayangoda" userId="8aa9bd25-0168-4c24-8f93-e835fae91f43" providerId="ADAL" clId="{43A4E775-A02C-6B4F-9E0F-A923590329D4}" dt="2025-03-09T05:03:30.804" v="1747" actId="20577"/>
-          <ac:spMkLst>
-            <pc:docMk/>
-            <pc:sldMk cId="2341673651" sldId="1164"/>
-            <ac:spMk id="4" creationId="{0CFEDD38-E11D-FFCE-EBA8-C8F1086F1401}"/>
-          </ac:spMkLst>
-        </pc:spChg>
-        <pc:picChg chg="add mod modCrop">
-          <ac:chgData name="Lochana Palayangoda" userId="8aa9bd25-0168-4c24-8f93-e835fae91f43" providerId="ADAL" clId="{43A4E775-A02C-6B4F-9E0F-A923590329D4}" dt="2025-03-09T05:02:38.440" v="1719" actId="1076"/>
-          <ac:picMkLst>
-            <pc:docMk/>
-            <pc:sldMk cId="2341673651" sldId="1164"/>
-            <ac:picMk id="5" creationId="{8FAC2831-A245-B17A-79AB-742B4D33F3C5}"/>
-          </ac:picMkLst>
-        </pc:picChg>
-        <pc:picChg chg="add mod">
-          <ac:chgData name="Lochana Palayangoda" userId="8aa9bd25-0168-4c24-8f93-e835fae91f43" providerId="ADAL" clId="{43A4E775-A02C-6B4F-9E0F-A923590329D4}" dt="2025-03-09T05:02:33.042" v="1718" actId="1076"/>
-          <ac:picMkLst>
-            <pc:docMk/>
-            <pc:sldMk cId="2341673651" sldId="1164"/>
-            <ac:picMk id="7" creationId="{5B4878C3-B3AC-8A3F-DCBB-B18568063649}"/>
-          </ac:picMkLst>
-        </pc:picChg>
       </pc:sldChg>
       <pc:sldChg chg="addSp delSp modSp add mod delAnim modAnim">
         <pc:chgData name="Lochana Palayangoda" userId="8aa9bd25-0168-4c24-8f93-e835fae91f43" providerId="ADAL" clId="{43A4E775-A02C-6B4F-9E0F-A923590329D4}" dt="2025-03-10T23:36:42.751" v="3840" actId="20577"/>
@@ -817,110 +846,6 @@
           <pc:docMk/>
           <pc:sldMk cId="2151700491" sldId="1165"/>
         </pc:sldMkLst>
-        <pc:spChg chg="add mod">
-          <ac:chgData name="Lochana Palayangoda" userId="8aa9bd25-0168-4c24-8f93-e835fae91f43" providerId="ADAL" clId="{43A4E775-A02C-6B4F-9E0F-A923590329D4}" dt="2025-03-09T06:00:16.159" v="3799" actId="1076"/>
-          <ac:spMkLst>
-            <pc:docMk/>
-            <pc:sldMk cId="2151700491" sldId="1165"/>
-            <ac:spMk id="3" creationId="{FF2AB56D-BE9D-39C1-AE80-BD0649775E9D}"/>
-          </ac:spMkLst>
-        </pc:spChg>
-        <pc:spChg chg="mod">
-          <ac:chgData name="Lochana Palayangoda" userId="8aa9bd25-0168-4c24-8f93-e835fae91f43" providerId="ADAL" clId="{43A4E775-A02C-6B4F-9E0F-A923590329D4}" dt="2025-03-09T05:18:47.059" v="2059" actId="20577"/>
-          <ac:spMkLst>
-            <pc:docMk/>
-            <pc:sldMk cId="2151700491" sldId="1165"/>
-            <ac:spMk id="4" creationId="{F19DCBEC-5828-9126-466F-5B271D2C8E5D}"/>
-          </ac:spMkLst>
-        </pc:spChg>
-        <pc:spChg chg="mod">
-          <ac:chgData name="Lochana Palayangoda" userId="8aa9bd25-0168-4c24-8f93-e835fae91f43" providerId="ADAL" clId="{43A4E775-A02C-6B4F-9E0F-A923590329D4}" dt="2025-03-09T06:00:16.159" v="3799" actId="1076"/>
-          <ac:spMkLst>
-            <pc:docMk/>
-            <pc:sldMk cId="2151700491" sldId="1165"/>
-            <ac:spMk id="6" creationId="{EC9E1A81-A69F-6984-F336-8D471E5ECD8A}"/>
-          </ac:spMkLst>
-        </pc:spChg>
-        <pc:spChg chg="mod">
-          <ac:chgData name="Lochana Palayangoda" userId="8aa9bd25-0168-4c24-8f93-e835fae91f43" providerId="ADAL" clId="{43A4E775-A02C-6B4F-9E0F-A923590329D4}" dt="2025-03-09T06:00:16.159" v="3799" actId="1076"/>
-          <ac:spMkLst>
-            <pc:docMk/>
-            <pc:sldMk cId="2151700491" sldId="1165"/>
-            <ac:spMk id="7" creationId="{D2CF5E4D-693F-0F84-2074-9BCB1D8FBE13}"/>
-          </ac:spMkLst>
-        </pc:spChg>
-        <pc:spChg chg="add mod">
-          <ac:chgData name="Lochana Palayangoda" userId="8aa9bd25-0168-4c24-8f93-e835fae91f43" providerId="ADAL" clId="{43A4E775-A02C-6B4F-9E0F-A923590329D4}" dt="2025-03-09T06:00:16.159" v="3799" actId="1076"/>
-          <ac:spMkLst>
-            <pc:docMk/>
-            <pc:sldMk cId="2151700491" sldId="1165"/>
-            <ac:spMk id="12" creationId="{A45E54E3-288F-0D27-2113-89B72DE4A7D8}"/>
-          </ac:spMkLst>
-        </pc:spChg>
-        <pc:spChg chg="mod">
-          <ac:chgData name="Lochana Palayangoda" userId="8aa9bd25-0168-4c24-8f93-e835fae91f43" providerId="ADAL" clId="{43A4E775-A02C-6B4F-9E0F-A923590329D4}" dt="2025-03-09T05:26:05.663" v="2466" actId="1076"/>
-          <ac:spMkLst>
-            <pc:docMk/>
-            <pc:sldMk cId="2151700491" sldId="1165"/>
-            <ac:spMk id="13" creationId="{E9090F37-6228-B2FB-28C3-7C35FA922811}"/>
-          </ac:spMkLst>
-        </pc:spChg>
-        <pc:spChg chg="add mod">
-          <ac:chgData name="Lochana Palayangoda" userId="8aa9bd25-0168-4c24-8f93-e835fae91f43" providerId="ADAL" clId="{43A4E775-A02C-6B4F-9E0F-A923590329D4}" dt="2025-03-09T06:00:16.159" v="3799" actId="1076"/>
-          <ac:spMkLst>
-            <pc:docMk/>
-            <pc:sldMk cId="2151700491" sldId="1165"/>
-            <ac:spMk id="15" creationId="{3F4E3F05-0BB7-0DDD-5417-F12624DE17FA}"/>
-          </ac:spMkLst>
-        </pc:spChg>
-        <pc:spChg chg="add mod">
-          <ac:chgData name="Lochana Palayangoda" userId="8aa9bd25-0168-4c24-8f93-e835fae91f43" providerId="ADAL" clId="{43A4E775-A02C-6B4F-9E0F-A923590329D4}" dt="2025-03-10T23:36:42.751" v="3840" actId="20577"/>
-          <ac:spMkLst>
-            <pc:docMk/>
-            <pc:sldMk cId="2151700491" sldId="1165"/>
-            <ac:spMk id="26" creationId="{B2E53FF6-1661-377E-2948-9B0F1EED6E9D}"/>
-          </ac:spMkLst>
-        </pc:spChg>
-        <pc:grpChg chg="add mod">
-          <ac:chgData name="Lochana Palayangoda" userId="8aa9bd25-0168-4c24-8f93-e835fae91f43" providerId="ADAL" clId="{43A4E775-A02C-6B4F-9E0F-A923590329D4}" dt="2025-03-10T23:34:40.200" v="3807" actId="1076"/>
-          <ac:grpSpMkLst>
-            <pc:docMk/>
-            <pc:sldMk cId="2151700491" sldId="1165"/>
-            <ac:grpSpMk id="27" creationId="{A0E107AC-4AC8-4AB9-6482-7167698DE8BE}"/>
-          </ac:grpSpMkLst>
-        </pc:grpChg>
-        <pc:picChg chg="add mod modCrop">
-          <ac:chgData name="Lochana Palayangoda" userId="8aa9bd25-0168-4c24-8f93-e835fae91f43" providerId="ADAL" clId="{43A4E775-A02C-6B4F-9E0F-A923590329D4}" dt="2025-03-09T05:23:49.154" v="2373" actId="1076"/>
-          <ac:picMkLst>
-            <pc:docMk/>
-            <pc:sldMk cId="2151700491" sldId="1165"/>
-            <ac:picMk id="23" creationId="{1E2460D9-0C3F-8B09-FB79-18668DCFDAA1}"/>
-          </ac:picMkLst>
-        </pc:picChg>
-        <pc:picChg chg="add mod modCrop">
-          <ac:chgData name="Lochana Palayangoda" userId="8aa9bd25-0168-4c24-8f93-e835fae91f43" providerId="ADAL" clId="{43A4E775-A02C-6B4F-9E0F-A923590329D4}" dt="2025-03-09T05:23:49.154" v="2373" actId="1076"/>
-          <ac:picMkLst>
-            <pc:docMk/>
-            <pc:sldMk cId="2151700491" sldId="1165"/>
-            <ac:picMk id="24" creationId="{EC550162-653B-6DD9-ADF3-9A2A6A7DE2B0}"/>
-          </ac:picMkLst>
-        </pc:picChg>
-        <pc:cxnChg chg="mod">
-          <ac:chgData name="Lochana Palayangoda" userId="8aa9bd25-0168-4c24-8f93-e835fae91f43" providerId="ADAL" clId="{43A4E775-A02C-6B4F-9E0F-A923590329D4}" dt="2025-03-09T06:00:16.159" v="3799" actId="1076"/>
-          <ac:cxnSpMkLst>
-            <pc:docMk/>
-            <pc:sldMk cId="2151700491" sldId="1165"/>
-            <ac:cxnSpMk id="9" creationId="{A40A16AF-6F97-DA11-35D0-FA20B60EE003}"/>
-          </ac:cxnSpMkLst>
-        </pc:cxnChg>
-        <pc:cxnChg chg="add mod">
-          <ac:chgData name="Lochana Palayangoda" userId="8aa9bd25-0168-4c24-8f93-e835fae91f43" providerId="ADAL" clId="{43A4E775-A02C-6B4F-9E0F-A923590329D4}" dt="2025-03-09T06:00:16.159" v="3799" actId="1076"/>
-          <ac:cxnSpMkLst>
-            <pc:docMk/>
-            <pc:sldMk cId="2151700491" sldId="1165"/>
-            <ac:cxnSpMk id="16" creationId="{731CB628-B99D-54E4-7F94-433BF0DCB73A}"/>
-          </ac:cxnSpMkLst>
-        </pc:cxnChg>
       </pc:sldChg>
       <pc:sldChg chg="addSp delSp modSp add mod delAnim modAnim">
         <pc:chgData name="Lochana Palayangoda" userId="8aa9bd25-0168-4c24-8f93-e835fae91f43" providerId="ADAL" clId="{43A4E775-A02C-6B4F-9E0F-A923590329D4}" dt="2025-03-10T23:35:31.026" v="3831" actId="14100"/>
@@ -928,110 +853,6 @@
           <pc:docMk/>
           <pc:sldMk cId="1130868688" sldId="1166"/>
         </pc:sldMkLst>
-        <pc:spChg chg="mod">
-          <ac:chgData name="Lochana Palayangoda" userId="8aa9bd25-0168-4c24-8f93-e835fae91f43" providerId="ADAL" clId="{43A4E775-A02C-6B4F-9E0F-A923590329D4}" dt="2025-03-09T06:00:25.721" v="3800" actId="1076"/>
-          <ac:spMkLst>
-            <pc:docMk/>
-            <pc:sldMk cId="1130868688" sldId="1166"/>
-            <ac:spMk id="3" creationId="{B457B98A-B655-4AA2-D69D-2A290AF27A50}"/>
-          </ac:spMkLst>
-        </pc:spChg>
-        <pc:spChg chg="mod">
-          <ac:chgData name="Lochana Palayangoda" userId="8aa9bd25-0168-4c24-8f93-e835fae91f43" providerId="ADAL" clId="{43A4E775-A02C-6B4F-9E0F-A923590329D4}" dt="2025-03-09T05:27:29.076" v="2503" actId="20577"/>
-          <ac:spMkLst>
-            <pc:docMk/>
-            <pc:sldMk cId="1130868688" sldId="1166"/>
-            <ac:spMk id="4" creationId="{960FAEAF-3B3F-DD2E-9BF2-DCE671732975}"/>
-          </ac:spMkLst>
-        </pc:spChg>
-        <pc:spChg chg="mod">
-          <ac:chgData name="Lochana Palayangoda" userId="8aa9bd25-0168-4c24-8f93-e835fae91f43" providerId="ADAL" clId="{43A4E775-A02C-6B4F-9E0F-A923590329D4}" dt="2025-03-09T06:00:25.721" v="3800" actId="1076"/>
-          <ac:spMkLst>
-            <pc:docMk/>
-            <pc:sldMk cId="1130868688" sldId="1166"/>
-            <ac:spMk id="6" creationId="{95FA1FDD-7B60-6422-31E5-D7A55C9BADC7}"/>
-          </ac:spMkLst>
-        </pc:spChg>
-        <pc:spChg chg="mod">
-          <ac:chgData name="Lochana Palayangoda" userId="8aa9bd25-0168-4c24-8f93-e835fae91f43" providerId="ADAL" clId="{43A4E775-A02C-6B4F-9E0F-A923590329D4}" dt="2025-03-10T23:35:12.569" v="3830" actId="1036"/>
-          <ac:spMkLst>
-            <pc:docMk/>
-            <pc:sldMk cId="1130868688" sldId="1166"/>
-            <ac:spMk id="7" creationId="{8A6CC372-1249-F8C6-0709-1982C3D4FC14}"/>
-          </ac:spMkLst>
-        </pc:spChg>
-        <pc:spChg chg="add mod">
-          <ac:chgData name="Lochana Palayangoda" userId="8aa9bd25-0168-4c24-8f93-e835fae91f43" providerId="ADAL" clId="{43A4E775-A02C-6B4F-9E0F-A923590329D4}" dt="2025-03-10T23:35:12.569" v="3830" actId="1036"/>
-          <ac:spMkLst>
-            <pc:docMk/>
-            <pc:sldMk cId="1130868688" sldId="1166"/>
-            <ac:spMk id="10" creationId="{2D7744B4-F2DE-2006-89FE-8A1C6BA52A03}"/>
-          </ac:spMkLst>
-        </pc:spChg>
-        <pc:spChg chg="mod">
-          <ac:chgData name="Lochana Palayangoda" userId="8aa9bd25-0168-4c24-8f93-e835fae91f43" providerId="ADAL" clId="{43A4E775-A02C-6B4F-9E0F-A923590329D4}" dt="2025-03-09T06:00:25.721" v="3800" actId="1076"/>
-          <ac:spMkLst>
-            <pc:docMk/>
-            <pc:sldMk cId="1130868688" sldId="1166"/>
-            <ac:spMk id="15" creationId="{7E950F8D-8C43-D8AC-971C-E05F095BDEC8}"/>
-          </ac:spMkLst>
-        </pc:spChg>
-        <pc:spChg chg="add mod">
-          <ac:chgData name="Lochana Palayangoda" userId="8aa9bd25-0168-4c24-8f93-e835fae91f43" providerId="ADAL" clId="{43A4E775-A02C-6B4F-9E0F-A923590329D4}" dt="2025-03-09T06:00:25.721" v="3800" actId="1076"/>
-          <ac:spMkLst>
-            <pc:docMk/>
-            <pc:sldMk cId="1130868688" sldId="1166"/>
-            <ac:spMk id="18" creationId="{E13623B3-A1CE-39A5-FD62-69A45BF7A8D3}"/>
-          </ac:spMkLst>
-        </pc:spChg>
-        <pc:spChg chg="add mod">
-          <ac:chgData name="Lochana Palayangoda" userId="8aa9bd25-0168-4c24-8f93-e835fae91f43" providerId="ADAL" clId="{43A4E775-A02C-6B4F-9E0F-A923590329D4}" dt="2025-03-10T23:35:12.569" v="3830" actId="1036"/>
-          <ac:spMkLst>
-            <pc:docMk/>
-            <pc:sldMk cId="1130868688" sldId="1166"/>
-            <ac:spMk id="22" creationId="{09EAFA83-9579-0494-D858-6705DE7DC015}"/>
-          </ac:spMkLst>
-        </pc:spChg>
-        <pc:spChg chg="mod">
-          <ac:chgData name="Lochana Palayangoda" userId="8aa9bd25-0168-4c24-8f93-e835fae91f43" providerId="ADAL" clId="{43A4E775-A02C-6B4F-9E0F-A923590329D4}" dt="2025-03-10T23:35:31.026" v="3831" actId="14100"/>
-          <ac:spMkLst>
-            <pc:docMk/>
-            <pc:sldMk cId="1130868688" sldId="1166"/>
-            <ac:spMk id="26" creationId="{160DA7F8-F7ED-8F06-1D25-C8EB11070ACD}"/>
-          </ac:spMkLst>
-        </pc:spChg>
-        <pc:picChg chg="add mod">
-          <ac:chgData name="Lochana Palayangoda" userId="8aa9bd25-0168-4c24-8f93-e835fae91f43" providerId="ADAL" clId="{43A4E775-A02C-6B4F-9E0F-A923590329D4}" dt="2025-03-10T23:35:12.569" v="3830" actId="1036"/>
-          <ac:picMkLst>
-            <pc:docMk/>
-            <pc:sldMk cId="1130868688" sldId="1166"/>
-            <ac:picMk id="20" creationId="{8BEFE2B7-B8C2-533F-AB8E-817B40DF99E4}"/>
-          </ac:picMkLst>
-        </pc:picChg>
-        <pc:cxnChg chg="mod">
-          <ac:chgData name="Lochana Palayangoda" userId="8aa9bd25-0168-4c24-8f93-e835fae91f43" providerId="ADAL" clId="{43A4E775-A02C-6B4F-9E0F-A923590329D4}" dt="2025-03-10T23:35:12.569" v="3830" actId="1036"/>
-          <ac:cxnSpMkLst>
-            <pc:docMk/>
-            <pc:sldMk cId="1130868688" sldId="1166"/>
-            <ac:cxnSpMk id="9" creationId="{FEB9F8ED-2586-1B47-23FE-77052926BF22}"/>
-          </ac:cxnSpMkLst>
-        </pc:cxnChg>
-        <pc:cxnChg chg="mod">
-          <ac:chgData name="Lochana Palayangoda" userId="8aa9bd25-0168-4c24-8f93-e835fae91f43" providerId="ADAL" clId="{43A4E775-A02C-6B4F-9E0F-A923590329D4}" dt="2025-03-10T23:35:12.569" v="3830" actId="1036"/>
-          <ac:cxnSpMkLst>
-            <pc:docMk/>
-            <pc:sldMk cId="1130868688" sldId="1166"/>
-            <ac:cxnSpMk id="16" creationId="{88DBA6C4-1656-E2A7-7644-154CCC89CBCD}"/>
-          </ac:cxnSpMkLst>
-        </pc:cxnChg>
-        <pc:cxnChg chg="add mod">
-          <ac:chgData name="Lochana Palayangoda" userId="8aa9bd25-0168-4c24-8f93-e835fae91f43" providerId="ADAL" clId="{43A4E775-A02C-6B4F-9E0F-A923590329D4}" dt="2025-03-09T06:00:25.721" v="3800" actId="1076"/>
-          <ac:cxnSpMkLst>
-            <pc:docMk/>
-            <pc:sldMk cId="1130868688" sldId="1166"/>
-            <ac:cxnSpMk id="27" creationId="{AF23D3AE-5C69-8365-CD3D-ED8EB8D29208}"/>
-          </ac:cxnSpMkLst>
-        </pc:cxnChg>
       </pc:sldChg>
       <pc:sldChg chg="add">
         <pc:chgData name="Lochana Palayangoda" userId="8aa9bd25-0168-4c24-8f93-e835fae91f43" providerId="ADAL" clId="{43A4E775-A02C-6B4F-9E0F-A923590329D4}" dt="2025-03-09T05:38:03.461" v="3100"/>
@@ -1046,22 +867,6 @@
           <pc:docMk/>
           <pc:sldMk cId="1210798932" sldId="1168"/>
         </pc:sldMkLst>
-        <pc:spChg chg="add mod ord">
-          <ac:chgData name="Lochana Palayangoda" userId="8aa9bd25-0168-4c24-8f93-e835fae91f43" providerId="ADAL" clId="{43A4E775-A02C-6B4F-9E0F-A923590329D4}" dt="2025-03-09T05:44:37.983" v="3413" actId="20577"/>
-          <ac:spMkLst>
-            <pc:docMk/>
-            <pc:sldMk cId="1210798932" sldId="1168"/>
-            <ac:spMk id="4" creationId="{2193A858-025E-90D4-9D55-2C7FCE9009EC}"/>
-          </ac:spMkLst>
-        </pc:spChg>
-        <pc:picChg chg="add mod">
-          <ac:chgData name="Lochana Palayangoda" userId="8aa9bd25-0168-4c24-8f93-e835fae91f43" providerId="ADAL" clId="{43A4E775-A02C-6B4F-9E0F-A923590329D4}" dt="2025-03-09T05:44:42.321" v="3414" actId="1076"/>
-          <ac:picMkLst>
-            <pc:docMk/>
-            <pc:sldMk cId="1210798932" sldId="1168"/>
-            <ac:picMk id="7" creationId="{65C457B8-1D14-2699-D4E0-6677CCA0EA41}"/>
-          </ac:picMkLst>
-        </pc:picChg>
       </pc:sldChg>
       <pc:sldChg chg="addSp delSp modSp add mod ord delAnim">
         <pc:chgData name="Lochana Palayangoda" userId="8aa9bd25-0168-4c24-8f93-e835fae91f43" providerId="ADAL" clId="{43A4E775-A02C-6B4F-9E0F-A923590329D4}" dt="2025-03-09T05:47:43.024" v="3457" actId="478"/>
@@ -1069,22 +874,6 @@
           <pc:docMk/>
           <pc:sldMk cId="4246125195" sldId="1169"/>
         </pc:sldMkLst>
-        <pc:spChg chg="mod">
-          <ac:chgData name="Lochana Palayangoda" userId="8aa9bd25-0168-4c24-8f93-e835fae91f43" providerId="ADAL" clId="{43A4E775-A02C-6B4F-9E0F-A923590329D4}" dt="2025-03-09T05:42:42.923" v="3262" actId="20577"/>
-          <ac:spMkLst>
-            <pc:docMk/>
-            <pc:sldMk cId="4246125195" sldId="1169"/>
-            <ac:spMk id="4" creationId="{80F80CDA-F36B-2D64-38C8-0D37CA5C7D7F}"/>
-          </ac:spMkLst>
-        </pc:spChg>
-        <pc:picChg chg="add mod modCrop">
-          <ac:chgData name="Lochana Palayangoda" userId="8aa9bd25-0168-4c24-8f93-e835fae91f43" providerId="ADAL" clId="{43A4E775-A02C-6B4F-9E0F-A923590329D4}" dt="2025-03-09T05:40:59.171" v="3128" actId="732"/>
-          <ac:picMkLst>
-            <pc:docMk/>
-            <pc:sldMk cId="4246125195" sldId="1169"/>
-            <ac:picMk id="7" creationId="{D83F032D-CB1E-1773-5C3A-CAE068B12DF1}"/>
-          </ac:picMkLst>
-        </pc:picChg>
       </pc:sldChg>
       <pc:sldChg chg="addSp modSp add mod modAnim">
         <pc:chgData name="Lochana Palayangoda" userId="8aa9bd25-0168-4c24-8f93-e835fae91f43" providerId="ADAL" clId="{43A4E775-A02C-6B4F-9E0F-A923590329D4}" dt="2025-03-09T05:59:49.772" v="3798"/>
@@ -1092,38 +881,6 @@
           <pc:docMk/>
           <pc:sldMk cId="304047815" sldId="1170"/>
         </pc:sldMkLst>
-        <pc:spChg chg="add mod">
-          <ac:chgData name="Lochana Palayangoda" userId="8aa9bd25-0168-4c24-8f93-e835fae91f43" providerId="ADAL" clId="{43A4E775-A02C-6B4F-9E0F-A923590329D4}" dt="2025-03-09T05:43:37.707" v="3277" actId="1076"/>
-          <ac:spMkLst>
-            <pc:docMk/>
-            <pc:sldMk cId="304047815" sldId="1170"/>
-            <ac:spMk id="3" creationId="{4A32813B-7360-0BFF-8CCA-AA151D4D601E}"/>
-          </ac:spMkLst>
-        </pc:spChg>
-        <pc:spChg chg="add mod">
-          <ac:chgData name="Lochana Palayangoda" userId="8aa9bd25-0168-4c24-8f93-e835fae91f43" providerId="ADAL" clId="{43A4E775-A02C-6B4F-9E0F-A923590329D4}" dt="2025-03-09T05:43:43.858" v="3281" actId="1076"/>
-          <ac:spMkLst>
-            <pc:docMk/>
-            <pc:sldMk cId="304047815" sldId="1170"/>
-            <ac:spMk id="5" creationId="{9ADA8A1D-C9E6-2311-1886-188F0330E28C}"/>
-          </ac:spMkLst>
-        </pc:spChg>
-        <pc:spChg chg="mod">
-          <ac:chgData name="Lochana Palayangoda" userId="8aa9bd25-0168-4c24-8f93-e835fae91f43" providerId="ADAL" clId="{43A4E775-A02C-6B4F-9E0F-A923590329D4}" dt="2025-03-09T05:59:04.675" v="3786" actId="20577"/>
-          <ac:spMkLst>
-            <pc:docMk/>
-            <pc:sldMk cId="304047815" sldId="1170"/>
-            <ac:spMk id="22" creationId="{D9D8AA0C-57B6-0AFF-37A3-A1F113703E65}"/>
-          </ac:spMkLst>
-        </pc:spChg>
-        <pc:picChg chg="mod modCrop">
-          <ac:chgData name="Lochana Palayangoda" userId="8aa9bd25-0168-4c24-8f93-e835fae91f43" providerId="ADAL" clId="{43A4E775-A02C-6B4F-9E0F-A923590329D4}" dt="2025-03-09T05:43:13.583" v="3269" actId="14100"/>
-          <ac:picMkLst>
-            <pc:docMk/>
-            <pc:sldMk cId="304047815" sldId="1170"/>
-            <ac:picMk id="7" creationId="{0387D2DC-C1EA-0877-B0C9-FECD143C48EA}"/>
-          </ac:picMkLst>
-        </pc:picChg>
       </pc:sldChg>
       <pc:sldChg chg="add">
         <pc:chgData name="Lochana Palayangoda" userId="8aa9bd25-0168-4c24-8f93-e835fae91f43" providerId="ADAL" clId="{43A4E775-A02C-6B4F-9E0F-A923590329D4}" dt="2025-03-09T05:44:57.165" v="3416"/>
@@ -1138,54 +895,6 @@
           <pc:docMk/>
           <pc:sldMk cId="2211370437" sldId="1172"/>
         </pc:sldMkLst>
-        <pc:spChg chg="add mod">
-          <ac:chgData name="Lochana Palayangoda" userId="8aa9bd25-0168-4c24-8f93-e835fae91f43" providerId="ADAL" clId="{43A4E775-A02C-6B4F-9E0F-A923590329D4}" dt="2025-03-09T05:47:17.288" v="3455" actId="1076"/>
-          <ac:spMkLst>
-            <pc:docMk/>
-            <pc:sldMk cId="2211370437" sldId="1172"/>
-            <ac:spMk id="12" creationId="{3ED4FBBA-69A5-B8B4-F172-29E3331EC8F7}"/>
-          </ac:spMkLst>
-        </pc:spChg>
-        <pc:spChg chg="add mod">
-          <ac:chgData name="Lochana Palayangoda" userId="8aa9bd25-0168-4c24-8f93-e835fae91f43" providerId="ADAL" clId="{43A4E775-A02C-6B4F-9E0F-A923590329D4}" dt="2025-03-09T05:48:27.112" v="3485" actId="1076"/>
-          <ac:spMkLst>
-            <pc:docMk/>
-            <pc:sldMk cId="2211370437" sldId="1172"/>
-            <ac:spMk id="13" creationId="{A2063BFB-C037-8649-F796-52FAB0B4EA86}"/>
-          </ac:spMkLst>
-        </pc:spChg>
-        <pc:spChg chg="add mod">
-          <ac:chgData name="Lochana Palayangoda" userId="8aa9bd25-0168-4c24-8f93-e835fae91f43" providerId="ADAL" clId="{43A4E775-A02C-6B4F-9E0F-A923590329D4}" dt="2025-03-09T05:59:24.267" v="3792" actId="14100"/>
-          <ac:spMkLst>
-            <pc:docMk/>
-            <pc:sldMk cId="2211370437" sldId="1172"/>
-            <ac:spMk id="14" creationId="{8B10E3F6-BBC2-EE00-9B48-1B94C02C92FA}"/>
-          </ac:spMkLst>
-        </pc:spChg>
-        <pc:picChg chg="add mod modCrop">
-          <ac:chgData name="Lochana Palayangoda" userId="8aa9bd25-0168-4c24-8f93-e835fae91f43" providerId="ADAL" clId="{43A4E775-A02C-6B4F-9E0F-A923590329D4}" dt="2025-03-09T05:46:39.900" v="3435" actId="732"/>
-          <ac:picMkLst>
-            <pc:docMk/>
-            <pc:sldMk cId="2211370437" sldId="1172"/>
-            <ac:picMk id="9" creationId="{BFCEAEE4-5C20-FC0A-2C08-BAE06A1BDB80}"/>
-          </ac:picMkLst>
-        </pc:picChg>
-        <pc:picChg chg="add mod modCrop">
-          <ac:chgData name="Lochana Palayangoda" userId="8aa9bd25-0168-4c24-8f93-e835fae91f43" providerId="ADAL" clId="{43A4E775-A02C-6B4F-9E0F-A923590329D4}" dt="2025-03-09T05:46:52.324" v="3439" actId="1076"/>
-          <ac:picMkLst>
-            <pc:docMk/>
-            <pc:sldMk cId="2211370437" sldId="1172"/>
-            <ac:picMk id="10" creationId="{3C0A7C12-93E8-6C57-5F7B-72B8A1EF1441}"/>
-          </ac:picMkLst>
-        </pc:picChg>
-        <pc:picChg chg="add mod modCrop">
-          <ac:chgData name="Lochana Palayangoda" userId="8aa9bd25-0168-4c24-8f93-e835fae91f43" providerId="ADAL" clId="{43A4E775-A02C-6B4F-9E0F-A923590329D4}" dt="2025-03-09T05:47:06.814" v="3444" actId="1076"/>
-          <ac:picMkLst>
-            <pc:docMk/>
-            <pc:sldMk cId="2211370437" sldId="1172"/>
-            <ac:picMk id="11" creationId="{0CBA66B8-38CC-F06A-F840-032E45BA1697}"/>
-          </ac:picMkLst>
-        </pc:picChg>
       </pc:sldChg>
       <pc:sldChg chg="modSp add mod">
         <pc:chgData name="Lochana Palayangoda" userId="8aa9bd25-0168-4c24-8f93-e835fae91f43" providerId="ADAL" clId="{43A4E775-A02C-6B4F-9E0F-A923590329D4}" dt="2025-03-09T05:50:42.984" v="3742" actId="20577"/>
@@ -1193,22 +902,6 @@
           <pc:docMk/>
           <pc:sldMk cId="971937434" sldId="1173"/>
         </pc:sldMkLst>
-        <pc:spChg chg="mod">
-          <ac:chgData name="Lochana Palayangoda" userId="8aa9bd25-0168-4c24-8f93-e835fae91f43" providerId="ADAL" clId="{43A4E775-A02C-6B4F-9E0F-A923590329D4}" dt="2025-03-09T05:49:08.414" v="3569" actId="20577"/>
-          <ac:spMkLst>
-            <pc:docMk/>
-            <pc:sldMk cId="971937434" sldId="1173"/>
-            <ac:spMk id="4" creationId="{95C909F1-683F-D0BB-CB1F-032B11D6381D}"/>
-          </ac:spMkLst>
-        </pc:spChg>
-        <pc:graphicFrameChg chg="mod">
-          <ac:chgData name="Lochana Palayangoda" userId="8aa9bd25-0168-4c24-8f93-e835fae91f43" providerId="ADAL" clId="{43A4E775-A02C-6B4F-9E0F-A923590329D4}" dt="2025-03-09T05:50:42.984" v="3742" actId="20577"/>
-          <ac:graphicFrameMkLst>
-            <pc:docMk/>
-            <pc:sldMk cId="971937434" sldId="1173"/>
-            <ac:graphicFrameMk id="6" creationId="{FCC96460-81C3-2572-56F8-FAA5C57A7C0E}"/>
-          </ac:graphicFrameMkLst>
-        </pc:graphicFrameChg>
       </pc:sldChg>
     </pc:docChg>
   </pc:docChgLst>
@@ -1619,925 +1312,6 @@
 </file>
 
 <file path=ppt/diagrams/colors1.xml><?xml version="1.0" encoding="utf-8"?>
-<dgm:colorsDef xmlns:dgm="http://schemas.openxmlformats.org/drawingml/2006/diagram" xmlns:a="http://schemas.openxmlformats.org/drawingml/2006/main" uniqueId="urn:microsoft.com/office/officeart/2005/8/colors/colorful1">
-  <dgm:title val=""/>
-  <dgm:desc val=""/>
-  <dgm:catLst>
-    <dgm:cat type="colorful" pri="10100"/>
-  </dgm:catLst>
-  <dgm:styleLbl name="node0">
-    <dgm:fillClrLst meth="repeat">
-      <a:schemeClr val="accent1"/>
-    </dgm:fillClrLst>
-    <dgm:linClrLst meth="repeat">
-      <a:schemeClr val="lt1"/>
-    </dgm:linClrLst>
-    <dgm:effectClrLst/>
-    <dgm:txLinClrLst/>
-    <dgm:txFillClrLst/>
-    <dgm:txEffectClrLst/>
-  </dgm:styleLbl>
-  <dgm:styleLbl name="node1">
-    <dgm:fillClrLst meth="repeat">
-      <a:schemeClr val="accent2"/>
-      <a:schemeClr val="accent3"/>
-      <a:schemeClr val="accent4"/>
-      <a:schemeClr val="accent5"/>
-      <a:schemeClr val="accent6"/>
-    </dgm:fillClrLst>
-    <dgm:linClrLst meth="repeat">
-      <a:schemeClr val="lt1"/>
-    </dgm:linClrLst>
-    <dgm:effectClrLst/>
-    <dgm:txLinClrLst/>
-    <dgm:txFillClrLst/>
-    <dgm:txEffectClrLst/>
-  </dgm:styleLbl>
-  <dgm:styleLbl name="alignNode1">
-    <dgm:fillClrLst meth="repeat">
-      <a:schemeClr val="accent2"/>
-      <a:schemeClr val="accent3"/>
-      <a:schemeClr val="accent4"/>
-      <a:schemeClr val="accent5"/>
-      <a:schemeClr val="accent6"/>
-    </dgm:fillClrLst>
-    <dgm:linClrLst meth="repeat">
-      <a:schemeClr val="accent2"/>
-      <a:schemeClr val="accent3"/>
-      <a:schemeClr val="accent4"/>
-      <a:schemeClr val="accent5"/>
-      <a:schemeClr val="accent6"/>
-    </dgm:linClrLst>
-    <dgm:effectClrLst/>
-    <dgm:txLinClrLst/>
-    <dgm:txFillClrLst/>
-    <dgm:txEffectClrLst/>
-  </dgm:styleLbl>
-  <dgm:styleLbl name="lnNode1">
-    <dgm:fillClrLst meth="repeat">
-      <a:schemeClr val="accent2"/>
-      <a:schemeClr val="accent3"/>
-      <a:schemeClr val="accent4"/>
-      <a:schemeClr val="accent5"/>
-      <a:schemeClr val="accent6"/>
-    </dgm:fillClrLst>
-    <dgm:linClrLst meth="repeat">
-      <a:schemeClr val="lt1"/>
-    </dgm:linClrLst>
-    <dgm:effectClrLst/>
-    <dgm:txLinClrLst/>
-    <dgm:txFillClrLst/>
-    <dgm:txEffectClrLst/>
-  </dgm:styleLbl>
-  <dgm:styleLbl name="vennNode1">
-    <dgm:fillClrLst meth="repeat">
-      <a:schemeClr val="accent2">
-        <a:alpha val="50000"/>
-      </a:schemeClr>
-      <a:schemeClr val="accent3">
-        <a:alpha val="50000"/>
-      </a:schemeClr>
-      <a:schemeClr val="accent4">
-        <a:alpha val="50000"/>
-      </a:schemeClr>
-      <a:schemeClr val="accent5">
-        <a:alpha val="50000"/>
-      </a:schemeClr>
-      <a:schemeClr val="accent6">
-        <a:alpha val="50000"/>
-      </a:schemeClr>
-    </dgm:fillClrLst>
-    <dgm:linClrLst meth="repeat">
-      <a:schemeClr val="lt1"/>
-    </dgm:linClrLst>
-    <dgm:effectClrLst/>
-    <dgm:txLinClrLst/>
-    <dgm:txFillClrLst/>
-    <dgm:txEffectClrLst/>
-  </dgm:styleLbl>
-  <dgm:styleLbl name="node2">
-    <dgm:fillClrLst>
-      <a:schemeClr val="accent2"/>
-    </dgm:fillClrLst>
-    <dgm:linClrLst meth="repeat">
-      <a:schemeClr val="lt1"/>
-    </dgm:linClrLst>
-    <dgm:effectClrLst/>
-    <dgm:txLinClrLst/>
-    <dgm:txFillClrLst/>
-    <dgm:txEffectClrLst/>
-  </dgm:styleLbl>
-  <dgm:styleLbl name="node3">
-    <dgm:fillClrLst>
-      <a:schemeClr val="accent3"/>
-    </dgm:fillClrLst>
-    <dgm:linClrLst meth="repeat">
-      <a:schemeClr val="lt1"/>
-    </dgm:linClrLst>
-    <dgm:effectClrLst/>
-    <dgm:txLinClrLst/>
-    <dgm:txFillClrLst/>
-    <dgm:txEffectClrLst/>
-  </dgm:styleLbl>
-  <dgm:styleLbl name="node4">
-    <dgm:fillClrLst>
-      <a:schemeClr val="accent4"/>
-    </dgm:fillClrLst>
-    <dgm:linClrLst meth="repeat">
-      <a:schemeClr val="lt1"/>
-    </dgm:linClrLst>
-    <dgm:effectClrLst/>
-    <dgm:txLinClrLst/>
-    <dgm:txFillClrLst/>
-    <dgm:txEffectClrLst/>
-  </dgm:styleLbl>
-  <dgm:styleLbl name="fgImgPlace1">
-    <dgm:fillClrLst meth="repeat">
-      <a:schemeClr val="accent2">
-        <a:tint val="50000"/>
-      </a:schemeClr>
-      <a:schemeClr val="accent3">
-        <a:tint val="50000"/>
-      </a:schemeClr>
-      <a:schemeClr val="accent4">
-        <a:tint val="50000"/>
-      </a:schemeClr>
-      <a:schemeClr val="accent5">
-        <a:tint val="50000"/>
-      </a:schemeClr>
-      <a:schemeClr val="accent6">
-        <a:tint val="50000"/>
-      </a:schemeClr>
-    </dgm:fillClrLst>
-    <dgm:linClrLst meth="repeat">
-      <a:schemeClr val="lt1"/>
-    </dgm:linClrLst>
-    <dgm:effectClrLst/>
-    <dgm:txLinClrLst/>
-    <dgm:txFillClrLst meth="repeat">
-      <a:schemeClr val="lt1"/>
-    </dgm:txFillClrLst>
-    <dgm:txEffectClrLst/>
-  </dgm:styleLbl>
-  <dgm:styleLbl name="alignImgPlace1">
-    <dgm:fillClrLst>
-      <a:schemeClr val="accent1">
-        <a:tint val="50000"/>
-      </a:schemeClr>
-      <a:schemeClr val="accent2">
-        <a:tint val="20000"/>
-      </a:schemeClr>
-    </dgm:fillClrLst>
-    <dgm:linClrLst meth="repeat">
-      <a:schemeClr val="lt1"/>
-    </dgm:linClrLst>
-    <dgm:effectClrLst/>
-    <dgm:txLinClrLst/>
-    <dgm:txFillClrLst meth="repeat">
-      <a:schemeClr val="lt1"/>
-    </dgm:txFillClrLst>
-    <dgm:txEffectClrLst/>
-  </dgm:styleLbl>
-  <dgm:styleLbl name="bgImgPlace1">
-    <dgm:fillClrLst>
-      <a:schemeClr val="accent1">
-        <a:tint val="50000"/>
-      </a:schemeClr>
-      <a:schemeClr val="accent2">
-        <a:tint val="20000"/>
-      </a:schemeClr>
-    </dgm:fillClrLst>
-    <dgm:linClrLst meth="repeat">
-      <a:schemeClr val="lt1"/>
-    </dgm:linClrLst>
-    <dgm:effectClrLst/>
-    <dgm:txLinClrLst/>
-    <dgm:txFillClrLst meth="repeat">
-      <a:schemeClr val="lt1"/>
-    </dgm:txFillClrLst>
-    <dgm:txEffectClrLst/>
-  </dgm:styleLbl>
-  <dgm:styleLbl name="sibTrans2D1">
-    <dgm:fillClrLst meth="repeat">
-      <a:schemeClr val="accent2"/>
-      <a:schemeClr val="accent3"/>
-      <a:schemeClr val="accent4"/>
-      <a:schemeClr val="accent5"/>
-      <a:schemeClr val="accent6"/>
-    </dgm:fillClrLst>
-    <dgm:linClrLst meth="cycle">
-      <a:schemeClr val="lt1"/>
-    </dgm:linClrLst>
-    <dgm:effectClrLst/>
-    <dgm:txLinClrLst/>
-    <dgm:txFillClrLst/>
-    <dgm:txEffectClrLst/>
-  </dgm:styleLbl>
-  <dgm:styleLbl name="fgSibTrans2D1">
-    <dgm:fillClrLst meth="repeat">
-      <a:schemeClr val="accent2"/>
-      <a:schemeClr val="accent3"/>
-      <a:schemeClr val="accent4"/>
-      <a:schemeClr val="accent5"/>
-      <a:schemeClr val="accent6"/>
-    </dgm:fillClrLst>
-    <dgm:linClrLst meth="cycle">
-      <a:schemeClr val="lt1"/>
-    </dgm:linClrLst>
-    <dgm:effectClrLst/>
-    <dgm:txLinClrLst/>
-    <dgm:txFillClrLst meth="repeat">
-      <a:schemeClr val="lt1"/>
-    </dgm:txFillClrLst>
-    <dgm:txEffectClrLst/>
-  </dgm:styleLbl>
-  <dgm:styleLbl name="bgSibTrans2D1">
-    <dgm:fillClrLst meth="repeat">
-      <a:schemeClr val="accent2"/>
-      <a:schemeClr val="accent3"/>
-      <a:schemeClr val="accent4"/>
-      <a:schemeClr val="accent5"/>
-      <a:schemeClr val="accent6"/>
-    </dgm:fillClrLst>
-    <dgm:linClrLst meth="cycle">
-      <a:schemeClr val="lt1"/>
-    </dgm:linClrLst>
-    <dgm:effectClrLst/>
-    <dgm:txLinClrLst/>
-    <dgm:txFillClrLst meth="repeat">
-      <a:schemeClr val="lt1"/>
-    </dgm:txFillClrLst>
-    <dgm:txEffectClrLst/>
-  </dgm:styleLbl>
-  <dgm:styleLbl name="sibTrans1D1">
-    <dgm:fillClrLst meth="repeat">
-      <a:schemeClr val="accent2"/>
-      <a:schemeClr val="accent3"/>
-      <a:schemeClr val="accent4"/>
-      <a:schemeClr val="accent5"/>
-      <a:schemeClr val="accent6"/>
-    </dgm:fillClrLst>
-    <dgm:linClrLst meth="repeat">
-      <a:schemeClr val="accent2"/>
-      <a:schemeClr val="accent3"/>
-      <a:schemeClr val="accent4"/>
-      <a:schemeClr val="accent5"/>
-      <a:schemeClr val="accent6"/>
-    </dgm:linClrLst>
-    <dgm:effectClrLst/>
-    <dgm:txLinClrLst/>
-    <dgm:txFillClrLst meth="repeat">
-      <a:schemeClr val="tx1"/>
-    </dgm:txFillClrLst>
-    <dgm:txEffectClrLst/>
-  </dgm:styleLbl>
-  <dgm:styleLbl name="callout">
-    <dgm:fillClrLst meth="repeat">
-      <a:schemeClr val="accent2"/>
-    </dgm:fillClrLst>
-    <dgm:linClrLst meth="repeat">
-      <a:schemeClr val="accent2">
-        <a:tint val="50000"/>
-      </a:schemeClr>
-    </dgm:linClrLst>
-    <dgm:effectClrLst/>
-    <dgm:txLinClrLst/>
-    <dgm:txFillClrLst meth="repeat">
-      <a:schemeClr val="tx1"/>
-    </dgm:txFillClrLst>
-    <dgm:txEffectClrLst/>
-  </dgm:styleLbl>
-  <dgm:styleLbl name="asst0">
-    <dgm:fillClrLst meth="repeat">
-      <a:schemeClr val="accent1"/>
-    </dgm:fillClrLst>
-    <dgm:linClrLst meth="repeat">
-      <a:schemeClr val="lt1"/>
-    </dgm:linClrLst>
-    <dgm:effectClrLst/>
-    <dgm:txLinClrLst/>
-    <dgm:txFillClrLst/>
-    <dgm:txEffectClrLst/>
-  </dgm:styleLbl>
-  <dgm:styleLbl name="asst1">
-    <dgm:fillClrLst meth="repeat">
-      <a:schemeClr val="accent2"/>
-    </dgm:fillClrLst>
-    <dgm:linClrLst meth="repeat">
-      <a:schemeClr val="lt1"/>
-    </dgm:linClrLst>
-    <dgm:effectClrLst/>
-    <dgm:txLinClrLst/>
-    <dgm:txFillClrLst/>
-    <dgm:txEffectClrLst/>
-  </dgm:styleLbl>
-  <dgm:styleLbl name="asst2">
-    <dgm:fillClrLst>
-      <a:schemeClr val="accent3"/>
-    </dgm:fillClrLst>
-    <dgm:linClrLst meth="repeat">
-      <a:schemeClr val="lt1"/>
-    </dgm:linClrLst>
-    <dgm:effectClrLst/>
-    <dgm:txLinClrLst/>
-    <dgm:txFillClrLst/>
-    <dgm:txEffectClrLst/>
-  </dgm:styleLbl>
-  <dgm:styleLbl name="asst3">
-    <dgm:fillClrLst>
-      <a:schemeClr val="accent4"/>
-    </dgm:fillClrLst>
-    <dgm:linClrLst meth="repeat">
-      <a:schemeClr val="lt1"/>
-    </dgm:linClrLst>
-    <dgm:effectClrLst/>
-    <dgm:txLinClrLst/>
-    <dgm:txFillClrLst/>
-    <dgm:txEffectClrLst/>
-  </dgm:styleLbl>
-  <dgm:styleLbl name="asst4">
-    <dgm:fillClrLst>
-      <a:schemeClr val="accent5"/>
-    </dgm:fillClrLst>
-    <dgm:linClrLst meth="repeat">
-      <a:schemeClr val="lt1"/>
-    </dgm:linClrLst>
-    <dgm:effectClrLst/>
-    <dgm:txLinClrLst/>
-    <dgm:txFillClrLst/>
-    <dgm:txEffectClrLst/>
-  </dgm:styleLbl>
-  <dgm:styleLbl name="parChTrans2D1">
-    <dgm:fillClrLst meth="repeat">
-      <a:schemeClr val="accent2"/>
-    </dgm:fillClrLst>
-    <dgm:linClrLst meth="repeat">
-      <a:schemeClr val="lt1"/>
-    </dgm:linClrLst>
-    <dgm:effectClrLst/>
-    <dgm:txLinClrLst/>
-    <dgm:txFillClrLst meth="repeat">
-      <a:schemeClr val="lt1"/>
-    </dgm:txFillClrLst>
-    <dgm:txEffectClrLst/>
-  </dgm:styleLbl>
-  <dgm:styleLbl name="parChTrans2D2">
-    <dgm:fillClrLst meth="repeat">
-      <a:schemeClr val="accent3"/>
-    </dgm:fillClrLst>
-    <dgm:linClrLst meth="repeat">
-      <a:schemeClr val="lt1"/>
-    </dgm:linClrLst>
-    <dgm:effectClrLst/>
-    <dgm:txLinClrLst/>
-    <dgm:txFillClrLst/>
-    <dgm:txEffectClrLst/>
-  </dgm:styleLbl>
-  <dgm:styleLbl name="parChTrans2D3">
-    <dgm:fillClrLst meth="repeat">
-      <a:schemeClr val="accent4"/>
-    </dgm:fillClrLst>
-    <dgm:linClrLst meth="repeat">
-      <a:schemeClr val="lt1"/>
-    </dgm:linClrLst>
-    <dgm:effectClrLst/>
-    <dgm:txLinClrLst/>
-    <dgm:txFillClrLst/>
-    <dgm:txEffectClrLst/>
-  </dgm:styleLbl>
-  <dgm:styleLbl name="parChTrans2D4">
-    <dgm:fillClrLst meth="repeat">
-      <a:schemeClr val="accent5"/>
-    </dgm:fillClrLst>
-    <dgm:linClrLst meth="repeat">
-      <a:schemeClr val="lt1"/>
-    </dgm:linClrLst>
-    <dgm:effectClrLst/>
-    <dgm:txLinClrLst/>
-    <dgm:txFillClrLst meth="repeat">
-      <a:schemeClr val="lt1"/>
-    </dgm:txFillClrLst>
-    <dgm:txEffectClrLst/>
-  </dgm:styleLbl>
-  <dgm:styleLbl name="parChTrans1D1">
-    <dgm:fillClrLst meth="repeat">
-      <a:schemeClr val="accent2"/>
-    </dgm:fillClrLst>
-    <dgm:linClrLst meth="repeat">
-      <a:schemeClr val="accent1"/>
-    </dgm:linClrLst>
-    <dgm:effectClrLst/>
-    <dgm:txLinClrLst/>
-    <dgm:txFillClrLst meth="repeat">
-      <a:schemeClr val="tx1"/>
-    </dgm:txFillClrLst>
-    <dgm:txEffectClrLst/>
-  </dgm:styleLbl>
-  <dgm:styleLbl name="parChTrans1D2">
-    <dgm:fillClrLst meth="repeat">
-      <a:schemeClr val="accent3">
-        <a:tint val="90000"/>
-      </a:schemeClr>
-    </dgm:fillClrLst>
-    <dgm:linClrLst meth="repeat">
-      <a:schemeClr val="accent2"/>
-    </dgm:linClrLst>
-    <dgm:effectClrLst/>
-    <dgm:txLinClrLst/>
-    <dgm:txFillClrLst meth="repeat">
-      <a:schemeClr val="tx1"/>
-    </dgm:txFillClrLst>
-    <dgm:txEffectClrLst/>
-  </dgm:styleLbl>
-  <dgm:styleLbl name="parChTrans1D3">
-    <dgm:fillClrLst meth="repeat">
-      <a:schemeClr val="accent4">
-        <a:tint val="70000"/>
-      </a:schemeClr>
-    </dgm:fillClrLst>
-    <dgm:linClrLst meth="repeat">
-      <a:schemeClr val="accent3"/>
-    </dgm:linClrLst>
-    <dgm:effectClrLst/>
-    <dgm:txLinClrLst/>
-    <dgm:txFillClrLst meth="repeat">
-      <a:schemeClr val="tx1"/>
-    </dgm:txFillClrLst>
-    <dgm:txEffectClrLst/>
-  </dgm:styleLbl>
-  <dgm:styleLbl name="parChTrans1D4">
-    <dgm:fillClrLst meth="repeat">
-      <a:schemeClr val="accent5">
-        <a:tint val="50000"/>
-      </a:schemeClr>
-    </dgm:fillClrLst>
-    <dgm:linClrLst meth="repeat">
-      <a:schemeClr val="accent4"/>
-    </dgm:linClrLst>
-    <dgm:effectClrLst/>
-    <dgm:txLinClrLst/>
-    <dgm:txFillClrLst meth="repeat">
-      <a:schemeClr val="tx1"/>
-    </dgm:txFillClrLst>
-    <dgm:txEffectClrLst/>
-  </dgm:styleLbl>
-  <dgm:styleLbl name="fgAcc1">
-    <dgm:fillClrLst meth="repeat">
-      <a:schemeClr val="lt1">
-        <a:alpha val="90000"/>
-      </a:schemeClr>
-    </dgm:fillClrLst>
-    <dgm:linClrLst meth="repeat">
-      <a:schemeClr val="accent2"/>
-      <a:schemeClr val="accent3"/>
-      <a:schemeClr val="accent4"/>
-      <a:schemeClr val="accent5"/>
-      <a:schemeClr val="accent6"/>
-    </dgm:linClrLst>
-    <dgm:effectClrLst/>
-    <dgm:txLinClrLst/>
-    <dgm:txFillClrLst meth="repeat">
-      <a:schemeClr val="dk1"/>
-    </dgm:txFillClrLst>
-    <dgm:txEffectClrLst/>
-  </dgm:styleLbl>
-  <dgm:styleLbl name="conFgAcc1">
-    <dgm:fillClrLst meth="repeat">
-      <a:schemeClr val="lt1">
-        <a:alpha val="90000"/>
-      </a:schemeClr>
-    </dgm:fillClrLst>
-    <dgm:linClrLst meth="repeat">
-      <a:schemeClr val="accent2"/>
-      <a:schemeClr val="accent3"/>
-      <a:schemeClr val="accent4"/>
-      <a:schemeClr val="accent5"/>
-      <a:schemeClr val="accent6"/>
-    </dgm:linClrLst>
-    <dgm:effectClrLst/>
-    <dgm:txLinClrLst/>
-    <dgm:txFillClrLst meth="repeat">
-      <a:schemeClr val="dk1"/>
-    </dgm:txFillClrLst>
-    <dgm:txEffectClrLst/>
-  </dgm:styleLbl>
-  <dgm:styleLbl name="alignAcc1">
-    <dgm:fillClrLst meth="repeat">
-      <a:schemeClr val="lt1">
-        <a:alpha val="90000"/>
-      </a:schemeClr>
-    </dgm:fillClrLst>
-    <dgm:linClrLst meth="repeat">
-      <a:schemeClr val="accent2"/>
-      <a:schemeClr val="accent3"/>
-      <a:schemeClr val="accent4"/>
-      <a:schemeClr val="accent5"/>
-      <a:schemeClr val="accent6"/>
-    </dgm:linClrLst>
-    <dgm:effectClrLst/>
-    <dgm:txLinClrLst/>
-    <dgm:txFillClrLst meth="repeat">
-      <a:schemeClr val="dk1"/>
-    </dgm:txFillClrLst>
-    <dgm:txEffectClrLst/>
-  </dgm:styleLbl>
-  <dgm:styleLbl name="trAlignAcc1">
-    <dgm:fillClrLst meth="repeat">
-      <a:schemeClr val="lt1">
-        <a:alpha val="40000"/>
-      </a:schemeClr>
-    </dgm:fillClrLst>
-    <dgm:linClrLst meth="repeat">
-      <a:schemeClr val="accent1"/>
-    </dgm:linClrLst>
-    <dgm:effectClrLst/>
-    <dgm:txLinClrLst/>
-    <dgm:txFillClrLst meth="repeat">
-      <a:schemeClr val="dk1"/>
-    </dgm:txFillClrLst>
-    <dgm:txEffectClrLst/>
-  </dgm:styleLbl>
-  <dgm:styleLbl name="bgAcc1">
-    <dgm:fillClrLst meth="repeat">
-      <a:schemeClr val="lt1">
-        <a:alpha val="90000"/>
-      </a:schemeClr>
-    </dgm:fillClrLst>
-    <dgm:linClrLst meth="repeat">
-      <a:schemeClr val="accent2"/>
-      <a:schemeClr val="accent3"/>
-      <a:schemeClr val="accent4"/>
-      <a:schemeClr val="accent5"/>
-      <a:schemeClr val="accent6"/>
-    </dgm:linClrLst>
-    <dgm:effectClrLst/>
-    <dgm:txLinClrLst/>
-    <dgm:txFillClrLst meth="repeat">
-      <a:schemeClr val="dk1"/>
-    </dgm:txFillClrLst>
-    <dgm:txEffectClrLst/>
-  </dgm:styleLbl>
-  <dgm:styleLbl name="solidFgAcc1">
-    <dgm:fillClrLst meth="repeat">
-      <a:schemeClr val="lt1"/>
-    </dgm:fillClrLst>
-    <dgm:linClrLst meth="repeat">
-      <a:schemeClr val="accent2"/>
-      <a:schemeClr val="accent3"/>
-      <a:schemeClr val="accent4"/>
-      <a:schemeClr val="accent5"/>
-      <a:schemeClr val="accent6"/>
-    </dgm:linClrLst>
-    <dgm:effectClrLst/>
-    <dgm:txLinClrLst/>
-    <dgm:txFillClrLst meth="repeat">
-      <a:schemeClr val="dk1"/>
-    </dgm:txFillClrLst>
-    <dgm:txEffectClrLst/>
-  </dgm:styleLbl>
-  <dgm:styleLbl name="solidAlignAcc1">
-    <dgm:fillClrLst meth="repeat">
-      <a:schemeClr val="lt1"/>
-    </dgm:fillClrLst>
-    <dgm:linClrLst meth="repeat">
-      <a:schemeClr val="accent2"/>
-      <a:schemeClr val="accent3"/>
-      <a:schemeClr val="accent4"/>
-      <a:schemeClr val="accent5"/>
-      <a:schemeClr val="accent6"/>
-    </dgm:linClrLst>
-    <dgm:effectClrLst/>
-    <dgm:txLinClrLst/>
-    <dgm:txFillClrLst meth="repeat">
-      <a:schemeClr val="dk1"/>
-    </dgm:txFillClrLst>
-    <dgm:txEffectClrLst/>
-  </dgm:styleLbl>
-  <dgm:styleLbl name="solidBgAcc1">
-    <dgm:fillClrLst meth="repeat">
-      <a:schemeClr val="lt1"/>
-    </dgm:fillClrLst>
-    <dgm:linClrLst meth="repeat">
-      <a:schemeClr val="accent2"/>
-      <a:schemeClr val="accent3"/>
-      <a:schemeClr val="accent4"/>
-      <a:schemeClr val="accent5"/>
-      <a:schemeClr val="accent6"/>
-    </dgm:linClrLst>
-    <dgm:effectClrLst/>
-    <dgm:txLinClrLst/>
-    <dgm:txFillClrLst meth="repeat">
-      <a:schemeClr val="dk1"/>
-    </dgm:txFillClrLst>
-    <dgm:txEffectClrLst/>
-  </dgm:styleLbl>
-  <dgm:styleLbl name="fgAccFollowNode1">
-    <dgm:fillClrLst meth="repeat">
-      <a:schemeClr val="accent2">
-        <a:tint val="40000"/>
-        <a:alpha val="90000"/>
-      </a:schemeClr>
-      <a:schemeClr val="accent3">
-        <a:tint val="40000"/>
-        <a:alpha val="90000"/>
-      </a:schemeClr>
-      <a:schemeClr val="accent4">
-        <a:tint val="40000"/>
-        <a:alpha val="90000"/>
-      </a:schemeClr>
-      <a:schemeClr val="accent5">
-        <a:tint val="40000"/>
-        <a:alpha val="90000"/>
-      </a:schemeClr>
-      <a:schemeClr val="accent6">
-        <a:tint val="40000"/>
-        <a:alpha val="90000"/>
-      </a:schemeClr>
-    </dgm:fillClrLst>
-    <dgm:linClrLst meth="repeat">
-      <a:schemeClr val="accent2">
-        <a:tint val="40000"/>
-        <a:alpha val="90000"/>
-      </a:schemeClr>
-      <a:schemeClr val="accent3">
-        <a:tint val="40000"/>
-        <a:alpha val="90000"/>
-      </a:schemeClr>
-      <a:schemeClr val="accent4">
-        <a:tint val="40000"/>
-        <a:alpha val="90000"/>
-      </a:schemeClr>
-      <a:schemeClr val="accent5">
-        <a:tint val="40000"/>
-        <a:alpha val="90000"/>
-      </a:schemeClr>
-      <a:schemeClr val="accent6">
-        <a:tint val="40000"/>
-        <a:alpha val="90000"/>
-      </a:schemeClr>
-    </dgm:linClrLst>
-    <dgm:effectClrLst/>
-    <dgm:txLinClrLst/>
-    <dgm:txFillClrLst meth="repeat">
-      <a:schemeClr val="dk1"/>
-    </dgm:txFillClrLst>
-    <dgm:txEffectClrLst/>
-  </dgm:styleLbl>
-  <dgm:styleLbl name="alignAccFollowNode1">
-    <dgm:fillClrLst meth="repeat">
-      <a:schemeClr val="accent2">
-        <a:tint val="40000"/>
-        <a:alpha val="90000"/>
-      </a:schemeClr>
-      <a:schemeClr val="accent3">
-        <a:tint val="40000"/>
-        <a:alpha val="90000"/>
-      </a:schemeClr>
-      <a:schemeClr val="accent4">
-        <a:tint val="40000"/>
-        <a:alpha val="90000"/>
-      </a:schemeClr>
-      <a:schemeClr val="accent5">
-        <a:tint val="40000"/>
-        <a:alpha val="90000"/>
-      </a:schemeClr>
-      <a:schemeClr val="accent6">
-        <a:tint val="40000"/>
-        <a:alpha val="90000"/>
-      </a:schemeClr>
-    </dgm:fillClrLst>
-    <dgm:linClrLst meth="repeat">
-      <a:schemeClr val="accent2">
-        <a:tint val="40000"/>
-        <a:alpha val="90000"/>
-      </a:schemeClr>
-      <a:schemeClr val="accent3">
-        <a:tint val="40000"/>
-        <a:alpha val="90000"/>
-      </a:schemeClr>
-      <a:schemeClr val="accent4">
-        <a:tint val="40000"/>
-        <a:alpha val="90000"/>
-      </a:schemeClr>
-      <a:schemeClr val="accent5">
-        <a:tint val="40000"/>
-        <a:alpha val="90000"/>
-      </a:schemeClr>
-      <a:schemeClr val="accent6">
-        <a:tint val="40000"/>
-        <a:alpha val="90000"/>
-      </a:schemeClr>
-    </dgm:linClrLst>
-    <dgm:effectClrLst/>
-    <dgm:txLinClrLst/>
-    <dgm:txFillClrLst meth="repeat">
-      <a:schemeClr val="dk1"/>
-    </dgm:txFillClrLst>
-    <dgm:txEffectClrLst/>
-  </dgm:styleLbl>
-  <dgm:styleLbl name="bgAccFollowNode1">
-    <dgm:fillClrLst meth="repeat">
-      <a:schemeClr val="accent2">
-        <a:tint val="40000"/>
-        <a:alpha val="90000"/>
-      </a:schemeClr>
-      <a:schemeClr val="accent3">
-        <a:tint val="40000"/>
-        <a:alpha val="90000"/>
-      </a:schemeClr>
-      <a:schemeClr val="accent4">
-        <a:tint val="40000"/>
-        <a:alpha val="90000"/>
-      </a:schemeClr>
-      <a:schemeClr val="accent5">
-        <a:tint val="40000"/>
-        <a:alpha val="90000"/>
-      </a:schemeClr>
-      <a:schemeClr val="accent6">
-        <a:tint val="40000"/>
-        <a:alpha val="90000"/>
-      </a:schemeClr>
-    </dgm:fillClrLst>
-    <dgm:linClrLst meth="repeat">
-      <a:schemeClr val="accent2">
-        <a:tint val="40000"/>
-        <a:alpha val="90000"/>
-      </a:schemeClr>
-      <a:schemeClr val="accent3">
-        <a:tint val="40000"/>
-        <a:alpha val="90000"/>
-      </a:schemeClr>
-      <a:schemeClr val="accent4">
-        <a:tint val="40000"/>
-        <a:alpha val="90000"/>
-      </a:schemeClr>
-      <a:schemeClr val="accent5">
-        <a:tint val="40000"/>
-        <a:alpha val="90000"/>
-      </a:schemeClr>
-      <a:schemeClr val="accent6">
-        <a:tint val="40000"/>
-        <a:alpha val="90000"/>
-      </a:schemeClr>
-    </dgm:linClrLst>
-    <dgm:effectClrLst/>
-    <dgm:txLinClrLst/>
-    <dgm:txFillClrLst meth="repeat">
-      <a:schemeClr val="dk1"/>
-    </dgm:txFillClrLst>
-    <dgm:txEffectClrLst/>
-  </dgm:styleLbl>
-  <dgm:styleLbl name="fgAcc0">
-    <dgm:fillClrLst meth="repeat">
-      <a:schemeClr val="lt1">
-        <a:alpha val="90000"/>
-      </a:schemeClr>
-    </dgm:fillClrLst>
-    <dgm:linClrLst>
-      <a:schemeClr val="accent1"/>
-    </dgm:linClrLst>
-    <dgm:effectClrLst/>
-    <dgm:txLinClrLst/>
-    <dgm:txFillClrLst meth="repeat">
-      <a:schemeClr val="dk1"/>
-    </dgm:txFillClrLst>
-    <dgm:txEffectClrLst/>
-  </dgm:styleLbl>
-  <dgm:styleLbl name="fgAcc2">
-    <dgm:fillClrLst meth="repeat">
-      <a:schemeClr val="lt1">
-        <a:alpha val="90000"/>
-      </a:schemeClr>
-    </dgm:fillClrLst>
-    <dgm:linClrLst>
-      <a:schemeClr val="accent2"/>
-    </dgm:linClrLst>
-    <dgm:effectClrLst/>
-    <dgm:txLinClrLst/>
-    <dgm:txFillClrLst meth="repeat">
-      <a:schemeClr val="dk1"/>
-    </dgm:txFillClrLst>
-    <dgm:txEffectClrLst/>
-  </dgm:styleLbl>
-  <dgm:styleLbl name="fgAcc3">
-    <dgm:fillClrLst meth="repeat">
-      <a:schemeClr val="lt1">
-        <a:alpha val="90000"/>
-      </a:schemeClr>
-    </dgm:fillClrLst>
-    <dgm:linClrLst>
-      <a:schemeClr val="accent3"/>
-    </dgm:linClrLst>
-    <dgm:effectClrLst/>
-    <dgm:txLinClrLst/>
-    <dgm:txFillClrLst meth="repeat">
-      <a:schemeClr val="dk1"/>
-    </dgm:txFillClrLst>
-    <dgm:txEffectClrLst/>
-  </dgm:styleLbl>
-  <dgm:styleLbl name="fgAcc4">
-    <dgm:fillClrLst meth="repeat">
-      <a:schemeClr val="lt1">
-        <a:alpha val="90000"/>
-      </a:schemeClr>
-    </dgm:fillClrLst>
-    <dgm:linClrLst>
-      <a:schemeClr val="accent4"/>
-    </dgm:linClrLst>
-    <dgm:effectClrLst/>
-    <dgm:txLinClrLst/>
-    <dgm:txFillClrLst meth="repeat">
-      <a:schemeClr val="dk1"/>
-    </dgm:txFillClrLst>
-    <dgm:txEffectClrLst/>
-  </dgm:styleLbl>
-  <dgm:styleLbl name="bgShp">
-    <dgm:fillClrLst meth="repeat">
-      <a:schemeClr val="accent2">
-        <a:tint val="40000"/>
-      </a:schemeClr>
-    </dgm:fillClrLst>
-    <dgm:linClrLst meth="repeat">
-      <a:schemeClr val="dk1"/>
-    </dgm:linClrLst>
-    <dgm:effectClrLst/>
-    <dgm:txLinClrLst/>
-    <dgm:txFillClrLst meth="repeat">
-      <a:schemeClr val="dk1"/>
-    </dgm:txFillClrLst>
-    <dgm:txEffectClrLst/>
-  </dgm:styleLbl>
-  <dgm:styleLbl name="dkBgShp">
-    <dgm:fillClrLst meth="repeat">
-      <a:schemeClr val="accent2">
-        <a:shade val="90000"/>
-      </a:schemeClr>
-    </dgm:fillClrLst>
-    <dgm:linClrLst meth="repeat">
-      <a:schemeClr val="dk1"/>
-    </dgm:linClrLst>
-    <dgm:effectClrLst/>
-    <dgm:txLinClrLst/>
-    <dgm:txFillClrLst meth="repeat">
-      <a:schemeClr val="lt1"/>
-    </dgm:txFillClrLst>
-    <dgm:txEffectClrLst/>
-  </dgm:styleLbl>
-  <dgm:styleLbl name="trBgShp">
-    <dgm:fillClrLst meth="repeat">
-      <a:schemeClr val="accent1">
-        <a:tint val="50000"/>
-        <a:alpha val="40000"/>
-      </a:schemeClr>
-    </dgm:fillClrLst>
-    <dgm:linClrLst meth="repeat">
-      <a:schemeClr val="accent2"/>
-    </dgm:linClrLst>
-    <dgm:effectClrLst/>
-    <dgm:txLinClrLst/>
-    <dgm:txFillClrLst meth="repeat">
-      <a:schemeClr val="lt1"/>
-    </dgm:txFillClrLst>
-    <dgm:txEffectClrLst/>
-  </dgm:styleLbl>
-  <dgm:styleLbl name="fgShp">
-    <dgm:fillClrLst meth="repeat">
-      <a:schemeClr val="accent2">
-        <a:tint val="40000"/>
-      </a:schemeClr>
-    </dgm:fillClrLst>
-    <dgm:linClrLst meth="repeat">
-      <a:schemeClr val="lt1"/>
-    </dgm:linClrLst>
-    <dgm:effectClrLst/>
-    <dgm:txLinClrLst/>
-    <dgm:txFillClrLst meth="repeat">
-      <a:schemeClr val="dk1"/>
-    </dgm:txFillClrLst>
-    <dgm:txEffectClrLst/>
-  </dgm:styleLbl>
-  <dgm:styleLbl name="revTx">
-    <dgm:fillClrLst meth="repeat">
-      <a:schemeClr val="lt1">
-        <a:alpha val="0"/>
-      </a:schemeClr>
-    </dgm:fillClrLst>
-    <dgm:linClrLst meth="repeat">
-      <a:schemeClr val="dk1">
-        <a:alpha val="0"/>
-      </a:schemeClr>
-    </dgm:linClrLst>
-    <dgm:effectClrLst/>
-    <dgm:txLinClrLst/>
-    <dgm:txFillClrLst meth="repeat">
-      <a:schemeClr val="tx1"/>
-    </dgm:txFillClrLst>
-    <dgm:txEffectClrLst/>
-  </dgm:styleLbl>
-</dgm:colorsDef>
-</file>
-
-<file path=ppt/diagrams/colors10.xml><?xml version="1.0" encoding="utf-8"?>
 <dgm:colorsDef xmlns:dgm="http://schemas.openxmlformats.org/drawingml/2006/diagram" xmlns:a="http://schemas.openxmlformats.org/drawingml/2006/main" uniqueId="urn:microsoft.com/office/officeart/2005/8/colors/colorful1">
   <dgm:title val=""/>
   <dgm:desc val=""/>
@@ -7046,8 +5820,8 @@
         </a:p>
       </dgm:t>
     </dgm:pt>
-    <mc:AlternateContent xmlns:mc="http://schemas.openxmlformats.org/markup-compatibility/2006" xmlns:a14="http://schemas.microsoft.com/office/drawing/2010/main">
-      <mc:Choice Requires="a14">
+    <mc:AlternateContent xmlns:mc="http://schemas.openxmlformats.org/markup-compatibility/2006">
+      <mc:Choice xmlns:a14="http://schemas.microsoft.com/office/drawing/2010/main" Requires="a14">
         <dgm:pt modelId="{F75893FC-7F3B-8043-BB0D-B25CC57BF723}">
           <dgm:prSet custT="1"/>
           <dgm:spPr/>
@@ -7062,6 +5836,15 @@
                     <m:jc m:val="centerGroup"/>
                   </m:oMathParaPr>
                   <m:oMath xmlns:m="http://schemas.openxmlformats.org/officeDocument/2006/math">
+                    <m:r>
+                      <m:rPr>
+                        <m:sty m:val="p"/>
+                      </m:rPr>
+                      <a:rPr lang="en-US" sz="1600" b="0" i="0" smtClean="0">
+                        <a:latin typeface="Cambria Math" panose="02040503050406030204" pitchFamily="18" charset="0"/>
+                      </a:rPr>
+                      <m:t>Δ</m:t>
+                    </m:r>
                     <m:sSub>
                       <m:sSubPr>
                         <m:ctrlPr>
@@ -7127,6 +5910,21 @@
                       <m:t>α</m:t>
                     </m:r>
                     <m:r>
+                      <a:rPr lang="en-US" sz="1600" b="0" i="0" dirty="0" smtClean="0">
+                        <a:latin typeface="Cambria Math" panose="02040503050406030204" pitchFamily="18" charset="0"/>
+                      </a:rPr>
+                      <m:t> </m:t>
+                    </m:r>
+                    <m:r>
+                      <m:rPr>
+                        <m:sty m:val="p"/>
+                      </m:rPr>
+                      <a:rPr lang="en-US" sz="1600" b="0" i="0" smtClean="0">
+                        <a:latin typeface="Cambria Math" panose="02040503050406030204" pitchFamily="18" charset="0"/>
+                      </a:rPr>
+                      <m:t>Δ</m:t>
+                    </m:r>
+                    <m:r>
                       <a:rPr lang="en-US" sz="1600" i="1" dirty="0">
                         <a:latin typeface="Cambria Math" panose="02040503050406030204" pitchFamily="18" charset="0"/>
                       </a:rPr>
@@ -7165,7 +5963,7 @@
           </dgm:t>
         </dgm:pt>
       </mc:Choice>
-      <mc:Fallback xmlns="">
+      <mc:Fallback>
         <dgm:pt modelId="{F75893FC-7F3B-8043-BB0D-B25CC57BF723}">
           <dgm:prSet custT="1"/>
           <dgm:spPr/>
@@ -7174,6 +5972,12 @@
             <a:lstStyle/>
             <a:p>
               <a:pPr/>
+              <a:r>
+                <a:rPr lang="en-US" sz="1600" b="0" i="0">
+                  <a:latin typeface="Cambria Math" panose="02040503050406030204" pitchFamily="18" charset="0"/>
+                </a:rPr>
+                <a:t>Δ</a:t>
+              </a:r>
               <a:r>
                 <a:rPr lang="en-US" sz="1600" i="0">
                   <a:latin typeface="Cambria Math" panose="02040503050406030204" pitchFamily="18" charset="0"/>
@@ -7184,7 +5988,25 @@
                 <a:rPr lang="en-US" sz="1600" i="0" dirty="0">
                   <a:latin typeface="Cambria Math" panose="02040503050406030204" pitchFamily="18" charset="0"/>
                 </a:rPr>
-                <a:t> Gamma(" α𝑡,</a:t>
+                <a:t> Gamma(" α</a:t>
+              </a:r>
+              <a:r>
+                <a:rPr lang="en-US" sz="1600" b="0" i="0" dirty="0">
+                  <a:latin typeface="Cambria Math" panose="02040503050406030204" pitchFamily="18" charset="0"/>
+                </a:rPr>
+                <a:t> </a:t>
+              </a:r>
+              <a:r>
+                <a:rPr lang="en-US" sz="1600" b="0" i="0">
+                  <a:latin typeface="Cambria Math" panose="02040503050406030204" pitchFamily="18" charset="0"/>
+                </a:rPr>
+                <a:t>Δ</a:t>
+              </a:r>
+              <a:r>
+                <a:rPr lang="en-US" sz="1600" i="0" dirty="0">
+                  <a:latin typeface="Cambria Math" panose="02040503050406030204" pitchFamily="18" charset="0"/>
+                </a:rPr>
+                <a:t>𝑡,</a:t>
               </a:r>
               <a:r>
                 <a:rPr lang="en-US" sz="1600" b="0" i="0" dirty="0">
@@ -7269,8 +6091,8 @@
         </a:p>
       </dgm:t>
     </dgm:pt>
-    <mc:AlternateContent xmlns:mc="http://schemas.openxmlformats.org/markup-compatibility/2006" xmlns:a14="http://schemas.microsoft.com/office/drawing/2010/main">
-      <mc:Choice Requires="a14">
+    <mc:AlternateContent xmlns:mc="http://schemas.openxmlformats.org/markup-compatibility/2006">
+      <mc:Choice xmlns:a14="http://schemas.microsoft.com/office/drawing/2010/main" Requires="a14">
         <dgm:pt modelId="{6670F1C0-E856-1945-AB2D-93F2660E0083}">
           <dgm:prSet custT="1"/>
           <dgm:spPr/>
@@ -7294,6 +6116,15 @@
                         </m:ctrlPr>
                       </m:sSubPr>
                       <m:e>
+                        <m:r>
+                          <m:rPr>
+                            <m:sty m:val="p"/>
+                          </m:rPr>
+                          <a:rPr lang="en-US" sz="1600" b="0" i="0" smtClean="0">
+                            <a:latin typeface="Cambria Math" panose="02040503050406030204" pitchFamily="18" charset="0"/>
+                          </a:rPr>
+                          <m:t>Δ</m:t>
+                        </m:r>
                         <m:r>
                           <a:rPr lang="en-US" sz="1600" i="1">
                             <a:latin typeface="Cambria Math" panose="02040503050406030204" pitchFamily="18" charset="0"/>
@@ -7361,6 +6192,15 @@
                       <m:t>μ</m:t>
                     </m:r>
                     <m:r>
+                      <m:rPr>
+                        <m:sty m:val="p"/>
+                      </m:rPr>
+                      <a:rPr lang="en-US" sz="1600" b="0" i="0" smtClean="0">
+                        <a:latin typeface="Cambria Math" panose="02040503050406030204" pitchFamily="18" charset="0"/>
+                      </a:rPr>
+                      <m:t>Δ</m:t>
+                    </m:r>
+                    <m:r>
                       <a:rPr lang="en-US" sz="1600" i="1" dirty="0">
                         <a:latin typeface="Cambria Math" panose="02040503050406030204" pitchFamily="18" charset="0"/>
                       </a:rPr>
@@ -7421,7 +6261,7 @@
           </dgm:t>
         </dgm:pt>
       </mc:Choice>
-      <mc:Fallback xmlns="">
+      <mc:Fallback>
         <dgm:pt modelId="{6670F1C0-E856-1945-AB2D-93F2660E0083}">
           <dgm:prSet custT="1"/>
           <dgm:spPr/>
@@ -7434,13 +6274,37 @@
                 <a:rPr lang="en-US" sz="1600" i="0">
                   <a:latin typeface="Cambria Math" panose="02040503050406030204" pitchFamily="18" charset="0"/>
                 </a:rPr>
-                <a:t>𝑋_𝑡~</a:t>
+                <a:t>〖</a:t>
+              </a:r>
+              <a:r>
+                <a:rPr lang="en-US" sz="1600" b="0" i="0">
+                  <a:latin typeface="Cambria Math" panose="02040503050406030204" pitchFamily="18" charset="0"/>
+                </a:rPr>
+                <a:t>Δ</a:t>
+              </a:r>
+              <a:r>
+                <a:rPr lang="en-US" sz="1600" i="0">
+                  <a:latin typeface="Cambria Math" panose="02040503050406030204" pitchFamily="18" charset="0"/>
+                </a:rPr>
+                <a:t>𝑋〗_𝑡~</a:t>
               </a:r>
               <a:r>
                 <a:rPr lang="en-US" sz="1600" i="0" dirty="0">
                   <a:latin typeface="Cambria Math" panose="02040503050406030204" pitchFamily="18" charset="0"/>
                 </a:rPr>
-                <a:t>" Inverse Gaussian(" μ𝑡, λ𝑡^2 ")</a:t>
+                <a:t>" Inverse Gaussian(" μ</a:t>
+              </a:r>
+              <a:r>
+                <a:rPr lang="en-US" sz="1600" b="0" i="0">
+                  <a:latin typeface="Cambria Math" panose="02040503050406030204" pitchFamily="18" charset="0"/>
+                </a:rPr>
+                <a:t>Δ</a:t>
+              </a:r>
+              <a:r>
+                <a:rPr lang="en-US" sz="1600" i="0" dirty="0">
+                  <a:latin typeface="Cambria Math" panose="02040503050406030204" pitchFamily="18" charset="0"/>
+                </a:rPr>
+                <a:t>𝑡, λ𝑡^2 ")</a:t>
               </a:r>
               <a:r>
                 <a:rPr lang="en-US" sz="1600" i="0" dirty="0"/>
@@ -7510,8 +6374,8 @@
         </a:p>
       </dgm:t>
     </dgm:pt>
-    <mc:AlternateContent xmlns:mc="http://schemas.openxmlformats.org/markup-compatibility/2006" xmlns:a14="http://schemas.microsoft.com/office/drawing/2010/main">
-      <mc:Choice Requires="a14">
+    <mc:AlternateContent xmlns:mc="http://schemas.openxmlformats.org/markup-compatibility/2006">
+      <mc:Choice xmlns:a14="http://schemas.microsoft.com/office/drawing/2010/main" Requires="a14">
         <dgm:pt modelId="{177FB03F-A03C-6F47-A38B-9CF502D4BBF8}">
           <dgm:prSet custT="1"/>
           <dgm:spPr/>
@@ -7535,6 +6399,15 @@
                         </m:ctrlPr>
                       </m:sSubPr>
                       <m:e>
+                        <m:r>
+                          <m:rPr>
+                            <m:sty m:val="p"/>
+                          </m:rPr>
+                          <a:rPr lang="en-US" sz="1600" b="0" i="0" smtClean="0">
+                            <a:latin typeface="Cambria Math" panose="02040503050406030204" pitchFamily="18" charset="0"/>
+                          </a:rPr>
+                          <m:t>Δ</m:t>
+                        </m:r>
                         <m:r>
                           <a:rPr lang="en-US" sz="1600" i="1">
                             <a:latin typeface="Cambria Math" panose="02040503050406030204" pitchFamily="18" charset="0"/>
@@ -7586,6 +6459,15 @@
                         <a:latin typeface="Cambria Math" panose="02040503050406030204" pitchFamily="18" charset="0"/>
                       </a:rPr>
                       <m:t>μ</m:t>
+                    </m:r>
+                    <m:r>
+                      <m:rPr>
+                        <m:sty m:val="p"/>
+                      </m:rPr>
+                      <a:rPr lang="en-US" sz="1600" b="0" i="0" smtClean="0">
+                        <a:latin typeface="Cambria Math" panose="02040503050406030204" pitchFamily="18" charset="0"/>
+                      </a:rPr>
+                      <m:t>Δ</m:t>
                     </m:r>
                     <m:r>
                       <a:rPr lang="en-US" sz="1600" i="1" dirty="0">
@@ -7645,7 +6527,7 @@
           </dgm:t>
         </dgm:pt>
       </mc:Choice>
-      <mc:Fallback xmlns="">
+      <mc:Fallback>
         <dgm:pt modelId="{177FB03F-A03C-6F47-A38B-9CF502D4BBF8}">
           <dgm:prSet custT="1"/>
           <dgm:spPr/>
@@ -7658,7 +6540,19 @@
                 <a:rPr lang="en-US" sz="1600" i="0">
                   <a:latin typeface="Cambria Math" panose="02040503050406030204" pitchFamily="18" charset="0"/>
                 </a:rPr>
-                <a:t>𝑋_𝑡~</a:t>
+                <a:t>〖</a:t>
+              </a:r>
+              <a:r>
+                <a:rPr lang="en-US" sz="1600" b="0" i="0">
+                  <a:latin typeface="Cambria Math" panose="02040503050406030204" pitchFamily="18" charset="0"/>
+                </a:rPr>
+                <a:t>Δ</a:t>
+              </a:r>
+              <a:r>
+                <a:rPr lang="en-US" sz="1600" i="0">
+                  <a:latin typeface="Cambria Math" panose="02040503050406030204" pitchFamily="18" charset="0"/>
+                </a:rPr>
+                <a:t>𝑋〗_𝑡~</a:t>
               </a:r>
               <a:r>
                 <a:rPr lang="en-US" sz="1600" i="0" dirty="0">
@@ -7676,7 +6570,19 @@
                 <a:rPr lang="en-US" sz="1600" i="0" dirty="0">
                   <a:latin typeface="Cambria Math" panose="02040503050406030204" pitchFamily="18" charset="0"/>
                 </a:rPr>
-                <a:t>(" μ𝑡, </a:t>
+                <a:t>(" μ</a:t>
+              </a:r>
+              <a:r>
+                <a:rPr lang="en-US" sz="1600" b="0" i="0">
+                  <a:latin typeface="Cambria Math" panose="02040503050406030204" pitchFamily="18" charset="0"/>
+                </a:rPr>
+                <a:t>Δ</a:t>
+              </a:r>
+              <a:r>
+                <a:rPr lang="en-US" sz="1600" i="0" dirty="0">
+                  <a:latin typeface="Cambria Math" panose="02040503050406030204" pitchFamily="18" charset="0"/>
+                </a:rPr>
+                <a:t>𝑡, </a:t>
               </a:r>
               <a:r>
                 <a:rPr lang="en-US" sz="1600" b="0" i="0" dirty="0">
@@ -8024,7 +6930,6 @@
         <a:bodyPr/>
         <a:lstStyle/>
         <a:p>
-          <a:pPr/>
           <a:r>
             <a:rPr lang="en-US" sz="1600" dirty="0"/>
             <a:t>Wiener Process</a:t>
@@ -9335,6 +8240,15 @@
           </a:pPr>
           <a14:m xmlns:a14="http://schemas.microsoft.com/office/drawing/2010/main">
             <m:oMath xmlns:m="http://schemas.openxmlformats.org/officeDocument/2006/math">
+              <m:r>
+                <m:rPr>
+                  <m:sty m:val="p"/>
+                </m:rPr>
+                <a:rPr lang="en-US" sz="1600" b="0" i="0" kern="1200" smtClean="0">
+                  <a:latin typeface="Cambria Math" panose="02040503050406030204" pitchFamily="18" charset="0"/>
+                </a:rPr>
+                <m:t>Δ</m:t>
+              </m:r>
               <m:sSub>
                 <m:sSubPr>
                   <m:ctrlPr>
@@ -9398,6 +8312,21 @@
                   <a:latin typeface="Cambria Math" panose="02040503050406030204" pitchFamily="18" charset="0"/>
                 </a:rPr>
                 <m:t>α</m:t>
+              </m:r>
+              <m:r>
+                <a:rPr lang="en-US" sz="1600" b="0" i="0" kern="1200" dirty="0" smtClean="0">
+                  <a:latin typeface="Cambria Math" panose="02040503050406030204" pitchFamily="18" charset="0"/>
+                </a:rPr>
+                <m:t> </m:t>
+              </m:r>
+              <m:r>
+                <m:rPr>
+                  <m:sty m:val="p"/>
+                </m:rPr>
+                <a:rPr lang="en-US" sz="1600" b="0" i="0" kern="1200" smtClean="0">
+                  <a:latin typeface="Cambria Math" panose="02040503050406030204" pitchFamily="18" charset="0"/>
+                </a:rPr>
+                <m:t>Δ</m:t>
               </m:r>
               <m:r>
                 <a:rPr lang="en-US" sz="1600" i="1" kern="1200" dirty="0">
@@ -9598,6 +8527,15 @@
                 </m:sSubPr>
                 <m:e>
                   <m:r>
+                    <m:rPr>
+                      <m:sty m:val="p"/>
+                    </m:rPr>
+                    <a:rPr lang="en-US" sz="1600" b="0" i="0" kern="1200" smtClean="0">
+                      <a:latin typeface="Cambria Math" panose="02040503050406030204" pitchFamily="18" charset="0"/>
+                    </a:rPr>
+                    <m:t>Δ</m:t>
+                  </m:r>
+                  <m:r>
                     <a:rPr lang="en-US" sz="1600" i="1" kern="1200">
                       <a:latin typeface="Cambria Math" panose="02040503050406030204" pitchFamily="18" charset="0"/>
                     </a:rPr>
@@ -9662,6 +8600,15 @@
                   <a:latin typeface="Cambria Math" panose="02040503050406030204" pitchFamily="18" charset="0"/>
                 </a:rPr>
                 <m:t>μ</m:t>
+              </m:r>
+              <m:r>
+                <m:rPr>
+                  <m:sty m:val="p"/>
+                </m:rPr>
+                <a:rPr lang="en-US" sz="1600" b="0" i="0" kern="1200" smtClean="0">
+                  <a:latin typeface="Cambria Math" panose="02040503050406030204" pitchFamily="18" charset="0"/>
+                </a:rPr>
+                <m:t>Δ</m:t>
               </m:r>
               <m:r>
                 <a:rPr lang="en-US" sz="1600" i="1" kern="1200" dirty="0">
@@ -9883,6 +8830,15 @@
                 </m:sSubPr>
                 <m:e>
                   <m:r>
+                    <m:rPr>
+                      <m:sty m:val="p"/>
+                    </m:rPr>
+                    <a:rPr lang="en-US" sz="1600" b="0" i="0" kern="1200" smtClean="0">
+                      <a:latin typeface="Cambria Math" panose="02040503050406030204" pitchFamily="18" charset="0"/>
+                    </a:rPr>
+                    <m:t>Δ</m:t>
+                  </m:r>
+                  <m:r>
                     <a:rPr lang="en-US" sz="1600" i="1" kern="1200">
                       <a:latin typeface="Cambria Math" panose="02040503050406030204" pitchFamily="18" charset="0"/>
                     </a:rPr>
@@ -9933,6 +8889,15 @@
                   <a:latin typeface="Cambria Math" panose="02040503050406030204" pitchFamily="18" charset="0"/>
                 </a:rPr>
                 <m:t>μ</m:t>
+              </m:r>
+              <m:r>
+                <m:rPr>
+                  <m:sty m:val="p"/>
+                </m:rPr>
+                <a:rPr lang="en-US" sz="1600" b="0" i="0" kern="1200" smtClean="0">
+                  <a:latin typeface="Cambria Math" panose="02040503050406030204" pitchFamily="18" charset="0"/>
+                </a:rPr>
+                <m:t>Δ</m:t>
               </m:r>
               <m:r>
                 <a:rPr lang="en-US" sz="1600" i="1" kern="1200" dirty="0">
@@ -11806,239 +10771,6 @@
 </dgm:layoutDef>
 </file>
 
-<file path=ppt/diagrams/layout10.xml><?xml version="1.0" encoding="utf-8"?>
-<dgm:layoutDef xmlns:dgm="http://schemas.openxmlformats.org/drawingml/2006/diagram" xmlns:a="http://schemas.openxmlformats.org/drawingml/2006/main" uniqueId="urn:microsoft.com/office/officeart/2005/8/layout/vList5">
-  <dgm:title val=""/>
-  <dgm:desc val=""/>
-  <dgm:catLst>
-    <dgm:cat type="list" pri="15000"/>
-    <dgm:cat type="convert" pri="2000"/>
-  </dgm:catLst>
-  <dgm:sampData>
-    <dgm:dataModel>
-      <dgm:ptLst>
-        <dgm:pt modelId="0" type="doc"/>
-        <dgm:pt modelId="1">
-          <dgm:prSet phldr="1"/>
-        </dgm:pt>
-        <dgm:pt modelId="11">
-          <dgm:prSet phldr="1"/>
-        </dgm:pt>
-        <dgm:pt modelId="12">
-          <dgm:prSet phldr="1"/>
-        </dgm:pt>
-        <dgm:pt modelId="2">
-          <dgm:prSet phldr="1"/>
-        </dgm:pt>
-        <dgm:pt modelId="21">
-          <dgm:prSet phldr="1"/>
-        </dgm:pt>
-        <dgm:pt modelId="22">
-          <dgm:prSet phldr="1"/>
-        </dgm:pt>
-        <dgm:pt modelId="3">
-          <dgm:prSet phldr="1"/>
-        </dgm:pt>
-        <dgm:pt modelId="31">
-          <dgm:prSet phldr="1"/>
-        </dgm:pt>
-        <dgm:pt modelId="32">
-          <dgm:prSet phldr="1"/>
-        </dgm:pt>
-      </dgm:ptLst>
-      <dgm:cxnLst>
-        <dgm:cxn modelId="4" srcId="0" destId="1" srcOrd="0" destOrd="0"/>
-        <dgm:cxn modelId="5" srcId="0" destId="2" srcOrd="1" destOrd="0"/>
-        <dgm:cxn modelId="6" srcId="0" destId="3" srcOrd="2" destOrd="0"/>
-        <dgm:cxn modelId="13" srcId="1" destId="11" srcOrd="0" destOrd="0"/>
-        <dgm:cxn modelId="14" srcId="1" destId="12" srcOrd="1" destOrd="0"/>
-        <dgm:cxn modelId="23" srcId="2" destId="21" srcOrd="0" destOrd="0"/>
-        <dgm:cxn modelId="24" srcId="2" destId="22" srcOrd="1" destOrd="0"/>
-        <dgm:cxn modelId="33" srcId="3" destId="31" srcOrd="0" destOrd="0"/>
-        <dgm:cxn modelId="34" srcId="3" destId="32" srcOrd="1" destOrd="0"/>
-      </dgm:cxnLst>
-      <dgm:bg/>
-      <dgm:whole/>
-    </dgm:dataModel>
-  </dgm:sampData>
-  <dgm:styleData>
-    <dgm:dataModel>
-      <dgm:ptLst>
-        <dgm:pt modelId="0" type="doc"/>
-        <dgm:pt modelId="1"/>
-        <dgm:pt modelId="11"/>
-        <dgm:pt modelId="2"/>
-        <dgm:pt modelId="21"/>
-      </dgm:ptLst>
-      <dgm:cxnLst>
-        <dgm:cxn modelId="4" srcId="0" destId="1" srcOrd="0" destOrd="0"/>
-        <dgm:cxn modelId="5" srcId="0" destId="2" srcOrd="1" destOrd="0"/>
-        <dgm:cxn modelId="13" srcId="1" destId="11" srcOrd="0" destOrd="0"/>
-        <dgm:cxn modelId="23" srcId="2" destId="21" srcOrd="0" destOrd="0"/>
-      </dgm:cxnLst>
-      <dgm:bg/>
-      <dgm:whole/>
-    </dgm:dataModel>
-  </dgm:styleData>
-  <dgm:clrData>
-    <dgm:dataModel>
-      <dgm:ptLst>
-        <dgm:pt modelId="0" type="doc"/>
-        <dgm:pt modelId="1"/>
-        <dgm:pt modelId="11"/>
-        <dgm:pt modelId="2"/>
-        <dgm:pt modelId="21"/>
-        <dgm:pt modelId="3"/>
-        <dgm:pt modelId="31"/>
-        <dgm:pt modelId="4"/>
-        <dgm:pt modelId="41"/>
-      </dgm:ptLst>
-      <dgm:cxnLst>
-        <dgm:cxn modelId="5" srcId="0" destId="1" srcOrd="0" destOrd="0"/>
-        <dgm:cxn modelId="6" srcId="0" destId="2" srcOrd="1" destOrd="0"/>
-        <dgm:cxn modelId="7" srcId="0" destId="3" srcOrd="2" destOrd="0"/>
-        <dgm:cxn modelId="8" srcId="0" destId="4" srcOrd="3" destOrd="0"/>
-        <dgm:cxn modelId="13" srcId="1" destId="11" srcOrd="0" destOrd="0"/>
-        <dgm:cxn modelId="23" srcId="2" destId="21" srcOrd="0" destOrd="0"/>
-        <dgm:cxn modelId="33" srcId="3" destId="31" srcOrd="0" destOrd="0"/>
-        <dgm:cxn modelId="43" srcId="4" destId="41" srcOrd="0" destOrd="0"/>
-      </dgm:cxnLst>
-      <dgm:bg/>
-      <dgm:whole/>
-    </dgm:dataModel>
-  </dgm:clrData>
-  <dgm:layoutNode name="Name0">
-    <dgm:varLst>
-      <dgm:dir/>
-      <dgm:animLvl val="lvl"/>
-      <dgm:resizeHandles val="exact"/>
-    </dgm:varLst>
-    <dgm:choose name="Name1">
-      <dgm:if name="Name2" func="var" arg="dir" op="equ" val="norm">
-        <dgm:alg type="lin">
-          <dgm:param type="linDir" val="fromT"/>
-          <dgm:param type="nodeHorzAlign" val="l"/>
-        </dgm:alg>
-      </dgm:if>
-      <dgm:else name="Name3">
-        <dgm:alg type="lin">
-          <dgm:param type="linDir" val="fromT"/>
-          <dgm:param type="nodeHorzAlign" val="r"/>
-        </dgm:alg>
-      </dgm:else>
-    </dgm:choose>
-    <dgm:shape xmlns:r="http://schemas.openxmlformats.org/officeDocument/2006/relationships" r:blip="">
-      <dgm:adjLst/>
-    </dgm:shape>
-    <dgm:presOf/>
-    <dgm:constrLst>
-      <dgm:constr type="h" for="ch" forName="linNode" refType="h"/>
-      <dgm:constr type="w" for="ch" forName="linNode" refType="w"/>
-      <dgm:constr type="h" for="ch" forName="sp" refType="h" fact="0.05"/>
-      <dgm:constr type="primFontSz" for="des" forName="parentText" op="equ" val="65"/>
-      <dgm:constr type="secFontSz" for="des" forName="descendantText" op="equ"/>
-    </dgm:constrLst>
-    <dgm:ruleLst/>
-    <dgm:forEach name="Name4" axis="ch" ptType="node">
-      <dgm:layoutNode name="linNode">
-        <dgm:choose name="Name5">
-          <dgm:if name="Name6" func="var" arg="dir" op="equ" val="norm">
-            <dgm:alg type="lin">
-              <dgm:param type="linDir" val="fromL"/>
-            </dgm:alg>
-          </dgm:if>
-          <dgm:else name="Name7">
-            <dgm:alg type="lin">
-              <dgm:param type="linDir" val="fromR"/>
-            </dgm:alg>
-          </dgm:else>
-        </dgm:choose>
-        <dgm:shape xmlns:r="http://schemas.openxmlformats.org/officeDocument/2006/relationships" r:blip="">
-          <dgm:adjLst/>
-        </dgm:shape>
-        <dgm:presOf/>
-        <dgm:constrLst>
-          <dgm:constr type="w" for="ch" forName="parentText" refType="w" fact="0.36"/>
-          <dgm:constr type="w" for="ch" forName="descendantText" refType="w" fact="0.64"/>
-          <dgm:constr type="h" for="ch" forName="parentText" refType="h"/>
-          <dgm:constr type="h" for="ch" forName="descendantText" refType="h" refFor="ch" refForName="parentText" fact="0.8"/>
-        </dgm:constrLst>
-        <dgm:ruleLst/>
-        <dgm:layoutNode name="parentText">
-          <dgm:varLst>
-            <dgm:chMax val="1"/>
-            <dgm:bulletEnabled val="1"/>
-          </dgm:varLst>
-          <dgm:alg type="tx"/>
-          <dgm:shape xmlns:r="http://schemas.openxmlformats.org/officeDocument/2006/relationships" type="roundRect" r:blip="" zOrderOff="3">
-            <dgm:adjLst/>
-          </dgm:shape>
-          <dgm:presOf axis="self" ptType="node"/>
-          <dgm:constrLst>
-            <dgm:constr type="tMarg" refType="primFontSz" fact="0.15"/>
-            <dgm:constr type="bMarg" refType="primFontSz" fact="0.15"/>
-            <dgm:constr type="lMarg" refType="primFontSz" fact="0.3"/>
-            <dgm:constr type="rMarg" refType="primFontSz" fact="0.3"/>
-          </dgm:constrLst>
-          <dgm:ruleLst>
-            <dgm:rule type="primFontSz" val="5" fact="NaN" max="NaN"/>
-          </dgm:ruleLst>
-        </dgm:layoutNode>
-        <dgm:choose name="Name8">
-          <dgm:if name="Name9" axis="ch" ptType="node" func="cnt" op="gte" val="1">
-            <dgm:layoutNode name="descendantText" styleLbl="alignAccFollowNode1">
-              <dgm:varLst>
-                <dgm:bulletEnabled val="1"/>
-              </dgm:varLst>
-              <dgm:alg type="tx">
-                <dgm:param type="stBulletLvl" val="1"/>
-                <dgm:param type="txAnchorVertCh" val="mid"/>
-              </dgm:alg>
-              <dgm:choose name="Name10">
-                <dgm:if name="Name11" func="var" arg="dir" op="equ" val="norm">
-                  <dgm:shape xmlns:r="http://schemas.openxmlformats.org/officeDocument/2006/relationships" rot="90" type="round2SameRect" r:blip="">
-                    <dgm:adjLst/>
-                  </dgm:shape>
-                </dgm:if>
-                <dgm:else name="Name12">
-                  <dgm:shape xmlns:r="http://schemas.openxmlformats.org/officeDocument/2006/relationships" rot="-90" type="round2SameRect" r:blip="">
-                    <dgm:adjLst/>
-                  </dgm:shape>
-                </dgm:else>
-              </dgm:choose>
-              <dgm:presOf axis="des" ptType="node"/>
-              <dgm:constrLst>
-                <dgm:constr type="secFontSz" val="65"/>
-                <dgm:constr type="primFontSz" refType="secFontSz"/>
-                <dgm:constr type="lMarg" refType="secFontSz" fact="0.3"/>
-                <dgm:constr type="rMarg" refType="secFontSz" fact="0.3"/>
-                <dgm:constr type="tMarg" refType="secFontSz" fact="0.15"/>
-                <dgm:constr type="bMarg" refType="secFontSz" fact="0.15"/>
-              </dgm:constrLst>
-              <dgm:ruleLst>
-                <dgm:rule type="secFontSz" val="5" fact="NaN" max="NaN"/>
-              </dgm:ruleLst>
-            </dgm:layoutNode>
-          </dgm:if>
-          <dgm:else name="Name13"/>
-        </dgm:choose>
-      </dgm:layoutNode>
-      <dgm:forEach name="Name14" axis="followSib" ptType="sibTrans" cnt="1">
-        <dgm:layoutNode name="sp">
-          <dgm:alg type="sp"/>
-          <dgm:shape xmlns:r="http://schemas.openxmlformats.org/officeDocument/2006/relationships" r:blip="">
-            <dgm:adjLst/>
-          </dgm:shape>
-          <dgm:presOf/>
-          <dgm:constrLst/>
-          <dgm:ruleLst/>
-        </dgm:layoutNode>
-      </dgm:forEach>
-    </dgm:forEach>
-  </dgm:layoutNode>
-</dgm:layoutDef>
-</file>
-
 <file path=ppt/diagrams/layout2.xml><?xml version="1.0" encoding="utf-8"?>
 <dgm:layoutDef xmlns:dgm="http://schemas.openxmlformats.org/drawingml/2006/diagram" xmlns:a="http://schemas.openxmlformats.org/drawingml/2006/main" uniqueId="urn:microsoft.com/office/officeart/2005/8/layout/process1">
   <dgm:title val=""/>
@@ -13660,1040 +12392,6 @@
 </dgm:styleDef>
 </file>
 
-<file path=ppt/diagrams/quickStyle10.xml><?xml version="1.0" encoding="utf-8"?>
-<dgm:styleDef xmlns:dgm="http://schemas.openxmlformats.org/drawingml/2006/diagram" xmlns:a="http://schemas.openxmlformats.org/drawingml/2006/main" uniqueId="urn:microsoft.com/office/officeart/2005/8/quickstyle/simple1">
-  <dgm:title val=""/>
-  <dgm:desc val=""/>
-  <dgm:catLst>
-    <dgm:cat type="simple" pri="10100"/>
-  </dgm:catLst>
-  <dgm:scene3d>
-    <a:camera prst="orthographicFront"/>
-    <a:lightRig rig="threePt" dir="t"/>
-  </dgm:scene3d>
-  <dgm:styleLbl name="node0">
-    <dgm:scene3d>
-      <a:camera prst="orthographicFront"/>
-      <a:lightRig rig="threePt" dir="t"/>
-    </dgm:scene3d>
-    <dgm:sp3d/>
-    <dgm:txPr/>
-    <dgm:style>
-      <a:lnRef idx="2">
-        <a:scrgbClr r="0" g="0" b="0"/>
-      </a:lnRef>
-      <a:fillRef idx="1">
-        <a:scrgbClr r="0" g="0" b="0"/>
-      </a:fillRef>
-      <a:effectRef idx="0">
-        <a:scrgbClr r="0" g="0" b="0"/>
-      </a:effectRef>
-      <a:fontRef idx="minor">
-        <a:schemeClr val="lt1"/>
-      </a:fontRef>
-    </dgm:style>
-  </dgm:styleLbl>
-  <dgm:styleLbl name="lnNode1">
-    <dgm:scene3d>
-      <a:camera prst="orthographicFront"/>
-      <a:lightRig rig="threePt" dir="t"/>
-    </dgm:scene3d>
-    <dgm:sp3d/>
-    <dgm:txPr/>
-    <dgm:style>
-      <a:lnRef idx="2">
-        <a:scrgbClr r="0" g="0" b="0"/>
-      </a:lnRef>
-      <a:fillRef idx="1">
-        <a:scrgbClr r="0" g="0" b="0"/>
-      </a:fillRef>
-      <a:effectRef idx="0">
-        <a:scrgbClr r="0" g="0" b="0"/>
-      </a:effectRef>
-      <a:fontRef idx="minor">
-        <a:schemeClr val="lt1"/>
-      </a:fontRef>
-    </dgm:style>
-  </dgm:styleLbl>
-  <dgm:styleLbl name="vennNode1">
-    <dgm:scene3d>
-      <a:camera prst="orthographicFront"/>
-      <a:lightRig rig="threePt" dir="t"/>
-    </dgm:scene3d>
-    <dgm:sp3d/>
-    <dgm:txPr/>
-    <dgm:style>
-      <a:lnRef idx="2">
-        <a:scrgbClr r="0" g="0" b="0"/>
-      </a:lnRef>
-      <a:fillRef idx="1">
-        <a:scrgbClr r="0" g="0" b="0"/>
-      </a:fillRef>
-      <a:effectRef idx="0">
-        <a:scrgbClr r="0" g="0" b="0"/>
-      </a:effectRef>
-      <a:fontRef idx="minor">
-        <a:schemeClr val="tx1"/>
-      </a:fontRef>
-    </dgm:style>
-  </dgm:styleLbl>
-  <dgm:styleLbl name="alignNode1">
-    <dgm:scene3d>
-      <a:camera prst="orthographicFront"/>
-      <a:lightRig rig="threePt" dir="t"/>
-    </dgm:scene3d>
-    <dgm:sp3d/>
-    <dgm:txPr/>
-    <dgm:style>
-      <a:lnRef idx="2">
-        <a:scrgbClr r="0" g="0" b="0"/>
-      </a:lnRef>
-      <a:fillRef idx="1">
-        <a:scrgbClr r="0" g="0" b="0"/>
-      </a:fillRef>
-      <a:effectRef idx="0">
-        <a:scrgbClr r="0" g="0" b="0"/>
-      </a:effectRef>
-      <a:fontRef idx="minor">
-        <a:schemeClr val="lt1"/>
-      </a:fontRef>
-    </dgm:style>
-  </dgm:styleLbl>
-  <dgm:styleLbl name="node1">
-    <dgm:scene3d>
-      <a:camera prst="orthographicFront"/>
-      <a:lightRig rig="threePt" dir="t"/>
-    </dgm:scene3d>
-    <dgm:sp3d/>
-    <dgm:txPr/>
-    <dgm:style>
-      <a:lnRef idx="2">
-        <a:scrgbClr r="0" g="0" b="0"/>
-      </a:lnRef>
-      <a:fillRef idx="1">
-        <a:scrgbClr r="0" g="0" b="0"/>
-      </a:fillRef>
-      <a:effectRef idx="0">
-        <a:scrgbClr r="0" g="0" b="0"/>
-      </a:effectRef>
-      <a:fontRef idx="minor">
-        <a:schemeClr val="lt1"/>
-      </a:fontRef>
-    </dgm:style>
-  </dgm:styleLbl>
-  <dgm:styleLbl name="node2">
-    <dgm:scene3d>
-      <a:camera prst="orthographicFront"/>
-      <a:lightRig rig="threePt" dir="t"/>
-    </dgm:scene3d>
-    <dgm:sp3d/>
-    <dgm:txPr/>
-    <dgm:style>
-      <a:lnRef idx="2">
-        <a:scrgbClr r="0" g="0" b="0"/>
-      </a:lnRef>
-      <a:fillRef idx="1">
-        <a:scrgbClr r="0" g="0" b="0"/>
-      </a:fillRef>
-      <a:effectRef idx="0">
-        <a:scrgbClr r="0" g="0" b="0"/>
-      </a:effectRef>
-      <a:fontRef idx="minor">
-        <a:schemeClr val="lt1"/>
-      </a:fontRef>
-    </dgm:style>
-  </dgm:styleLbl>
-  <dgm:styleLbl name="node3">
-    <dgm:scene3d>
-      <a:camera prst="orthographicFront"/>
-      <a:lightRig rig="threePt" dir="t"/>
-    </dgm:scene3d>
-    <dgm:sp3d/>
-    <dgm:txPr/>
-    <dgm:style>
-      <a:lnRef idx="2">
-        <a:scrgbClr r="0" g="0" b="0"/>
-      </a:lnRef>
-      <a:fillRef idx="1">
-        <a:scrgbClr r="0" g="0" b="0"/>
-      </a:fillRef>
-      <a:effectRef idx="0">
-        <a:scrgbClr r="0" g="0" b="0"/>
-      </a:effectRef>
-      <a:fontRef idx="minor">
-        <a:schemeClr val="lt1"/>
-      </a:fontRef>
-    </dgm:style>
-  </dgm:styleLbl>
-  <dgm:styleLbl name="node4">
-    <dgm:scene3d>
-      <a:camera prst="orthographicFront"/>
-      <a:lightRig rig="threePt" dir="t"/>
-    </dgm:scene3d>
-    <dgm:sp3d/>
-    <dgm:txPr/>
-    <dgm:style>
-      <a:lnRef idx="2">
-        <a:scrgbClr r="0" g="0" b="0"/>
-      </a:lnRef>
-      <a:fillRef idx="1">
-        <a:scrgbClr r="0" g="0" b="0"/>
-      </a:fillRef>
-      <a:effectRef idx="0">
-        <a:scrgbClr r="0" g="0" b="0"/>
-      </a:effectRef>
-      <a:fontRef idx="minor">
-        <a:schemeClr val="lt1"/>
-      </a:fontRef>
-    </dgm:style>
-  </dgm:styleLbl>
-  <dgm:styleLbl name="fgImgPlace1">
-    <dgm:scene3d>
-      <a:camera prst="orthographicFront"/>
-      <a:lightRig rig="threePt" dir="t"/>
-    </dgm:scene3d>
-    <dgm:sp3d/>
-    <dgm:txPr/>
-    <dgm:style>
-      <a:lnRef idx="2">
-        <a:scrgbClr r="0" g="0" b="0"/>
-      </a:lnRef>
-      <a:fillRef idx="1">
-        <a:scrgbClr r="0" g="0" b="0"/>
-      </a:fillRef>
-      <a:effectRef idx="0">
-        <a:scrgbClr r="0" g="0" b="0"/>
-      </a:effectRef>
-      <a:fontRef idx="minor"/>
-    </dgm:style>
-  </dgm:styleLbl>
-  <dgm:styleLbl name="alignImgPlace1">
-    <dgm:scene3d>
-      <a:camera prst="orthographicFront"/>
-      <a:lightRig rig="threePt" dir="t"/>
-    </dgm:scene3d>
-    <dgm:sp3d/>
-    <dgm:txPr/>
-    <dgm:style>
-      <a:lnRef idx="2">
-        <a:scrgbClr r="0" g="0" b="0"/>
-      </a:lnRef>
-      <a:fillRef idx="1">
-        <a:scrgbClr r="0" g="0" b="0"/>
-      </a:fillRef>
-      <a:effectRef idx="0">
-        <a:scrgbClr r="0" g="0" b="0"/>
-      </a:effectRef>
-      <a:fontRef idx="minor"/>
-    </dgm:style>
-  </dgm:styleLbl>
-  <dgm:styleLbl name="bgImgPlace1">
-    <dgm:scene3d>
-      <a:camera prst="orthographicFront"/>
-      <a:lightRig rig="threePt" dir="t"/>
-    </dgm:scene3d>
-    <dgm:sp3d/>
-    <dgm:txPr/>
-    <dgm:style>
-      <a:lnRef idx="2">
-        <a:scrgbClr r="0" g="0" b="0"/>
-      </a:lnRef>
-      <a:fillRef idx="1">
-        <a:scrgbClr r="0" g="0" b="0"/>
-      </a:fillRef>
-      <a:effectRef idx="0">
-        <a:scrgbClr r="0" g="0" b="0"/>
-      </a:effectRef>
-      <a:fontRef idx="minor"/>
-    </dgm:style>
-  </dgm:styleLbl>
-  <dgm:styleLbl name="sibTrans2D1">
-    <dgm:scene3d>
-      <a:camera prst="orthographicFront"/>
-      <a:lightRig rig="threePt" dir="t"/>
-    </dgm:scene3d>
-    <dgm:sp3d/>
-    <dgm:txPr/>
-    <dgm:style>
-      <a:lnRef idx="0">
-        <a:scrgbClr r="0" g="0" b="0"/>
-      </a:lnRef>
-      <a:fillRef idx="1">
-        <a:scrgbClr r="0" g="0" b="0"/>
-      </a:fillRef>
-      <a:effectRef idx="0">
-        <a:scrgbClr r="0" g="0" b="0"/>
-      </a:effectRef>
-      <a:fontRef idx="minor">
-        <a:schemeClr val="lt1"/>
-      </a:fontRef>
-    </dgm:style>
-  </dgm:styleLbl>
-  <dgm:styleLbl name="fgSibTrans2D1">
-    <dgm:scene3d>
-      <a:camera prst="orthographicFront"/>
-      <a:lightRig rig="threePt" dir="t"/>
-    </dgm:scene3d>
-    <dgm:sp3d/>
-    <dgm:txPr/>
-    <dgm:style>
-      <a:lnRef idx="0">
-        <a:scrgbClr r="0" g="0" b="0"/>
-      </a:lnRef>
-      <a:fillRef idx="1">
-        <a:scrgbClr r="0" g="0" b="0"/>
-      </a:fillRef>
-      <a:effectRef idx="0">
-        <a:scrgbClr r="0" g="0" b="0"/>
-      </a:effectRef>
-      <a:fontRef idx="minor">
-        <a:schemeClr val="lt1"/>
-      </a:fontRef>
-    </dgm:style>
-  </dgm:styleLbl>
-  <dgm:styleLbl name="bgSibTrans2D1">
-    <dgm:scene3d>
-      <a:camera prst="orthographicFront"/>
-      <a:lightRig rig="threePt" dir="t"/>
-    </dgm:scene3d>
-    <dgm:sp3d/>
-    <dgm:txPr/>
-    <dgm:style>
-      <a:lnRef idx="0">
-        <a:scrgbClr r="0" g="0" b="0"/>
-      </a:lnRef>
-      <a:fillRef idx="1">
-        <a:scrgbClr r="0" g="0" b="0"/>
-      </a:fillRef>
-      <a:effectRef idx="0">
-        <a:scrgbClr r="0" g="0" b="0"/>
-      </a:effectRef>
-      <a:fontRef idx="minor">
-        <a:schemeClr val="lt1"/>
-      </a:fontRef>
-    </dgm:style>
-  </dgm:styleLbl>
-  <dgm:styleLbl name="sibTrans1D1">
-    <dgm:scene3d>
-      <a:camera prst="orthographicFront"/>
-      <a:lightRig rig="threePt" dir="t"/>
-    </dgm:scene3d>
-    <dgm:sp3d/>
-    <dgm:txPr/>
-    <dgm:style>
-      <a:lnRef idx="1">
-        <a:scrgbClr r="0" g="0" b="0"/>
-      </a:lnRef>
-      <a:fillRef idx="0">
-        <a:scrgbClr r="0" g="0" b="0"/>
-      </a:fillRef>
-      <a:effectRef idx="0">
-        <a:scrgbClr r="0" g="0" b="0"/>
-      </a:effectRef>
-      <a:fontRef idx="minor"/>
-    </dgm:style>
-  </dgm:styleLbl>
-  <dgm:styleLbl name="callout">
-    <dgm:scene3d>
-      <a:camera prst="orthographicFront"/>
-      <a:lightRig rig="threePt" dir="t"/>
-    </dgm:scene3d>
-    <dgm:sp3d/>
-    <dgm:txPr/>
-    <dgm:style>
-      <a:lnRef idx="2">
-        <a:scrgbClr r="0" g="0" b="0"/>
-      </a:lnRef>
-      <a:fillRef idx="1">
-        <a:scrgbClr r="0" g="0" b="0"/>
-      </a:fillRef>
-      <a:effectRef idx="0">
-        <a:scrgbClr r="0" g="0" b="0"/>
-      </a:effectRef>
-      <a:fontRef idx="minor"/>
-    </dgm:style>
-  </dgm:styleLbl>
-  <dgm:styleLbl name="asst0">
-    <dgm:scene3d>
-      <a:camera prst="orthographicFront"/>
-      <a:lightRig rig="threePt" dir="t"/>
-    </dgm:scene3d>
-    <dgm:sp3d/>
-    <dgm:txPr/>
-    <dgm:style>
-      <a:lnRef idx="2">
-        <a:scrgbClr r="0" g="0" b="0"/>
-      </a:lnRef>
-      <a:fillRef idx="1">
-        <a:scrgbClr r="0" g="0" b="0"/>
-      </a:fillRef>
-      <a:effectRef idx="0">
-        <a:scrgbClr r="0" g="0" b="0"/>
-      </a:effectRef>
-      <a:fontRef idx="minor">
-        <a:schemeClr val="lt1"/>
-      </a:fontRef>
-    </dgm:style>
-  </dgm:styleLbl>
-  <dgm:styleLbl name="asst1">
-    <dgm:scene3d>
-      <a:camera prst="orthographicFront"/>
-      <a:lightRig rig="threePt" dir="t"/>
-    </dgm:scene3d>
-    <dgm:sp3d/>
-    <dgm:txPr/>
-    <dgm:style>
-      <a:lnRef idx="2">
-        <a:scrgbClr r="0" g="0" b="0"/>
-      </a:lnRef>
-      <a:fillRef idx="1">
-        <a:scrgbClr r="0" g="0" b="0"/>
-      </a:fillRef>
-      <a:effectRef idx="0">
-        <a:scrgbClr r="0" g="0" b="0"/>
-      </a:effectRef>
-      <a:fontRef idx="minor">
-        <a:schemeClr val="lt1"/>
-      </a:fontRef>
-    </dgm:style>
-  </dgm:styleLbl>
-  <dgm:styleLbl name="asst2">
-    <dgm:scene3d>
-      <a:camera prst="orthographicFront"/>
-      <a:lightRig rig="threePt" dir="t"/>
-    </dgm:scene3d>
-    <dgm:sp3d/>
-    <dgm:txPr/>
-    <dgm:style>
-      <a:lnRef idx="2">
-        <a:scrgbClr r="0" g="0" b="0"/>
-      </a:lnRef>
-      <a:fillRef idx="1">
-        <a:scrgbClr r="0" g="0" b="0"/>
-      </a:fillRef>
-      <a:effectRef idx="0">
-        <a:scrgbClr r="0" g="0" b="0"/>
-      </a:effectRef>
-      <a:fontRef idx="minor">
-        <a:schemeClr val="lt1"/>
-      </a:fontRef>
-    </dgm:style>
-  </dgm:styleLbl>
-  <dgm:styleLbl name="asst3">
-    <dgm:scene3d>
-      <a:camera prst="orthographicFront"/>
-      <a:lightRig rig="threePt" dir="t"/>
-    </dgm:scene3d>
-    <dgm:sp3d/>
-    <dgm:txPr/>
-    <dgm:style>
-      <a:lnRef idx="2">
-        <a:scrgbClr r="0" g="0" b="0"/>
-      </a:lnRef>
-      <a:fillRef idx="1">
-        <a:scrgbClr r="0" g="0" b="0"/>
-      </a:fillRef>
-      <a:effectRef idx="0">
-        <a:scrgbClr r="0" g="0" b="0"/>
-      </a:effectRef>
-      <a:fontRef idx="minor">
-        <a:schemeClr val="lt1"/>
-      </a:fontRef>
-    </dgm:style>
-  </dgm:styleLbl>
-  <dgm:styleLbl name="asst4">
-    <dgm:scene3d>
-      <a:camera prst="orthographicFront"/>
-      <a:lightRig rig="threePt" dir="t"/>
-    </dgm:scene3d>
-    <dgm:sp3d/>
-    <dgm:txPr/>
-    <dgm:style>
-      <a:lnRef idx="2">
-        <a:scrgbClr r="0" g="0" b="0"/>
-      </a:lnRef>
-      <a:fillRef idx="1">
-        <a:scrgbClr r="0" g="0" b="0"/>
-      </a:fillRef>
-      <a:effectRef idx="0">
-        <a:scrgbClr r="0" g="0" b="0"/>
-      </a:effectRef>
-      <a:fontRef idx="minor">
-        <a:schemeClr val="lt1"/>
-      </a:fontRef>
-    </dgm:style>
-  </dgm:styleLbl>
-  <dgm:styleLbl name="parChTrans2D1">
-    <dgm:scene3d>
-      <a:camera prst="orthographicFront"/>
-      <a:lightRig rig="threePt" dir="t"/>
-    </dgm:scene3d>
-    <dgm:sp3d/>
-    <dgm:txPr/>
-    <dgm:style>
-      <a:lnRef idx="2">
-        <a:scrgbClr r="0" g="0" b="0"/>
-      </a:lnRef>
-      <a:fillRef idx="1">
-        <a:scrgbClr r="0" g="0" b="0"/>
-      </a:fillRef>
-      <a:effectRef idx="0">
-        <a:scrgbClr r="0" g="0" b="0"/>
-      </a:effectRef>
-      <a:fontRef idx="minor">
-        <a:schemeClr val="lt1"/>
-      </a:fontRef>
-    </dgm:style>
-  </dgm:styleLbl>
-  <dgm:styleLbl name="parChTrans2D2">
-    <dgm:scene3d>
-      <a:camera prst="orthographicFront"/>
-      <a:lightRig rig="threePt" dir="t"/>
-    </dgm:scene3d>
-    <dgm:sp3d/>
-    <dgm:txPr/>
-    <dgm:style>
-      <a:lnRef idx="2">
-        <a:scrgbClr r="0" g="0" b="0"/>
-      </a:lnRef>
-      <a:fillRef idx="1">
-        <a:scrgbClr r="0" g="0" b="0"/>
-      </a:fillRef>
-      <a:effectRef idx="0">
-        <a:scrgbClr r="0" g="0" b="0"/>
-      </a:effectRef>
-      <a:fontRef idx="minor">
-        <a:schemeClr val="lt1"/>
-      </a:fontRef>
-    </dgm:style>
-  </dgm:styleLbl>
-  <dgm:styleLbl name="parChTrans2D3">
-    <dgm:scene3d>
-      <a:camera prst="orthographicFront"/>
-      <a:lightRig rig="threePt" dir="t"/>
-    </dgm:scene3d>
-    <dgm:sp3d/>
-    <dgm:txPr/>
-    <dgm:style>
-      <a:lnRef idx="2">
-        <a:scrgbClr r="0" g="0" b="0"/>
-      </a:lnRef>
-      <a:fillRef idx="1">
-        <a:scrgbClr r="0" g="0" b="0"/>
-      </a:fillRef>
-      <a:effectRef idx="0">
-        <a:scrgbClr r="0" g="0" b="0"/>
-      </a:effectRef>
-      <a:fontRef idx="minor">
-        <a:schemeClr val="lt1"/>
-      </a:fontRef>
-    </dgm:style>
-  </dgm:styleLbl>
-  <dgm:styleLbl name="parChTrans2D4">
-    <dgm:scene3d>
-      <a:camera prst="orthographicFront"/>
-      <a:lightRig rig="threePt" dir="t"/>
-    </dgm:scene3d>
-    <dgm:sp3d/>
-    <dgm:txPr/>
-    <dgm:style>
-      <a:lnRef idx="2">
-        <a:scrgbClr r="0" g="0" b="0"/>
-      </a:lnRef>
-      <a:fillRef idx="1">
-        <a:scrgbClr r="0" g="0" b="0"/>
-      </a:fillRef>
-      <a:effectRef idx="0">
-        <a:scrgbClr r="0" g="0" b="0"/>
-      </a:effectRef>
-      <a:fontRef idx="minor">
-        <a:schemeClr val="lt1"/>
-      </a:fontRef>
-    </dgm:style>
-  </dgm:styleLbl>
-  <dgm:styleLbl name="parChTrans1D1">
-    <dgm:scene3d>
-      <a:camera prst="orthographicFront"/>
-      <a:lightRig rig="threePt" dir="t"/>
-    </dgm:scene3d>
-    <dgm:sp3d/>
-    <dgm:txPr/>
-    <dgm:style>
-      <a:lnRef idx="2">
-        <a:scrgbClr r="0" g="0" b="0"/>
-      </a:lnRef>
-      <a:fillRef idx="0">
-        <a:scrgbClr r="0" g="0" b="0"/>
-      </a:fillRef>
-      <a:effectRef idx="0">
-        <a:scrgbClr r="0" g="0" b="0"/>
-      </a:effectRef>
-      <a:fontRef idx="minor"/>
-    </dgm:style>
-  </dgm:styleLbl>
-  <dgm:styleLbl name="parChTrans1D2">
-    <dgm:scene3d>
-      <a:camera prst="orthographicFront"/>
-      <a:lightRig rig="threePt" dir="t"/>
-    </dgm:scene3d>
-    <dgm:sp3d/>
-    <dgm:txPr/>
-    <dgm:style>
-      <a:lnRef idx="2">
-        <a:scrgbClr r="0" g="0" b="0"/>
-      </a:lnRef>
-      <a:fillRef idx="0">
-        <a:scrgbClr r="0" g="0" b="0"/>
-      </a:fillRef>
-      <a:effectRef idx="0">
-        <a:scrgbClr r="0" g="0" b="0"/>
-      </a:effectRef>
-      <a:fontRef idx="minor"/>
-    </dgm:style>
-  </dgm:styleLbl>
-  <dgm:styleLbl name="parChTrans1D3">
-    <dgm:scene3d>
-      <a:camera prst="orthographicFront"/>
-      <a:lightRig rig="threePt" dir="t"/>
-    </dgm:scene3d>
-    <dgm:sp3d/>
-    <dgm:txPr/>
-    <dgm:style>
-      <a:lnRef idx="2">
-        <a:scrgbClr r="0" g="0" b="0"/>
-      </a:lnRef>
-      <a:fillRef idx="0">
-        <a:scrgbClr r="0" g="0" b="0"/>
-      </a:fillRef>
-      <a:effectRef idx="0">
-        <a:scrgbClr r="0" g="0" b="0"/>
-      </a:effectRef>
-      <a:fontRef idx="minor"/>
-    </dgm:style>
-  </dgm:styleLbl>
-  <dgm:styleLbl name="parChTrans1D4">
-    <dgm:scene3d>
-      <a:camera prst="orthographicFront"/>
-      <a:lightRig rig="threePt" dir="t"/>
-    </dgm:scene3d>
-    <dgm:sp3d/>
-    <dgm:txPr/>
-    <dgm:style>
-      <a:lnRef idx="2">
-        <a:scrgbClr r="0" g="0" b="0"/>
-      </a:lnRef>
-      <a:fillRef idx="0">
-        <a:scrgbClr r="0" g="0" b="0"/>
-      </a:fillRef>
-      <a:effectRef idx="0">
-        <a:scrgbClr r="0" g="0" b="0"/>
-      </a:effectRef>
-      <a:fontRef idx="minor"/>
-    </dgm:style>
-  </dgm:styleLbl>
-  <dgm:styleLbl name="fgAcc1">
-    <dgm:scene3d>
-      <a:camera prst="orthographicFront"/>
-      <a:lightRig rig="threePt" dir="t"/>
-    </dgm:scene3d>
-    <dgm:sp3d/>
-    <dgm:txPr/>
-    <dgm:style>
-      <a:lnRef idx="2">
-        <a:scrgbClr r="0" g="0" b="0"/>
-      </a:lnRef>
-      <a:fillRef idx="1">
-        <a:scrgbClr r="0" g="0" b="0"/>
-      </a:fillRef>
-      <a:effectRef idx="0">
-        <a:scrgbClr r="0" g="0" b="0"/>
-      </a:effectRef>
-      <a:fontRef idx="minor"/>
-    </dgm:style>
-  </dgm:styleLbl>
-  <dgm:styleLbl name="conFgAcc1">
-    <dgm:scene3d>
-      <a:camera prst="orthographicFront"/>
-      <a:lightRig rig="threePt" dir="t"/>
-    </dgm:scene3d>
-    <dgm:sp3d/>
-    <dgm:txPr/>
-    <dgm:style>
-      <a:lnRef idx="2">
-        <a:scrgbClr r="0" g="0" b="0"/>
-      </a:lnRef>
-      <a:fillRef idx="1">
-        <a:scrgbClr r="0" g="0" b="0"/>
-      </a:fillRef>
-      <a:effectRef idx="0">
-        <a:scrgbClr r="0" g="0" b="0"/>
-      </a:effectRef>
-      <a:fontRef idx="minor"/>
-    </dgm:style>
-  </dgm:styleLbl>
-  <dgm:styleLbl name="alignAcc1">
-    <dgm:scene3d>
-      <a:camera prst="orthographicFront"/>
-      <a:lightRig rig="threePt" dir="t"/>
-    </dgm:scene3d>
-    <dgm:sp3d/>
-    <dgm:txPr/>
-    <dgm:style>
-      <a:lnRef idx="2">
-        <a:scrgbClr r="0" g="0" b="0"/>
-      </a:lnRef>
-      <a:fillRef idx="1">
-        <a:scrgbClr r="0" g="0" b="0"/>
-      </a:fillRef>
-      <a:effectRef idx="0">
-        <a:scrgbClr r="0" g="0" b="0"/>
-      </a:effectRef>
-      <a:fontRef idx="minor"/>
-    </dgm:style>
-  </dgm:styleLbl>
-  <dgm:styleLbl name="trAlignAcc1">
-    <dgm:scene3d>
-      <a:camera prst="orthographicFront"/>
-      <a:lightRig rig="threePt" dir="t"/>
-    </dgm:scene3d>
-    <dgm:sp3d/>
-    <dgm:txPr/>
-    <dgm:style>
-      <a:lnRef idx="1">
-        <a:scrgbClr r="0" g="0" b="0"/>
-      </a:lnRef>
-      <a:fillRef idx="1">
-        <a:scrgbClr r="0" g="0" b="0"/>
-      </a:fillRef>
-      <a:effectRef idx="0">
-        <a:scrgbClr r="0" g="0" b="0"/>
-      </a:effectRef>
-      <a:fontRef idx="minor"/>
-    </dgm:style>
-  </dgm:styleLbl>
-  <dgm:styleLbl name="bgAcc1">
-    <dgm:scene3d>
-      <a:camera prst="orthographicFront"/>
-      <a:lightRig rig="threePt" dir="t"/>
-    </dgm:scene3d>
-    <dgm:sp3d/>
-    <dgm:txPr/>
-    <dgm:style>
-      <a:lnRef idx="2">
-        <a:scrgbClr r="0" g="0" b="0"/>
-      </a:lnRef>
-      <a:fillRef idx="1">
-        <a:scrgbClr r="0" g="0" b="0"/>
-      </a:fillRef>
-      <a:effectRef idx="0">
-        <a:scrgbClr r="0" g="0" b="0"/>
-      </a:effectRef>
-      <a:fontRef idx="minor"/>
-    </dgm:style>
-  </dgm:styleLbl>
-  <dgm:styleLbl name="solidFgAcc1">
-    <dgm:scene3d>
-      <a:camera prst="orthographicFront"/>
-      <a:lightRig rig="threePt" dir="t"/>
-    </dgm:scene3d>
-    <dgm:sp3d/>
-    <dgm:txPr/>
-    <dgm:style>
-      <a:lnRef idx="2">
-        <a:scrgbClr r="0" g="0" b="0"/>
-      </a:lnRef>
-      <a:fillRef idx="1">
-        <a:scrgbClr r="0" g="0" b="0"/>
-      </a:fillRef>
-      <a:effectRef idx="0">
-        <a:scrgbClr r="0" g="0" b="0"/>
-      </a:effectRef>
-      <a:fontRef idx="minor"/>
-    </dgm:style>
-  </dgm:styleLbl>
-  <dgm:styleLbl name="solidAlignAcc1">
-    <dgm:scene3d>
-      <a:camera prst="orthographicFront"/>
-      <a:lightRig rig="threePt" dir="t"/>
-    </dgm:scene3d>
-    <dgm:sp3d/>
-    <dgm:txPr/>
-    <dgm:style>
-      <a:lnRef idx="2">
-        <a:scrgbClr r="0" g="0" b="0"/>
-      </a:lnRef>
-      <a:fillRef idx="1">
-        <a:scrgbClr r="0" g="0" b="0"/>
-      </a:fillRef>
-      <a:effectRef idx="0">
-        <a:scrgbClr r="0" g="0" b="0"/>
-      </a:effectRef>
-      <a:fontRef idx="minor"/>
-    </dgm:style>
-  </dgm:styleLbl>
-  <dgm:styleLbl name="solidBgAcc1">
-    <dgm:scene3d>
-      <a:camera prst="orthographicFront"/>
-      <a:lightRig rig="threePt" dir="t"/>
-    </dgm:scene3d>
-    <dgm:sp3d/>
-    <dgm:txPr/>
-    <dgm:style>
-      <a:lnRef idx="2">
-        <a:scrgbClr r="0" g="0" b="0"/>
-      </a:lnRef>
-      <a:fillRef idx="1">
-        <a:scrgbClr r="0" g="0" b="0"/>
-      </a:fillRef>
-      <a:effectRef idx="0">
-        <a:scrgbClr r="0" g="0" b="0"/>
-      </a:effectRef>
-      <a:fontRef idx="minor"/>
-    </dgm:style>
-  </dgm:styleLbl>
-  <dgm:styleLbl name="fgAccFollowNode1">
-    <dgm:scene3d>
-      <a:camera prst="orthographicFront"/>
-      <a:lightRig rig="threePt" dir="t"/>
-    </dgm:scene3d>
-    <dgm:sp3d/>
-    <dgm:txPr/>
-    <dgm:style>
-      <a:lnRef idx="2">
-        <a:scrgbClr r="0" g="0" b="0"/>
-      </a:lnRef>
-      <a:fillRef idx="1">
-        <a:scrgbClr r="0" g="0" b="0"/>
-      </a:fillRef>
-      <a:effectRef idx="0">
-        <a:scrgbClr r="0" g="0" b="0"/>
-      </a:effectRef>
-      <a:fontRef idx="minor"/>
-    </dgm:style>
-  </dgm:styleLbl>
-  <dgm:styleLbl name="alignAccFollowNode1">
-    <dgm:scene3d>
-      <a:camera prst="orthographicFront"/>
-      <a:lightRig rig="threePt" dir="t"/>
-    </dgm:scene3d>
-    <dgm:sp3d/>
-    <dgm:txPr/>
-    <dgm:style>
-      <a:lnRef idx="2">
-        <a:scrgbClr r="0" g="0" b="0"/>
-      </a:lnRef>
-      <a:fillRef idx="1">
-        <a:scrgbClr r="0" g="0" b="0"/>
-      </a:fillRef>
-      <a:effectRef idx="0">
-        <a:scrgbClr r="0" g="0" b="0"/>
-      </a:effectRef>
-      <a:fontRef idx="minor"/>
-    </dgm:style>
-  </dgm:styleLbl>
-  <dgm:styleLbl name="bgAccFollowNode1">
-    <dgm:scene3d>
-      <a:camera prst="orthographicFront"/>
-      <a:lightRig rig="threePt" dir="t"/>
-    </dgm:scene3d>
-    <dgm:sp3d/>
-    <dgm:txPr/>
-    <dgm:style>
-      <a:lnRef idx="2">
-        <a:scrgbClr r="0" g="0" b="0"/>
-      </a:lnRef>
-      <a:fillRef idx="1">
-        <a:scrgbClr r="0" g="0" b="0"/>
-      </a:fillRef>
-      <a:effectRef idx="0">
-        <a:scrgbClr r="0" g="0" b="0"/>
-      </a:effectRef>
-      <a:fontRef idx="minor"/>
-    </dgm:style>
-  </dgm:styleLbl>
-  <dgm:styleLbl name="fgAcc0">
-    <dgm:scene3d>
-      <a:camera prst="orthographicFront"/>
-      <a:lightRig rig="threePt" dir="t"/>
-    </dgm:scene3d>
-    <dgm:sp3d/>
-    <dgm:txPr/>
-    <dgm:style>
-      <a:lnRef idx="2">
-        <a:scrgbClr r="0" g="0" b="0"/>
-      </a:lnRef>
-      <a:fillRef idx="1">
-        <a:scrgbClr r="0" g="0" b="0"/>
-      </a:fillRef>
-      <a:effectRef idx="0">
-        <a:scrgbClr r="0" g="0" b="0"/>
-      </a:effectRef>
-      <a:fontRef idx="minor"/>
-    </dgm:style>
-  </dgm:styleLbl>
-  <dgm:styleLbl name="fgAcc2">
-    <dgm:scene3d>
-      <a:camera prst="orthographicFront"/>
-      <a:lightRig rig="threePt" dir="t"/>
-    </dgm:scene3d>
-    <dgm:sp3d/>
-    <dgm:txPr/>
-    <dgm:style>
-      <a:lnRef idx="2">
-        <a:scrgbClr r="0" g="0" b="0"/>
-      </a:lnRef>
-      <a:fillRef idx="1">
-        <a:scrgbClr r="0" g="0" b="0"/>
-      </a:fillRef>
-      <a:effectRef idx="0">
-        <a:scrgbClr r="0" g="0" b="0"/>
-      </a:effectRef>
-      <a:fontRef idx="minor"/>
-    </dgm:style>
-  </dgm:styleLbl>
-  <dgm:styleLbl name="fgAcc3">
-    <dgm:scene3d>
-      <a:camera prst="orthographicFront"/>
-      <a:lightRig rig="threePt" dir="t"/>
-    </dgm:scene3d>
-    <dgm:sp3d/>
-    <dgm:txPr/>
-    <dgm:style>
-      <a:lnRef idx="2">
-        <a:scrgbClr r="0" g="0" b="0"/>
-      </a:lnRef>
-      <a:fillRef idx="1">
-        <a:scrgbClr r="0" g="0" b="0"/>
-      </a:fillRef>
-      <a:effectRef idx="0">
-        <a:scrgbClr r="0" g="0" b="0"/>
-      </a:effectRef>
-      <a:fontRef idx="minor"/>
-    </dgm:style>
-  </dgm:styleLbl>
-  <dgm:styleLbl name="fgAcc4">
-    <dgm:scene3d>
-      <a:camera prst="orthographicFront"/>
-      <a:lightRig rig="threePt" dir="t"/>
-    </dgm:scene3d>
-    <dgm:sp3d/>
-    <dgm:txPr/>
-    <dgm:style>
-      <a:lnRef idx="2">
-        <a:scrgbClr r="0" g="0" b="0"/>
-      </a:lnRef>
-      <a:fillRef idx="1">
-        <a:scrgbClr r="0" g="0" b="0"/>
-      </a:fillRef>
-      <a:effectRef idx="0">
-        <a:scrgbClr r="0" g="0" b="0"/>
-      </a:effectRef>
-      <a:fontRef idx="minor"/>
-    </dgm:style>
-  </dgm:styleLbl>
-  <dgm:styleLbl name="bgShp">
-    <dgm:scene3d>
-      <a:camera prst="orthographicFront"/>
-      <a:lightRig rig="threePt" dir="t"/>
-    </dgm:scene3d>
-    <dgm:sp3d/>
-    <dgm:txPr/>
-    <dgm:style>
-      <a:lnRef idx="0">
-        <a:scrgbClr r="0" g="0" b="0"/>
-      </a:lnRef>
-      <a:fillRef idx="1">
-        <a:scrgbClr r="0" g="0" b="0"/>
-      </a:fillRef>
-      <a:effectRef idx="0">
-        <a:scrgbClr r="0" g="0" b="0"/>
-      </a:effectRef>
-      <a:fontRef idx="minor"/>
-    </dgm:style>
-  </dgm:styleLbl>
-  <dgm:styleLbl name="dkBgShp">
-    <dgm:scene3d>
-      <a:camera prst="orthographicFront"/>
-      <a:lightRig rig="threePt" dir="t"/>
-    </dgm:scene3d>
-    <dgm:sp3d/>
-    <dgm:txPr/>
-    <dgm:style>
-      <a:lnRef idx="0">
-        <a:scrgbClr r="0" g="0" b="0"/>
-      </a:lnRef>
-      <a:fillRef idx="1">
-        <a:scrgbClr r="0" g="0" b="0"/>
-      </a:fillRef>
-      <a:effectRef idx="0">
-        <a:scrgbClr r="0" g="0" b="0"/>
-      </a:effectRef>
-      <a:fontRef idx="minor"/>
-    </dgm:style>
-  </dgm:styleLbl>
-  <dgm:styleLbl name="trBgShp">
-    <dgm:scene3d>
-      <a:camera prst="orthographicFront"/>
-      <a:lightRig rig="threePt" dir="t"/>
-    </dgm:scene3d>
-    <dgm:sp3d/>
-    <dgm:txPr/>
-    <dgm:style>
-      <a:lnRef idx="0">
-        <a:scrgbClr r="0" g="0" b="0"/>
-      </a:lnRef>
-      <a:fillRef idx="1">
-        <a:scrgbClr r="0" g="0" b="0"/>
-      </a:fillRef>
-      <a:effectRef idx="0">
-        <a:scrgbClr r="0" g="0" b="0"/>
-      </a:effectRef>
-      <a:fontRef idx="minor"/>
-    </dgm:style>
-  </dgm:styleLbl>
-  <dgm:styleLbl name="fgShp">
-    <dgm:scene3d>
-      <a:camera prst="orthographicFront"/>
-      <a:lightRig rig="threePt" dir="t"/>
-    </dgm:scene3d>
-    <dgm:sp3d/>
-    <dgm:txPr/>
-    <dgm:style>
-      <a:lnRef idx="2">
-        <a:scrgbClr r="0" g="0" b="0"/>
-      </a:lnRef>
-      <a:fillRef idx="1">
-        <a:scrgbClr r="0" g="0" b="0"/>
-      </a:fillRef>
-      <a:effectRef idx="0">
-        <a:scrgbClr r="0" g="0" b="0"/>
-      </a:effectRef>
-      <a:fontRef idx="minor"/>
-    </dgm:style>
-  </dgm:styleLbl>
-  <dgm:styleLbl name="revTx">
-    <dgm:scene3d>
-      <a:camera prst="orthographicFront"/>
-      <a:lightRig rig="threePt" dir="t"/>
-    </dgm:scene3d>
-    <dgm:sp3d/>
-    <dgm:txPr/>
-    <dgm:style>
-      <a:lnRef idx="0">
-        <a:scrgbClr r="0" g="0" b="0"/>
-      </a:lnRef>
-      <a:fillRef idx="0">
-        <a:scrgbClr r="0" g="0" b="0"/>
-      </a:fillRef>
-      <a:effectRef idx="0">
-        <a:scrgbClr r="0" g="0" b="0"/>
-      </a:effectRef>
-      <a:fontRef idx="minor"/>
-    </dgm:style>
-  </dgm:styleLbl>
-</dgm:styleDef>
-</file>
-
 <file path=ppt/diagrams/quickStyle2.xml><?xml version="1.0" encoding="utf-8"?>
 <dgm:styleDef xmlns:dgm="http://schemas.openxmlformats.org/drawingml/2006/diagram" xmlns:a="http://schemas.openxmlformats.org/drawingml/2006/main" uniqueId="urn:microsoft.com/office/officeart/2005/8/quickstyle/simple1">
   <dgm:title val=""/>
@@ -18912,7 +16610,7 @@
           <a:p>
             <a:fld id="{8676DADC-0BBC-E84C-931F-561A4772DE34}" type="datetimeFigureOut">
               <a:rPr lang="en-US" smtClean="0"/>
-              <a:t>6/7/25</a:t>
+              <a:t>6/11/25</a:t>
             </a:fld>
             <a:endParaRPr lang="en-US"/>
           </a:p>
@@ -42515,6 +40213,33 @@
                                   </p:childTnLst>
                                 </p:cTn>
                               </p:par>
+                              <p:par>
+                                <p:cTn id="31" presetID="1" presetClass="entr" presetSubtype="0" fill="hold" nodeType="withEffect">
+                                  <p:stCondLst>
+                                    <p:cond delay="0"/>
+                                  </p:stCondLst>
+                                  <p:childTnLst>
+                                    <p:set>
+                                      <p:cBhvr>
+                                        <p:cTn id="32" dur="1" fill="hold">
+                                          <p:stCondLst>
+                                            <p:cond delay="0"/>
+                                          </p:stCondLst>
+                                        </p:cTn>
+                                        <p:tgtEl>
+                                          <p:spTgt spid="5"/>
+                                        </p:tgtEl>
+                                        <p:attrNameLst>
+                                          <p:attrName>style.visibility</p:attrName>
+                                        </p:attrNameLst>
+                                      </p:cBhvr>
+                                      <p:to>
+                                        <p:strVal val="visible"/>
+                                      </p:to>
+                                    </p:set>
+                                  </p:childTnLst>
+                                </p:cTn>
+                              </p:par>
                             </p:childTnLst>
                           </p:cTn>
                         </p:par>
@@ -45381,7 +43106,7 @@
         </p:blipFill>
         <p:spPr>
           <a:xfrm>
-            <a:off x="350076" y="2024049"/>
+            <a:off x="368298" y="1034263"/>
             <a:ext cx="10480466" cy="2632033"/>
           </a:xfrm>
           <a:prstGeom prst="rect">
@@ -45403,14 +43128,14 @@
         </p:nvSpPr>
         <p:spPr>
           <a:xfrm>
-            <a:off x="4803228" y="2385437"/>
+            <a:off x="4793603" y="1451787"/>
             <a:ext cx="2385848" cy="2386259"/>
           </a:xfrm>
           <a:prstGeom prst="rect">
             <a:avLst/>
           </a:prstGeom>
           <a:solidFill>
-            <a:schemeClr val="accent2">
+            <a:schemeClr val="accent4">
               <a:lumMod val="60000"/>
               <a:lumOff val="40000"/>
               <a:alpha val="34714"/>
@@ -45442,62 +43167,6 @@
           <a:p>
             <a:pPr algn="ctr"/>
             <a:endParaRPr lang="en-US" dirty="0"/>
-          </a:p>
-        </p:txBody>
-      </p:sp>
-      <p:sp>
-        <p:nvSpPr>
-          <p:cNvPr id="3" name="Rectangle 2">
-            <a:extLst>
-              <a:ext uri="{FF2B5EF4-FFF2-40B4-BE49-F238E27FC236}">
-                <a16:creationId xmlns:a16="http://schemas.microsoft.com/office/drawing/2014/main" id="{4A32813B-7360-0BFF-8CCA-AA151D4D601E}"/>
-              </a:ext>
-            </a:extLst>
-          </p:cNvPr>
-          <p:cNvSpPr/>
-          <p:nvPr/>
-        </p:nvSpPr>
-        <p:spPr>
-          <a:xfrm>
-            <a:off x="7420303" y="2385437"/>
-            <a:ext cx="1368788" cy="2386259"/>
-          </a:xfrm>
-          <a:prstGeom prst="rect">
-            <a:avLst/>
-          </a:prstGeom>
-          <a:solidFill>
-            <a:schemeClr val="accent2">
-              <a:lumMod val="60000"/>
-              <a:lumOff val="40000"/>
-              <a:alpha val="34714"/>
-            </a:schemeClr>
-          </a:solidFill>
-          <a:ln>
-            <a:noFill/>
-          </a:ln>
-        </p:spPr>
-        <p:style>
-          <a:lnRef idx="2">
-            <a:schemeClr val="accent1">
-              <a:shade val="15000"/>
-            </a:schemeClr>
-          </a:lnRef>
-          <a:fillRef idx="1">
-            <a:schemeClr val="accent1"/>
-          </a:fillRef>
-          <a:effectRef idx="0">
-            <a:schemeClr val="accent1"/>
-          </a:effectRef>
-          <a:fontRef idx="minor">
-            <a:schemeClr val="lt1"/>
-          </a:fontRef>
-        </p:style>
-        <p:txBody>
-          <a:bodyPr rtlCol="0" anchor="ctr"/>
-          <a:lstStyle/>
-          <a:p>
-            <a:pPr algn="ctr"/>
-            <a:endParaRPr lang="en-US"/>
           </a:p>
         </p:txBody>
       </p:sp>
@@ -45515,7 +43184,7 @@
         </p:nvSpPr>
         <p:spPr>
           <a:xfrm>
-            <a:off x="8978704" y="2327630"/>
+            <a:off x="8969079" y="1393980"/>
             <a:ext cx="1662224" cy="2386259"/>
           </a:xfrm>
           <a:prstGeom prst="rect">
@@ -45557,6 +43226,434 @@
           </a:p>
         </p:txBody>
       </p:sp>
+      <p:sp>
+        <p:nvSpPr>
+          <p:cNvPr id="6" name="Up Arrow 5">
+            <a:extLst>
+              <a:ext uri="{FF2B5EF4-FFF2-40B4-BE49-F238E27FC236}">
+                <a16:creationId xmlns:a16="http://schemas.microsoft.com/office/drawing/2014/main" id="{97CB0E0F-2551-A68C-08B7-940EEA48E1AC}"/>
+              </a:ext>
+            </a:extLst>
+          </p:cNvPr>
+          <p:cNvSpPr/>
+          <p:nvPr/>
+        </p:nvSpPr>
+        <p:spPr>
+          <a:xfrm>
+            <a:off x="5743090" y="3906922"/>
+            <a:ext cx="702644" cy="712269"/>
+          </a:xfrm>
+          <a:prstGeom prst="upArrow">
+            <a:avLst/>
+          </a:prstGeom>
+          <a:solidFill>
+            <a:schemeClr val="accent4">
+              <a:lumMod val="50000"/>
+            </a:schemeClr>
+          </a:solidFill>
+          <a:ln>
+            <a:noFill/>
+          </a:ln>
+        </p:spPr>
+        <p:style>
+          <a:lnRef idx="1">
+            <a:schemeClr val="accent1"/>
+          </a:lnRef>
+          <a:fillRef idx="3">
+            <a:schemeClr val="accent1"/>
+          </a:fillRef>
+          <a:effectRef idx="2">
+            <a:schemeClr val="accent1"/>
+          </a:effectRef>
+          <a:fontRef idx="minor">
+            <a:schemeClr val="lt1"/>
+          </a:fontRef>
+        </p:style>
+        <p:txBody>
+          <a:bodyPr rtlCol="0" anchor="ctr"/>
+          <a:lstStyle/>
+          <a:p>
+            <a:pPr algn="ctr"/>
+            <a:endParaRPr lang="en-US"/>
+          </a:p>
+        </p:txBody>
+      </p:sp>
+      <p:sp>
+        <p:nvSpPr>
+          <p:cNvPr id="8" name="TextBox 7">
+            <a:extLst>
+              <a:ext uri="{FF2B5EF4-FFF2-40B4-BE49-F238E27FC236}">
+                <a16:creationId xmlns:a16="http://schemas.microsoft.com/office/drawing/2014/main" id="{12428D54-6836-BBD2-D708-D90991A0278F}"/>
+              </a:ext>
+            </a:extLst>
+          </p:cNvPr>
+          <p:cNvSpPr txBox="1"/>
+          <p:nvPr/>
+        </p:nvSpPr>
+        <p:spPr>
+          <a:xfrm>
+            <a:off x="4793603" y="4688067"/>
+            <a:ext cx="2385849" cy="1323439"/>
+          </a:xfrm>
+          <a:prstGeom prst="rect">
+            <a:avLst/>
+          </a:prstGeom>
+          <a:solidFill>
+            <a:schemeClr val="accent4">
+              <a:lumMod val="75000"/>
+            </a:schemeClr>
+          </a:solidFill>
+        </p:spPr>
+        <p:txBody>
+          <a:bodyPr wrap="square" rtlCol="0">
+            <a:spAutoFit/>
+          </a:bodyPr>
+          <a:lstStyle/>
+          <a:p>
+            <a:pPr algn="ctr"/>
+            <a:r>
+              <a:rPr lang="en-US" sz="1600" dirty="0">
+                <a:solidFill>
+                  <a:schemeClr val="bg1"/>
+                </a:solidFill>
+              </a:rPr>
+              <a:t>True process is Gamma and </a:t>
+            </a:r>
+          </a:p>
+          <a:p>
+            <a:pPr algn="ctr"/>
+            <a:r>
+              <a:rPr lang="en-US" sz="1600" dirty="0">
+                <a:solidFill>
+                  <a:schemeClr val="bg1"/>
+                </a:solidFill>
+              </a:rPr>
+              <a:t>Model with Gamma</a:t>
+            </a:r>
+          </a:p>
+          <a:p>
+            <a:pPr algn="ctr"/>
+            <a:endParaRPr lang="en-US" sz="1600" dirty="0">
+              <a:solidFill>
+                <a:schemeClr val="bg1"/>
+              </a:solidFill>
+            </a:endParaRPr>
+          </a:p>
+          <a:p>
+            <a:pPr algn="ctr"/>
+            <a:r>
+              <a:rPr lang="en-US" sz="1600" dirty="0">
+                <a:solidFill>
+                  <a:schemeClr val="accent4">
+                    <a:lumMod val="60000"/>
+                    <a:lumOff val="40000"/>
+                  </a:schemeClr>
+                </a:solidFill>
+              </a:rPr>
+              <a:t>Type–1 Error</a:t>
+            </a:r>
+          </a:p>
+        </p:txBody>
+      </p:sp>
+      <p:sp>
+        <p:nvSpPr>
+          <p:cNvPr id="9" name="Up Arrow 8">
+            <a:extLst>
+              <a:ext uri="{FF2B5EF4-FFF2-40B4-BE49-F238E27FC236}">
+                <a16:creationId xmlns:a16="http://schemas.microsoft.com/office/drawing/2014/main" id="{36832578-FE9A-0753-9911-8346A8756BDC}"/>
+              </a:ext>
+            </a:extLst>
+          </p:cNvPr>
+          <p:cNvSpPr/>
+          <p:nvPr/>
+        </p:nvSpPr>
+        <p:spPr>
+          <a:xfrm>
+            <a:off x="8360164" y="3906922"/>
+            <a:ext cx="986699" cy="712269"/>
+          </a:xfrm>
+          <a:prstGeom prst="upArrow">
+            <a:avLst/>
+          </a:prstGeom>
+          <a:solidFill>
+            <a:schemeClr val="accent2">
+              <a:lumMod val="50000"/>
+            </a:schemeClr>
+          </a:solidFill>
+          <a:ln>
+            <a:noFill/>
+          </a:ln>
+        </p:spPr>
+        <p:style>
+          <a:lnRef idx="1">
+            <a:schemeClr val="accent1"/>
+          </a:lnRef>
+          <a:fillRef idx="3">
+            <a:schemeClr val="accent1"/>
+          </a:fillRef>
+          <a:effectRef idx="2">
+            <a:schemeClr val="accent1"/>
+          </a:effectRef>
+          <a:fontRef idx="minor">
+            <a:schemeClr val="lt1"/>
+          </a:fontRef>
+        </p:style>
+        <p:txBody>
+          <a:bodyPr rtlCol="0" anchor="ctr"/>
+          <a:lstStyle/>
+          <a:p>
+            <a:pPr algn="ctr"/>
+            <a:endParaRPr lang="en-US"/>
+          </a:p>
+        </p:txBody>
+      </p:sp>
+      <p:sp>
+        <p:nvSpPr>
+          <p:cNvPr id="10" name="TextBox 9">
+            <a:extLst>
+              <a:ext uri="{FF2B5EF4-FFF2-40B4-BE49-F238E27FC236}">
+                <a16:creationId xmlns:a16="http://schemas.microsoft.com/office/drawing/2014/main" id="{6D4E8553-9D9D-FCCF-AFF8-53106F0B058D}"/>
+              </a:ext>
+            </a:extLst>
+          </p:cNvPr>
+          <p:cNvSpPr txBox="1"/>
+          <p:nvPr/>
+        </p:nvSpPr>
+        <p:spPr>
+          <a:xfrm>
+            <a:off x="7410678" y="4688067"/>
+            <a:ext cx="3350366" cy="1323439"/>
+          </a:xfrm>
+          <a:prstGeom prst="rect">
+            <a:avLst/>
+          </a:prstGeom>
+          <a:solidFill>
+            <a:schemeClr val="accent2">
+              <a:lumMod val="50000"/>
+            </a:schemeClr>
+          </a:solidFill>
+        </p:spPr>
+        <p:txBody>
+          <a:bodyPr wrap="square" rtlCol="0">
+            <a:spAutoFit/>
+          </a:bodyPr>
+          <a:lstStyle/>
+          <a:p>
+            <a:pPr algn="ctr"/>
+            <a:r>
+              <a:rPr lang="en-US" sz="1600" dirty="0">
+                <a:solidFill>
+                  <a:schemeClr val="bg1"/>
+                </a:solidFill>
+              </a:rPr>
+              <a:t>True process is Gamma </a:t>
+            </a:r>
+          </a:p>
+          <a:p>
+            <a:pPr algn="ctr"/>
+            <a:r>
+              <a:rPr lang="en-US" sz="1600" dirty="0">
+                <a:solidFill>
+                  <a:schemeClr val="bg1"/>
+                </a:solidFill>
+              </a:rPr>
+              <a:t>and </a:t>
+            </a:r>
+          </a:p>
+          <a:p>
+            <a:pPr algn="ctr"/>
+            <a:r>
+              <a:rPr lang="en-US" sz="1600" dirty="0">
+                <a:solidFill>
+                  <a:schemeClr val="bg1"/>
+                </a:solidFill>
+              </a:rPr>
+              <a:t>Model with IG/Wiener</a:t>
+            </a:r>
+          </a:p>
+          <a:p>
+            <a:pPr algn="ctr"/>
+            <a:endParaRPr lang="en-US" sz="1600" dirty="0">
+              <a:solidFill>
+                <a:schemeClr val="bg1"/>
+              </a:solidFill>
+            </a:endParaRPr>
+          </a:p>
+          <a:p>
+            <a:pPr algn="ctr"/>
+            <a:r>
+              <a:rPr lang="en-US" sz="1600" dirty="0">
+                <a:solidFill>
+                  <a:schemeClr val="accent2">
+                    <a:lumMod val="60000"/>
+                    <a:lumOff val="40000"/>
+                  </a:schemeClr>
+                </a:solidFill>
+              </a:rPr>
+              <a:t>Power</a:t>
+            </a:r>
+          </a:p>
+        </p:txBody>
+      </p:sp>
+      <p:sp>
+        <p:nvSpPr>
+          <p:cNvPr id="11" name="Rectangle 10">
+            <a:extLst>
+              <a:ext uri="{FF2B5EF4-FFF2-40B4-BE49-F238E27FC236}">
+                <a16:creationId xmlns:a16="http://schemas.microsoft.com/office/drawing/2014/main" id="{9C2DF9D1-2460-5A6B-7768-FE9482BEDB9D}"/>
+              </a:ext>
+            </a:extLst>
+          </p:cNvPr>
+          <p:cNvSpPr/>
+          <p:nvPr/>
+        </p:nvSpPr>
+        <p:spPr>
+          <a:xfrm>
+            <a:off x="7243153" y="1451787"/>
+            <a:ext cx="1662224" cy="2386259"/>
+          </a:xfrm>
+          <a:prstGeom prst="rect">
+            <a:avLst/>
+          </a:prstGeom>
+          <a:solidFill>
+            <a:schemeClr val="accent2">
+              <a:lumMod val="60000"/>
+              <a:lumOff val="40000"/>
+              <a:alpha val="34714"/>
+            </a:schemeClr>
+          </a:solidFill>
+          <a:ln>
+            <a:noFill/>
+          </a:ln>
+        </p:spPr>
+        <p:style>
+          <a:lnRef idx="2">
+            <a:schemeClr val="accent1">
+              <a:shade val="15000"/>
+            </a:schemeClr>
+          </a:lnRef>
+          <a:fillRef idx="1">
+            <a:schemeClr val="accent1"/>
+          </a:fillRef>
+          <a:effectRef idx="0">
+            <a:schemeClr val="accent1"/>
+          </a:effectRef>
+          <a:fontRef idx="minor">
+            <a:schemeClr val="lt1"/>
+          </a:fontRef>
+        </p:style>
+        <p:txBody>
+          <a:bodyPr rtlCol="0" anchor="ctr"/>
+          <a:lstStyle/>
+          <a:p>
+            <a:pPr algn="ctr"/>
+            <a:endParaRPr lang="en-US"/>
+          </a:p>
+        </p:txBody>
+      </p:sp>
+      <mc:AlternateContent xmlns:mc="http://schemas.openxmlformats.org/markup-compatibility/2006">
+        <mc:Choice xmlns:a14="http://schemas.microsoft.com/office/drawing/2010/main" Requires="a14">
+          <p:sp>
+            <p:nvSpPr>
+              <p:cNvPr id="12" name="TextBox 11">
+                <a:extLst>
+                  <a:ext uri="{FF2B5EF4-FFF2-40B4-BE49-F238E27FC236}">
+                    <a16:creationId xmlns:a16="http://schemas.microsoft.com/office/drawing/2014/main" id="{C854BA63-6954-6299-D85A-A3DBCD5B235C}"/>
+                  </a:ext>
+                </a:extLst>
+              </p:cNvPr>
+              <p:cNvSpPr txBox="1"/>
+              <p:nvPr/>
+            </p:nvSpPr>
+            <p:spPr>
+              <a:xfrm>
+                <a:off x="0" y="6550223"/>
+                <a:ext cx="5382627" cy="307777"/>
+              </a:xfrm>
+              <a:prstGeom prst="rect">
+                <a:avLst/>
+              </a:prstGeom>
+              <a:noFill/>
+            </p:spPr>
+            <p:txBody>
+              <a:bodyPr wrap="none" rtlCol="0">
+                <a:spAutoFit/>
+              </a:bodyPr>
+              <a:lstStyle/>
+              <a:p>
+                <a:r>
+                  <a:rPr lang="en-US" sz="1400" dirty="0"/>
+                  <a:t>I = 5, m = 9, time gaps = {1, 3, 5}, </a:t>
+                </a:r>
+                <a14:m>
+                  <m:oMath xmlns:m="http://schemas.openxmlformats.org/officeDocument/2006/math">
+                    <m:r>
+                      <a:rPr lang="en-US" sz="1400" b="0" i="1" smtClean="0">
+                        <a:latin typeface="Cambria Math" panose="02040503050406030204" pitchFamily="18" charset="0"/>
+                      </a:rPr>
+                      <m:t>𝜏</m:t>
+                    </m:r>
+                    <m:r>
+                      <a:rPr lang="en-US" sz="1400" b="0" i="1" smtClean="0">
+                        <a:latin typeface="Cambria Math" panose="02040503050406030204" pitchFamily="18" charset="0"/>
+                      </a:rPr>
+                      <m:t>=70</m:t>
+                    </m:r>
+                  </m:oMath>
+                </a14:m>
+                <a:r>
+                  <a:rPr lang="en-US" sz="1400" dirty="0"/>
+                  <a:t>, no. of simulations = 1000</a:t>
+                </a:r>
+              </a:p>
+            </p:txBody>
+          </p:sp>
+        </mc:Choice>
+        <mc:Fallback>
+          <p:sp>
+            <p:nvSpPr>
+              <p:cNvPr id="12" name="TextBox 11">
+                <a:extLst>
+                  <a:ext uri="{FF2B5EF4-FFF2-40B4-BE49-F238E27FC236}">
+                    <a16:creationId xmlns:a16="http://schemas.microsoft.com/office/drawing/2014/main" id="{C854BA63-6954-6299-D85A-A3DBCD5B235C}"/>
+                  </a:ext>
+                </a:extLst>
+              </p:cNvPr>
+              <p:cNvSpPr txBox="1">
+                <a:spLocks noRot="1" noChangeAspect="1" noMove="1" noResize="1" noEditPoints="1" noAdjustHandles="1" noChangeArrowheads="1" noChangeShapeType="1" noTextEdit="1"/>
+              </p:cNvSpPr>
+              <p:nvPr/>
+            </p:nvSpPr>
+            <p:spPr>
+              <a:xfrm>
+                <a:off x="0" y="6550223"/>
+                <a:ext cx="5382627" cy="307777"/>
+              </a:xfrm>
+              <a:prstGeom prst="rect">
+                <a:avLst/>
+              </a:prstGeom>
+              <a:blipFill>
+                <a:blip r:embed="rId3"/>
+                <a:stretch>
+                  <a:fillRect l="-472" t="-4167" b="-20833"/>
+                </a:stretch>
+              </a:blipFill>
+            </p:spPr>
+            <p:txBody>
+              <a:bodyPr/>
+              <a:lstStyle/>
+              <a:p>
+                <a:r>
+                  <a:rPr lang="en-US">
+                    <a:noFill/>
+                  </a:rPr>
+                  <a:t> </a:t>
+                </a:r>
+              </a:p>
+            </p:txBody>
+          </p:sp>
+        </mc:Fallback>
+      </mc:AlternateContent>
     </p:spTree>
     <p:extLst>
       <p:ext uri="{BB962C8B-B14F-4D97-AF65-F5344CB8AC3E}">
@@ -45626,26 +43723,35 @@
                                   </p:childTnLst>
                                 </p:cTn>
                               </p:par>
-                            </p:childTnLst>
-                          </p:cTn>
-                        </p:par>
-                      </p:childTnLst>
-                    </p:cTn>
-                  </p:par>
-                  <p:par>
-                    <p:cTn id="7" fill="hold">
-                      <p:stCondLst>
-                        <p:cond delay="indefinite"/>
-                      </p:stCondLst>
-                      <p:childTnLst>
-                        <p:par>
-                          <p:cTn id="8" fill="hold">
-                            <p:stCondLst>
-                              <p:cond delay="0"/>
-                            </p:stCondLst>
-                            <p:childTnLst>
                               <p:par>
-                                <p:cTn id="9" presetID="1" presetClass="entr" presetSubtype="0" fill="hold" grpId="0" nodeType="clickEffect">
+                                <p:cTn id="7" presetID="1" presetClass="entr" presetSubtype="0" fill="hold" grpId="0" nodeType="withEffect">
+                                  <p:stCondLst>
+                                    <p:cond delay="0"/>
+                                  </p:stCondLst>
+                                  <p:childTnLst>
+                                    <p:set>
+                                      <p:cBhvr>
+                                        <p:cTn id="8" dur="1" fill="hold">
+                                          <p:stCondLst>
+                                            <p:cond delay="0"/>
+                                          </p:stCondLst>
+                                        </p:cTn>
+                                        <p:tgtEl>
+                                          <p:spTgt spid="6"/>
+                                        </p:tgtEl>
+                                        <p:attrNameLst>
+                                          <p:attrName>style.visibility</p:attrName>
+                                        </p:attrNameLst>
+                                      </p:cBhvr>
+                                      <p:to>
+                                        <p:strVal val="visible"/>
+                                      </p:to>
+                                    </p:set>
+                                  </p:childTnLst>
+                                </p:cTn>
+                              </p:par>
+                              <p:par>
+                                <p:cTn id="9" presetID="1" presetClass="entr" presetSubtype="0" fill="hold" grpId="0" nodeType="withEffect">
                                   <p:stCondLst>
                                     <p:cond delay="0"/>
                                   </p:stCondLst>
@@ -45658,7 +43764,7 @@
                                           </p:stCondLst>
                                         </p:cTn>
                                         <p:tgtEl>
-                                          <p:spTgt spid="3"/>
+                                          <p:spTgt spid="8"/>
                                         </p:tgtEl>
                                         <p:attrNameLst>
                                           <p:attrName>style.visibility</p:attrName>
@@ -45716,6 +43822,87 @@
                                   </p:childTnLst>
                                 </p:cTn>
                               </p:par>
+                              <p:par>
+                                <p:cTn id="15" presetID="1" presetClass="entr" presetSubtype="0" fill="hold" grpId="0" nodeType="withEffect">
+                                  <p:stCondLst>
+                                    <p:cond delay="0"/>
+                                  </p:stCondLst>
+                                  <p:childTnLst>
+                                    <p:set>
+                                      <p:cBhvr>
+                                        <p:cTn id="16" dur="1" fill="hold">
+                                          <p:stCondLst>
+                                            <p:cond delay="0"/>
+                                          </p:stCondLst>
+                                        </p:cTn>
+                                        <p:tgtEl>
+                                          <p:spTgt spid="9"/>
+                                        </p:tgtEl>
+                                        <p:attrNameLst>
+                                          <p:attrName>style.visibility</p:attrName>
+                                        </p:attrNameLst>
+                                      </p:cBhvr>
+                                      <p:to>
+                                        <p:strVal val="visible"/>
+                                      </p:to>
+                                    </p:set>
+                                  </p:childTnLst>
+                                </p:cTn>
+                              </p:par>
+                              <p:par>
+                                <p:cTn id="17" presetID="1" presetClass="entr" presetSubtype="0" fill="hold" grpId="0" nodeType="withEffect">
+                                  <p:stCondLst>
+                                    <p:cond delay="0"/>
+                                  </p:stCondLst>
+                                  <p:childTnLst>
+                                    <p:set>
+                                      <p:cBhvr>
+                                        <p:cTn id="18" dur="1" fill="hold">
+                                          <p:stCondLst>
+                                            <p:cond delay="0"/>
+                                          </p:stCondLst>
+                                        </p:cTn>
+                                        <p:tgtEl>
+                                          <p:spTgt spid="10"/>
+                                        </p:tgtEl>
+                                        <p:attrNameLst>
+                                          <p:attrName>style.visibility</p:attrName>
+                                        </p:attrNameLst>
+                                      </p:cBhvr>
+                                      <p:to>
+                                        <p:strVal val="visible"/>
+                                      </p:to>
+                                    </p:set>
+                                  </p:childTnLst>
+                                </p:cTn>
+                              </p:par>
+                              <p:par>
+                                <p:cTn id="19" presetID="1" presetClass="entr" presetSubtype="0" fill="hold" grpId="0" nodeType="withEffect">
+                                  <p:stCondLst>
+                                    <p:cond delay="0"/>
+                                  </p:stCondLst>
+                                  <p:childTnLst>
+                                    <p:set>
+                                      <p:cBhvr>
+                                        <p:cTn id="20" dur="1" fill="hold">
+                                          <p:stCondLst>
+                                            <p:cond delay="0"/>
+                                          </p:stCondLst>
+                                        </p:cTn>
+                                        <p:tgtEl>
+                                          <p:spTgt spid="11"/>
+                                        </p:tgtEl>
+                                        <p:attrNameLst>
+                                          <p:attrName>style.visibility</p:attrName>
+                                        </p:attrNameLst>
+                                      </p:cBhvr>
+                                      <p:to>
+                                        <p:strVal val="visible"/>
+                                      </p:to>
+                                    </p:set>
+                                  </p:childTnLst>
+                                </p:cTn>
+                              </p:par>
                             </p:childTnLst>
                           </p:cTn>
                         </p:par>
@@ -45745,8 +43932,12 @@
     </p:tnLst>
     <p:bldLst>
       <p:bldP spid="22" grpId="0" animBg="1"/>
-      <p:bldP spid="3" grpId="0" animBg="1"/>
       <p:bldP spid="5" grpId="0" animBg="1"/>
+      <p:bldP spid="6" grpId="0" animBg="1"/>
+      <p:bldP spid="8" grpId="0" animBg="1"/>
+      <p:bldP spid="9" grpId="0" animBg="1"/>
+      <p:bldP spid="10" grpId="0" animBg="1"/>
+      <p:bldP spid="11" grpId="0" animBg="1"/>
     </p:bldLst>
   </p:timing>
 </p:sld>
@@ -45877,6 +44068,109 @@
           </a:prstGeom>
         </p:spPr>
       </p:pic>
+      <mc:AlternateContent xmlns:mc="http://schemas.openxmlformats.org/markup-compatibility/2006">
+        <mc:Choice xmlns:a14="http://schemas.microsoft.com/office/drawing/2010/main" Requires="a14">
+          <p:sp>
+            <p:nvSpPr>
+              <p:cNvPr id="5" name="TextBox 4">
+                <a:extLst>
+                  <a:ext uri="{FF2B5EF4-FFF2-40B4-BE49-F238E27FC236}">
+                    <a16:creationId xmlns:a16="http://schemas.microsoft.com/office/drawing/2014/main" id="{2107C96D-A5E7-8880-D102-1D3E2B5E7DFC}"/>
+                  </a:ext>
+                </a:extLst>
+              </p:cNvPr>
+              <p:cNvSpPr txBox="1"/>
+              <p:nvPr/>
+            </p:nvSpPr>
+            <p:spPr>
+              <a:xfrm>
+                <a:off x="0" y="6550223"/>
+                <a:ext cx="5382627" cy="307777"/>
+              </a:xfrm>
+              <a:prstGeom prst="rect">
+                <a:avLst/>
+              </a:prstGeom>
+              <a:noFill/>
+            </p:spPr>
+            <p:txBody>
+              <a:bodyPr wrap="none" rtlCol="0">
+                <a:spAutoFit/>
+              </a:bodyPr>
+              <a:lstStyle/>
+              <a:p>
+                <a:r>
+                  <a:rPr lang="en-US" sz="1400" dirty="0"/>
+                  <a:t>I = 5, m = 9, time gaps = {1, 3, 5}, </a:t>
+                </a:r>
+                <a14:m>
+                  <m:oMath xmlns:m="http://schemas.openxmlformats.org/officeDocument/2006/math">
+                    <m:r>
+                      <a:rPr lang="en-US" sz="1400" b="0" i="1" smtClean="0">
+                        <a:latin typeface="Cambria Math" panose="02040503050406030204" pitchFamily="18" charset="0"/>
+                      </a:rPr>
+                      <m:t>𝜏</m:t>
+                    </m:r>
+                    <m:r>
+                      <a:rPr lang="en-US" sz="1400" b="0" i="1" smtClean="0">
+                        <a:latin typeface="Cambria Math" panose="02040503050406030204" pitchFamily="18" charset="0"/>
+                      </a:rPr>
+                      <m:t>=70</m:t>
+                    </m:r>
+                  </m:oMath>
+                </a14:m>
+                <a:r>
+                  <a:rPr lang="en-US" sz="1400" dirty="0"/>
+                  <a:t>, no. of simulations = 1000</a:t>
+                </a:r>
+              </a:p>
+            </p:txBody>
+          </p:sp>
+        </mc:Choice>
+        <mc:Fallback>
+          <p:sp>
+            <p:nvSpPr>
+              <p:cNvPr id="5" name="TextBox 4">
+                <a:extLst>
+                  <a:ext uri="{FF2B5EF4-FFF2-40B4-BE49-F238E27FC236}">
+                    <a16:creationId xmlns:a16="http://schemas.microsoft.com/office/drawing/2014/main" id="{2107C96D-A5E7-8880-D102-1D3E2B5E7DFC}"/>
+                  </a:ext>
+                </a:extLst>
+              </p:cNvPr>
+              <p:cNvSpPr txBox="1">
+                <a:spLocks noRot="1" noChangeAspect="1" noMove="1" noResize="1" noEditPoints="1" noAdjustHandles="1" noChangeArrowheads="1" noChangeShapeType="1" noTextEdit="1"/>
+              </p:cNvSpPr>
+              <p:nvPr/>
+            </p:nvSpPr>
+            <p:spPr>
+              <a:xfrm>
+                <a:off x="0" y="6550223"/>
+                <a:ext cx="5382627" cy="307777"/>
+              </a:xfrm>
+              <a:prstGeom prst="rect">
+                <a:avLst/>
+              </a:prstGeom>
+              <a:blipFill>
+                <a:blip r:embed="rId3"/>
+                <a:stretch>
+                  <a:fillRect l="-472" t="-4167" b="-20833"/>
+                </a:stretch>
+              </a:blipFill>
+            </p:spPr>
+            <p:txBody>
+              <a:bodyPr/>
+              <a:lstStyle/>
+              <a:p>
+                <a:r>
+                  <a:rPr lang="en-US">
+                    <a:noFill/>
+                  </a:rPr>
+                  <a:t> </a:t>
+                </a:r>
+              </a:p>
+            </p:txBody>
+          </p:sp>
+        </mc:Fallback>
+      </mc:AlternateContent>
     </p:spTree>
     <p:extLst>
       <p:ext uri="{BB962C8B-B14F-4D97-AF65-F5344CB8AC3E}">
@@ -49600,8 +47894,8 @@
           </p:txBody>
         </p:sp>
       </p:grpSp>
-      <mc:AlternateContent xmlns:mc="http://schemas.openxmlformats.org/markup-compatibility/2006">
-        <mc:Choice xmlns:a14="http://schemas.microsoft.com/office/drawing/2010/main" Requires="a14">
+      <mc:AlternateContent xmlns:mc="http://schemas.openxmlformats.org/markup-compatibility/2006" xmlns:a14="http://schemas.microsoft.com/office/drawing/2010/main">
+        <mc:Choice Requires="a14">
           <p:sp>
             <p:nvSpPr>
               <p:cNvPr id="36" name="Object 449">
@@ -50052,7 +48346,7 @@
             </p:txBody>
           </p:sp>
         </mc:Choice>
-        <mc:Fallback>
+        <mc:Fallback xmlns="">
           <p:sp>
             <p:nvSpPr>
               <p:cNvPr id="36" name="Object 449">
@@ -50255,8 +48549,8 @@
             </p:txBody>
           </p:sp>
         </p:grpSp>
-        <mc:AlternateContent xmlns:mc="http://schemas.openxmlformats.org/markup-compatibility/2006">
-          <mc:Choice xmlns:a14="http://schemas.microsoft.com/office/drawing/2010/main" Requires="a14">
+        <mc:AlternateContent xmlns:mc="http://schemas.openxmlformats.org/markup-compatibility/2006" xmlns:a14="http://schemas.microsoft.com/office/drawing/2010/main">
+          <mc:Choice Requires="a14">
             <p:sp>
               <p:nvSpPr>
                 <p:cNvPr id="3" name="Rectangle 2">
@@ -50333,7 +48627,7 @@
               </p:txBody>
             </p:sp>
           </mc:Choice>
-          <mc:Fallback>
+          <mc:Fallback xmlns="">
             <p:sp>
               <p:nvSpPr>
                 <p:cNvPr id="3" name="Rectangle 2">
@@ -50891,8 +49185,8 @@
           </a:p>
         </p:txBody>
       </p:sp>
-      <mc:AlternateContent xmlns:mc="http://schemas.openxmlformats.org/markup-compatibility/2006" xmlns:a14="http://schemas.microsoft.com/office/drawing/2010/main">
-        <mc:Choice Requires="a14">
+      <mc:AlternateContent xmlns:mc="http://schemas.openxmlformats.org/markup-compatibility/2006">
+        <mc:Choice xmlns:a14="http://schemas.microsoft.com/office/drawing/2010/main" Requires="a14">
           <p:graphicFrame>
             <p:nvGraphicFramePr>
               <p:cNvPr id="7" name="Diagram 6">
@@ -50906,7 +49200,7 @@
               <p:nvPr>
                 <p:extLst>
                   <p:ext uri="{D42A27DB-BD31-4B8C-83A1-F6EECF244321}">
-                    <p14:modId xmlns:p14="http://schemas.microsoft.com/office/powerpoint/2010/main" val="225267207"/>
+                    <p14:modId xmlns:p14="http://schemas.microsoft.com/office/powerpoint/2010/main" val="3924166299"/>
                   </p:ext>
                 </p:extLst>
               </p:nvPr>
@@ -50922,7 +49216,7 @@
             </a:graphic>
           </p:graphicFrame>
         </mc:Choice>
-        <mc:Fallback xmlns="">
+        <mc:Fallback>
           <p:graphicFrame>
             <p:nvGraphicFramePr>
               <p:cNvPr id="7" name="Diagram 6">
@@ -50936,7 +49230,7 @@
               <p:nvPr>
                 <p:extLst>
                   <p:ext uri="{D42A27DB-BD31-4B8C-83A1-F6EECF244321}">
-                    <p14:modId xmlns:p14="http://schemas.microsoft.com/office/powerpoint/2010/main" val="225267207"/>
+                    <p14:modId xmlns:p14="http://schemas.microsoft.com/office/powerpoint/2010/main" val="3924166299"/>
                   </p:ext>
                 </p:extLst>
               </p:nvPr>
@@ -50947,7 +49241,7 @@
             </p:xfrm>
             <a:graphic>
               <a:graphicData uri="http://schemas.openxmlformats.org/drawingml/2006/diagram">
-                <dgm:relIds xmlns:dgm="http://schemas.openxmlformats.org/drawingml/2006/diagram" xmlns:r="http://schemas.openxmlformats.org/officeDocument/2006/relationships" r:dm="rId7" r:lo="rId8" r:qs="rId9" r:cs="rId10"/>
+                <dgm:relIds xmlns:dgm="http://schemas.openxmlformats.org/drawingml/2006/diagram" xmlns:r="http://schemas.openxmlformats.org/officeDocument/2006/relationships" r:dm="rId7" r:lo="rId3" r:qs="rId4" r:cs="rId5"/>
               </a:graphicData>
             </a:graphic>
           </p:graphicFrame>
@@ -50988,7 +49282,7 @@
             <p:nvPr/>
           </p:nvPicPr>
           <p:blipFill>
-            <a:blip r:embed="rId11"/>
+            <a:blip r:embed="rId8"/>
             <a:stretch>
               <a:fillRect/>
             </a:stretch>
@@ -54042,8 +52336,8 @@
           </a:p>
         </p:txBody>
       </p:sp>
-      <mc:AlternateContent xmlns:mc="http://schemas.openxmlformats.org/markup-compatibility/2006">
-        <mc:Choice xmlns:a14="http://schemas.microsoft.com/office/drawing/2010/main" Requires="a14">
+      <mc:AlternateContent xmlns:mc="http://schemas.openxmlformats.org/markup-compatibility/2006" xmlns:a14="http://schemas.microsoft.com/office/drawing/2010/main">
+        <mc:Choice Requires="a14">
           <p:sp>
             <p:nvSpPr>
               <p:cNvPr id="5" name="Rectangle 4">
@@ -54111,7 +52405,7 @@
             </p:txBody>
           </p:sp>
         </mc:Choice>
-        <mc:Fallback>
+        <mc:Fallback xmlns="">
           <p:sp>
             <p:nvSpPr>
               <p:cNvPr id="5" name="Rectangle 4">
@@ -54260,6 +52554,215 @@
               <a:ln>
                 <a:noFill/>
               </a:ln>
+            </p:spPr>
+            <p:txBody>
+              <a:bodyPr/>
+              <a:lstStyle/>
+              <a:p>
+                <a:r>
+                  <a:rPr lang="en-US">
+                    <a:noFill/>
+                  </a:rPr>
+                  <a:t> </a:t>
+                </a:r>
+              </a:p>
+            </p:txBody>
+          </p:sp>
+        </mc:Fallback>
+      </mc:AlternateContent>
+      <mc:AlternateContent xmlns:mc="http://schemas.openxmlformats.org/markup-compatibility/2006">
+        <mc:Choice xmlns:a14="http://schemas.microsoft.com/office/drawing/2010/main" Requires="a14">
+          <p:sp>
+            <p:nvSpPr>
+              <p:cNvPr id="8" name="TextBox 7">
+                <a:extLst>
+                  <a:ext uri="{FF2B5EF4-FFF2-40B4-BE49-F238E27FC236}">
+                    <a16:creationId xmlns:a16="http://schemas.microsoft.com/office/drawing/2014/main" id="{1A4B6F61-2E16-6574-463A-98726BAC16D3}"/>
+                  </a:ext>
+                </a:extLst>
+              </p:cNvPr>
+              <p:cNvSpPr txBox="1"/>
+              <p:nvPr/>
+            </p:nvSpPr>
+            <p:spPr>
+              <a:xfrm>
+                <a:off x="5563006" y="3059091"/>
+                <a:ext cx="6097508" cy="461665"/>
+              </a:xfrm>
+              <a:prstGeom prst="rect">
+                <a:avLst/>
+              </a:prstGeom>
+              <a:noFill/>
+            </p:spPr>
+            <p:txBody>
+              <a:bodyPr wrap="square">
+                <a:spAutoFit/>
+              </a:bodyPr>
+              <a:lstStyle/>
+              <a:p>
+                <a:pPr lvl="0"/>
+                <a14:m>
+                  <m:oMathPara xmlns:m="http://schemas.openxmlformats.org/officeDocument/2006/math">
+                    <m:oMathParaPr>
+                      <m:jc m:val="centerGroup"/>
+                    </m:oMathParaPr>
+                    <m:oMath xmlns:m="http://schemas.openxmlformats.org/officeDocument/2006/math">
+                      <m:sSub>
+                        <m:sSubPr>
+                          <m:ctrlPr>
+                            <a:rPr lang="en-US" sz="2400" i="1" smtClean="0">
+                              <a:latin typeface="Cambria Math" panose="02040503050406030204" pitchFamily="18" charset="0"/>
+                            </a:rPr>
+                          </m:ctrlPr>
+                        </m:sSubPr>
+                        <m:e>
+                          <m:r>
+                            <m:rPr>
+                              <m:sty m:val="p"/>
+                            </m:rPr>
+                            <a:rPr lang="en-US" sz="2400" b="0" i="0" smtClean="0">
+                              <a:latin typeface="Cambria Math" panose="02040503050406030204" pitchFamily="18" charset="0"/>
+                            </a:rPr>
+                            <m:t>Δ</m:t>
+                          </m:r>
+                          <m:r>
+                            <a:rPr lang="en-US" sz="2400" i="1">
+                              <a:latin typeface="Cambria Math" panose="02040503050406030204" pitchFamily="18" charset="0"/>
+                            </a:rPr>
+                            <m:t>𝑋</m:t>
+                          </m:r>
+                        </m:e>
+                        <m:sub>
+                          <m:r>
+                            <a:rPr lang="en-US" sz="2400" i="1">
+                              <a:latin typeface="Cambria Math" panose="02040503050406030204" pitchFamily="18" charset="0"/>
+                            </a:rPr>
+                            <m:t>𝑡</m:t>
+                          </m:r>
+                        </m:sub>
+                      </m:sSub>
+                      <m:r>
+                        <m:rPr>
+                          <m:nor/>
+                        </m:rPr>
+                        <a:rPr lang="en-US" sz="2400">
+                          <a:latin typeface="Cambria Math" panose="02040503050406030204" pitchFamily="18" charset="0"/>
+                        </a:rPr>
+                        <m:t>~</m:t>
+                      </m:r>
+                      <m:r>
+                        <m:rPr>
+                          <m:nor/>
+                        </m:rPr>
+                        <a:rPr lang="en-US" sz="2400" dirty="0"/>
+                        <m:t> </m:t>
+                      </m:r>
+                      <m:r>
+                        <m:rPr>
+                          <m:nor/>
+                        </m:rPr>
+                        <a:rPr lang="en-US" sz="2400" i="1" dirty="0"/>
+                        <m:t>Gamma</m:t>
+                      </m:r>
+                      <m:r>
+                        <m:rPr>
+                          <m:nor/>
+                        </m:rPr>
+                        <a:rPr lang="en-US" sz="2400" dirty="0"/>
+                        <m:t>(</m:t>
+                      </m:r>
+                      <m:r>
+                        <m:rPr>
+                          <m:sty m:val="p"/>
+                        </m:rPr>
+                        <a:rPr lang="en-US" sz="2400" i="1" dirty="0">
+                          <a:latin typeface="Cambria Math" panose="02040503050406030204" pitchFamily="18" charset="0"/>
+                        </a:rPr>
+                        <m:t>α</m:t>
+                      </m:r>
+                      <m:r>
+                        <a:rPr lang="en-US" sz="2400" b="0" i="1" dirty="0" smtClean="0">
+                          <a:latin typeface="Cambria Math" panose="02040503050406030204" pitchFamily="18" charset="0"/>
+                        </a:rPr>
+                        <m:t> </m:t>
+                      </m:r>
+                      <m:r>
+                        <m:rPr>
+                          <m:sty m:val="p"/>
+                        </m:rPr>
+                        <a:rPr lang="en-US" sz="2400" b="0" i="0" dirty="0" smtClean="0">
+                          <a:latin typeface="Cambria Math" panose="02040503050406030204" pitchFamily="18" charset="0"/>
+                        </a:rPr>
+                        <m:t>Δ</m:t>
+                      </m:r>
+                      <m:r>
+                        <a:rPr lang="en-US" sz="2400" i="1" dirty="0">
+                          <a:latin typeface="Cambria Math" panose="02040503050406030204" pitchFamily="18" charset="0"/>
+                        </a:rPr>
+                        <m:t>𝑡</m:t>
+                      </m:r>
+                      <m:r>
+                        <a:rPr lang="en-US" sz="2400" i="1" dirty="0">
+                          <a:latin typeface="Cambria Math" panose="02040503050406030204" pitchFamily="18" charset="0"/>
+                        </a:rPr>
+                        <m:t>,</m:t>
+                      </m:r>
+                      <m:r>
+                        <m:rPr>
+                          <m:sty m:val="p"/>
+                        </m:rPr>
+                        <a:rPr lang="en-US" sz="2400" b="0" i="1" dirty="0" smtClean="0">
+                          <a:solidFill>
+                            <a:schemeClr val="tx1"/>
+                          </a:solidFill>
+                          <a:latin typeface="Cambria Math" panose="02040503050406030204" pitchFamily="18" charset="0"/>
+                        </a:rPr>
+                        <m:t>ν</m:t>
+                      </m:r>
+                      <m:r>
+                        <m:rPr>
+                          <m:nor/>
+                        </m:rPr>
+                        <a:rPr lang="en-US" sz="2400" dirty="0"/>
+                        <m:t>) </m:t>
+                      </m:r>
+                    </m:oMath>
+                  </m:oMathPara>
+                </a14:m>
+                <a:endParaRPr lang="en-US" sz="2400" dirty="0"/>
+              </a:p>
+            </p:txBody>
+          </p:sp>
+        </mc:Choice>
+        <mc:Fallback>
+          <p:sp>
+            <p:nvSpPr>
+              <p:cNvPr id="8" name="TextBox 7">
+                <a:extLst>
+                  <a:ext uri="{FF2B5EF4-FFF2-40B4-BE49-F238E27FC236}">
+                    <a16:creationId xmlns:a16="http://schemas.microsoft.com/office/drawing/2014/main" id="{1A4B6F61-2E16-6574-463A-98726BAC16D3}"/>
+                  </a:ext>
+                </a:extLst>
+              </p:cNvPr>
+              <p:cNvSpPr txBox="1">
+                <a:spLocks noRot="1" noChangeAspect="1" noMove="1" noResize="1" noEditPoints="1" noAdjustHandles="1" noChangeArrowheads="1" noChangeShapeType="1" noTextEdit="1"/>
+              </p:cNvSpPr>
+              <p:nvPr/>
+            </p:nvSpPr>
+            <p:spPr>
+              <a:xfrm>
+                <a:off x="5563006" y="3059091"/>
+                <a:ext cx="6097508" cy="461665"/>
+              </a:xfrm>
+              <a:prstGeom prst="rect">
+                <a:avLst/>
+              </a:prstGeom>
+              <a:blipFill>
+                <a:blip r:embed="rId4"/>
+                <a:stretch>
+                  <a:fillRect t="-5263" b="-23684"/>
+                </a:stretch>
+              </a:blipFill>
             </p:spPr>
             <p:txBody>
               <a:bodyPr/>
@@ -54515,6 +53018,51 @@
                       </p:childTnLst>
                     </p:cTn>
                   </p:par>
+                  <p:par>
+                    <p:cTn id="19" fill="hold">
+                      <p:stCondLst>
+                        <p:cond delay="indefinite"/>
+                      </p:stCondLst>
+                      <p:childTnLst>
+                        <p:par>
+                          <p:cTn id="20" fill="hold">
+                            <p:stCondLst>
+                              <p:cond delay="0"/>
+                            </p:stCondLst>
+                            <p:childTnLst>
+                              <p:par>
+                                <p:cTn id="21" presetID="1" presetClass="entr" presetSubtype="0" fill="hold" grpId="0" nodeType="clickEffect">
+                                  <p:stCondLst>
+                                    <p:cond delay="0"/>
+                                  </p:stCondLst>
+                                  <p:childTnLst>
+                                    <p:set>
+                                      <p:cBhvr>
+                                        <p:cTn id="22" dur="1" fill="hold">
+                                          <p:stCondLst>
+                                            <p:cond delay="0"/>
+                                          </p:stCondLst>
+                                        </p:cTn>
+                                        <p:tgtEl>
+                                          <p:spTgt spid="8"/>
+                                        </p:tgtEl>
+                                        <p:attrNameLst>
+                                          <p:attrName>style.visibility</p:attrName>
+                                        </p:attrNameLst>
+                                      </p:cBhvr>
+                                      <p:to>
+                                        <p:strVal val="visible"/>
+                                      </p:to>
+                                    </p:set>
+                                  </p:childTnLst>
+                                </p:cTn>
+                              </p:par>
+                            </p:childTnLst>
+                          </p:cTn>
+                        </p:par>
+                      </p:childTnLst>
+                    </p:cTn>
+                  </p:par>
                 </p:childTnLst>
               </p:cTn>
               <p:prevCondLst>
@@ -54538,6 +53086,7 @@
     </p:tnLst>
     <p:bldLst>
       <p:bldP spid="3" grpId="0" build="p"/>
+      <p:bldP spid="8" grpId="0"/>
     </p:bldLst>
   </p:timing>
 </p:sld>
@@ -54596,8 +53145,8 @@
           </a:p>
         </p:txBody>
       </p:sp>
-      <mc:AlternateContent xmlns:mc="http://schemas.openxmlformats.org/markup-compatibility/2006">
-        <mc:Choice xmlns:a14="http://schemas.microsoft.com/office/drawing/2010/main" Requires="a14">
+      <mc:AlternateContent xmlns:mc="http://schemas.openxmlformats.org/markup-compatibility/2006" xmlns:a14="http://schemas.microsoft.com/office/drawing/2010/main">
+        <mc:Choice Requires="a14">
           <p:sp>
             <p:nvSpPr>
               <p:cNvPr id="3" name="Content Placeholder 2">
@@ -54660,7 +53209,7 @@
             </p:txBody>
           </p:sp>
         </mc:Choice>
-        <mc:Fallback>
+        <mc:Fallback xmlns="">
           <p:sp>
             <p:nvSpPr>
               <p:cNvPr id="3" name="Content Placeholder 2">
@@ -54818,11 +53367,7 @@
                                           </p:stCondLst>
                                         </p:cTn>
                                         <p:tgtEl>
-                                          <p:spTgt spid="3">
-                                            <p:txEl>
-                                              <p:pRg st="0" end="0"/>
-                                            </p:txEl>
-                                          </p:spTgt>
+                                          <p:spTgt spid="9"/>
                                         </p:tgtEl>
                                         <p:attrNameLst>
                                           <p:attrName>style.visibility</p:attrName>
@@ -54869,7 +53414,7 @@
                                         <p:tgtEl>
                                           <p:spTgt spid="3">
                                             <p:txEl>
-                                              <p:pRg st="1" end="1"/>
+                                              <p:pRg st="0" end="0"/>
                                             </p:txEl>
                                           </p:spTgt>
                                         </p:tgtEl>
@@ -54918,7 +53463,7 @@
                                         <p:tgtEl>
                                           <p:spTgt spid="3">
                                             <p:txEl>
-                                              <p:pRg st="2" end="2"/>
+                                              <p:pRg st="1" end="1"/>
                                             </p:txEl>
                                           </p:spTgt>
                                         </p:tgtEl>
@@ -54965,7 +53510,11 @@
                                           </p:stCondLst>
                                         </p:cTn>
                                         <p:tgtEl>
-                                          <p:spTgt spid="9"/>
+                                          <p:spTgt spid="3">
+                                            <p:txEl>
+                                              <p:pRg st="2" end="2"/>
+                                            </p:txEl>
+                                          </p:spTgt>
                                         </p:tgtEl>
                                         <p:attrNameLst>
                                           <p:attrName>style.visibility</p:attrName>
